--- a/第5章-文件操作与异常处理/第5章-文件操作与异常处理.pptx
+++ b/第5章-文件操作与异常处理/第5章-文件操作与异常处理.pptx
@@ -26,9 +26,9 @@
     <p:sldId id="2771" r:id="rId14"/>
     <p:sldId id="2766" r:id="rId15"/>
     <p:sldId id="2764" r:id="rId16"/>
-    <p:sldId id="2760" r:id="rId17"/>
+    <p:sldId id="2741" r:id="rId17"/>
   </p:sldIdLst>
-  <p:sldSz cx="9144000" cy="6858000" type="screen4x3"/>
+  <p:sldSz cx="12192000" cy="6858000"/>
   <p:notesSz cx="7099300" cy="10234613"/>
   <p:custDataLst>
     <p:tags r:id="rId20"/>
@@ -161,257 +161,257 @@
   <p:extLst>
     <p:ext uri="{EFAFB233-063F-42B5-8137-9DF3F51BA10A}">
       <p15:sldGuideLst xmlns:p15="http://schemas.microsoft.com/office/powerpoint/2012/main">
-        <p15:guide id="1" orient="horz" pos="663">
+        <p15:guide id="1" orient="horz" pos="663" userDrawn="1">
           <p15:clr>
             <a:srgbClr val="A4A3A4"/>
           </p15:clr>
         </p15:guide>
-        <p15:guide id="2" orient="horz" pos="1412">
+        <p15:guide id="2" orient="horz" pos="1412" userDrawn="1">
           <p15:clr>
             <a:srgbClr val="A4A3A4"/>
           </p15:clr>
         </p15:guide>
-        <p15:guide id="3" pos="181">
+        <p15:guide id="3" pos="241" userDrawn="1">
           <p15:clr>
             <a:srgbClr val="A4A3A4"/>
           </p15:clr>
         </p15:guide>
-        <p15:guide id="4" pos="5556">
+        <p15:guide id="4" pos="7408" userDrawn="1">
           <p15:clr>
             <a:srgbClr val="A4A3A4"/>
           </p15:clr>
         </p15:guide>
-        <p15:guide id="5" pos="2903">
+        <p15:guide id="5" pos="3871" userDrawn="1">
           <p15:clr>
             <a:srgbClr val="A4A3A4"/>
           </p15:clr>
         </p15:guide>
-        <p15:guide id="6" orient="horz" pos="700">
+        <p15:guide id="6" orient="horz" pos="700" userDrawn="1">
           <p15:clr>
             <a:srgbClr val="A4A3A4"/>
           </p15:clr>
         </p15:guide>
-        <p15:guide id="7" orient="horz" pos="4119">
+        <p15:guide id="7" orient="horz" pos="4119" userDrawn="1">
           <p15:clr>
             <a:srgbClr val="A4A3A4"/>
           </p15:clr>
         </p15:guide>
-        <p15:guide id="8" pos="311">
+        <p15:guide id="8" pos="415" userDrawn="1">
           <p15:clr>
             <a:srgbClr val="A4A3A4"/>
           </p15:clr>
         </p15:guide>
-        <p15:guide id="9" pos="5501">
+        <p15:guide id="9" pos="7335" userDrawn="1">
           <p15:clr>
             <a:srgbClr val="A4A3A4"/>
           </p15:clr>
         </p15:guide>
-        <p15:guide id="10" orient="horz" pos="462">
+        <p15:guide id="10" orient="horz" pos="462" userDrawn="1">
           <p15:clr>
             <a:srgbClr val="A4A3A4"/>
           </p15:clr>
         </p15:guide>
-        <p15:guide id="11" pos="77">
+        <p15:guide id="11" pos="103" userDrawn="1">
           <p15:clr>
             <a:srgbClr val="A4A3A4"/>
           </p15:clr>
         </p15:guide>
-        <p15:guide id="12" pos="72">
+        <p15:guide id="12" pos="96" userDrawn="1">
           <p15:clr>
             <a:srgbClr val="A4A3A4"/>
           </p15:clr>
         </p15:guide>
-        <p15:guide id="13" orient="horz" pos="2">
+        <p15:guide id="13" orient="horz" pos="2" userDrawn="1">
           <p15:clr>
             <a:srgbClr val="A4A3A4"/>
           </p15:clr>
         </p15:guide>
-        <p15:guide id="14" pos="807">
+        <p15:guide id="14" pos="1076" userDrawn="1">
           <p15:clr>
             <a:srgbClr val="A4A3A4"/>
           </p15:clr>
         </p15:guide>
-        <p15:guide id="15" pos="1463">
+        <p15:guide id="15" pos="1951" userDrawn="1">
           <p15:clr>
             <a:srgbClr val="A4A3A4"/>
           </p15:clr>
         </p15:guide>
-        <p15:guide id="16" pos="2079">
+        <p15:guide id="16" pos="2772" userDrawn="1">
           <p15:clr>
             <a:srgbClr val="A4A3A4"/>
           </p15:clr>
         </p15:guide>
-        <p15:guide id="17" pos="2714">
+        <p15:guide id="17" pos="3619" userDrawn="1">
           <p15:clr>
             <a:srgbClr val="A4A3A4"/>
           </p15:clr>
         </p15:guide>
-        <p15:guide id="18" pos="3370">
+        <p15:guide id="18" pos="4493" userDrawn="1">
           <p15:clr>
             <a:srgbClr val="A4A3A4"/>
           </p15:clr>
         </p15:guide>
-        <p15:guide id="19" pos="3985">
+        <p15:guide id="19" pos="5313" userDrawn="1">
           <p15:clr>
             <a:srgbClr val="A4A3A4"/>
           </p15:clr>
         </p15:guide>
-        <p15:guide id="20" pos="4631">
+        <p15:guide id="20" pos="6175" userDrawn="1">
           <p15:clr>
             <a:srgbClr val="A4A3A4"/>
           </p15:clr>
         </p15:guide>
-        <p15:guide id="21" orient="horz" pos="581">
+        <p15:guide id="21" orient="horz" pos="581" userDrawn="1">
           <p15:clr>
             <a:srgbClr val="A4A3A4"/>
           </p15:clr>
         </p15:guide>
-        <p15:guide id="22" orient="horz" pos="3230">
+        <p15:guide id="22" orient="horz" pos="3230" userDrawn="1">
           <p15:clr>
             <a:srgbClr val="A4A3A4"/>
           </p15:clr>
         </p15:guide>
-        <p15:guide id="23" orient="horz" pos="1230">
+        <p15:guide id="23" orient="horz" pos="1230" userDrawn="1">
           <p15:clr>
             <a:srgbClr val="A4A3A4"/>
           </p15:clr>
         </p15:guide>
-        <p15:guide id="24" orient="horz">
+        <p15:guide id="24" orient="horz" userDrawn="1">
           <p15:clr>
             <a:srgbClr val="A4A3A4"/>
           </p15:clr>
         </p15:guide>
-        <p15:guide id="25" orient="horz" pos="1450">
+        <p15:guide id="25" orient="horz" pos="1450" userDrawn="1">
           <p15:clr>
             <a:srgbClr val="A4A3A4"/>
           </p15:clr>
         </p15:guide>
-        <p15:guide id="26" pos="281">
+        <p15:guide id="26" pos="375" userDrawn="1">
           <p15:clr>
             <a:srgbClr val="A4A3A4"/>
           </p15:clr>
         </p15:guide>
-        <p15:guide id="27" orient="horz" pos="3095">
+        <p15:guide id="27" orient="horz" pos="3095" userDrawn="1">
           <p15:clr>
             <a:srgbClr val="A4A3A4"/>
           </p15:clr>
         </p15:guide>
-        <p15:guide id="28" orient="horz" pos="2372">
+        <p15:guide id="28" orient="horz" pos="2372" userDrawn="1">
           <p15:clr>
             <a:srgbClr val="A4A3A4"/>
           </p15:clr>
         </p15:guide>
-        <p15:guide id="29" orient="horz" pos="4159">
+        <p15:guide id="29" orient="horz" pos="4159" userDrawn="1">
           <p15:clr>
             <a:srgbClr val="A4A3A4"/>
           </p15:clr>
         </p15:guide>
-        <p15:guide id="30" pos="313">
+        <p15:guide id="30" pos="417" userDrawn="1">
           <p15:clr>
             <a:srgbClr val="A4A3A4"/>
           </p15:clr>
         </p15:guide>
-        <p15:guide id="31" pos="1655">
+        <p15:guide id="31" pos="2207" userDrawn="1">
           <p15:clr>
             <a:srgbClr val="A4A3A4"/>
           </p15:clr>
         </p15:guide>
-        <p15:guide id="32" pos="5727">
+        <p15:guide id="32" pos="7636" userDrawn="1">
           <p15:clr>
             <a:srgbClr val="A4A3A4"/>
           </p15:clr>
         </p15:guide>
-        <p15:guide id="33" orient="horz" pos="632">
+        <p15:guide id="33" orient="horz" pos="632" userDrawn="1">
           <p15:clr>
             <a:srgbClr val="A4A3A4"/>
           </p15:clr>
         </p15:guide>
-        <p15:guide id="34" orient="horz" pos="1461">
+        <p15:guide id="34" orient="horz" pos="1461" userDrawn="1">
           <p15:clr>
             <a:srgbClr val="A4A3A4"/>
           </p15:clr>
         </p15:guide>
-        <p15:guide id="35" orient="horz" pos="2262">
+        <p15:guide id="35" orient="horz" pos="2262" userDrawn="1">
           <p15:clr>
             <a:srgbClr val="A4A3A4"/>
           </p15:clr>
         </p15:guide>
-        <p15:guide id="36" orient="horz" pos="3072">
+        <p15:guide id="36" orient="horz" pos="3072" userDrawn="1">
           <p15:clr>
             <a:srgbClr val="A4A3A4"/>
           </p15:clr>
         </p15:guide>
-        <p15:guide id="37" pos="765">
+        <p15:guide id="37" pos="1020" userDrawn="1">
           <p15:clr>
             <a:srgbClr val="A4A3A4"/>
           </p15:clr>
         </p15:guide>
-        <p15:guide id="38" pos="5580">
+        <p15:guide id="38" pos="7440" userDrawn="1">
           <p15:clr>
             <a:srgbClr val="A4A3A4"/>
           </p15:clr>
         </p15:guide>
-        <p15:guide id="39" pos="5039">
+        <p15:guide id="39" pos="6719" userDrawn="1">
           <p15:clr>
             <a:srgbClr val="A4A3A4"/>
           </p15:clr>
         </p15:guide>
-        <p15:guide id="40" orient="horz" pos="621">
+        <p15:guide id="40" orient="horz" pos="621" userDrawn="1">
           <p15:clr>
             <a:srgbClr val="A4A3A4"/>
           </p15:clr>
         </p15:guide>
-        <p15:guide id="41" orient="horz" pos="38">
+        <p15:guide id="41" orient="horz" pos="38" userDrawn="1">
           <p15:clr>
             <a:srgbClr val="A4A3A4"/>
           </p15:clr>
         </p15:guide>
-        <p15:guide id="42" orient="horz" pos="4319">
+        <p15:guide id="42" orient="horz" pos="4319" userDrawn="1">
           <p15:clr>
             <a:srgbClr val="A4A3A4"/>
           </p15:clr>
         </p15:guide>
-        <p15:guide id="43" orient="horz" pos="39">
+        <p15:guide id="43" orient="horz" pos="39" userDrawn="1">
           <p15:clr>
             <a:srgbClr val="A4A3A4"/>
           </p15:clr>
         </p15:guide>
-        <p15:guide id="44" pos="3367">
+        <p15:guide id="44" pos="4489" userDrawn="1">
           <p15:clr>
             <a:srgbClr val="A4A3A4"/>
           </p15:clr>
         </p15:guide>
-        <p15:guide id="45" pos="4655">
+        <p15:guide id="45" pos="6207" userDrawn="1">
           <p15:clr>
             <a:srgbClr val="A4A3A4"/>
           </p15:clr>
         </p15:guide>
-        <p15:guide id="46" orient="horz" pos="1">
+        <p15:guide id="46" orient="horz" pos="1" userDrawn="1">
           <p15:clr>
             <a:srgbClr val="A4A3A4"/>
           </p15:clr>
         </p15:guide>
-        <p15:guide id="47" orient="horz" pos="4067">
+        <p15:guide id="47" orient="horz" pos="4067" userDrawn="1">
           <p15:clr>
             <a:srgbClr val="A4A3A4"/>
           </p15:clr>
         </p15:guide>
-        <p15:guide id="48" orient="horz" pos="601">
+        <p15:guide id="48" orient="horz" pos="601" userDrawn="1">
           <p15:clr>
             <a:srgbClr val="A4A3A4"/>
           </p15:clr>
         </p15:guide>
-        <p15:guide id="49" pos="149">
+        <p15:guide id="49" pos="199" userDrawn="1">
           <p15:clr>
             <a:srgbClr val="A4A3A4"/>
           </p15:clr>
         </p15:guide>
-        <p15:guide id="50" pos="5589">
+        <p15:guide id="50" pos="7452" userDrawn="1">
           <p15:clr>
             <a:srgbClr val="A4A3A4"/>
           </p15:clr>
         </p15:guide>
-        <p15:guide id="51" pos="3227">
+        <p15:guide id="51" pos="4303" userDrawn="1">
           <p15:clr>
             <a:srgbClr val="A4A3A4"/>
           </p15:clr>
@@ -452,6 +452,135 @@
 
 <file path=ppt/changesInfos/changesInfo1.xml><?xml version="1.0" encoding="utf-8"?>
 <pc:chgInfo xmlns:a="http://schemas.openxmlformats.org/drawingml/2006/main" xmlns:r="http://schemas.openxmlformats.org/officeDocument/2006/relationships" xmlns:ac="http://schemas.microsoft.com/office/drawing/2013/main/command" xmlns:pc="http://schemas.microsoft.com/office/powerpoint/2013/main/command">
+  <pc:docChgLst>
+    <pc:chgData name="Xin Luo" userId="82312ee5779919a4" providerId="LiveId" clId="{2800F99A-8A54-2B47-A823-B15E42F1D981}"/>
+    <pc:docChg chg="custSel delSld modSld">
+      <pc:chgData name="Xin Luo" userId="82312ee5779919a4" providerId="LiveId" clId="{2800F99A-8A54-2B47-A823-B15E42F1D981}" dt="2025-05-08T15:37:54.066" v="192" actId="20577"/>
+      <pc:docMkLst>
+        <pc:docMk/>
+      </pc:docMkLst>
+      <pc:sldChg chg="delSp modSp mod">
+        <pc:chgData name="Xin Luo" userId="82312ee5779919a4" providerId="LiveId" clId="{2800F99A-8A54-2B47-A823-B15E42F1D981}" dt="2025-05-08T15:36:56.172" v="86" actId="1035"/>
+        <pc:sldMkLst>
+          <pc:docMk/>
+          <pc:sldMk cId="1576120367" sldId="2387"/>
+        </pc:sldMkLst>
+        <pc:spChg chg="mod">
+          <ac:chgData name="Xin Luo" userId="82312ee5779919a4" providerId="LiveId" clId="{2800F99A-8A54-2B47-A823-B15E42F1D981}" dt="2025-05-08T15:36:24.338" v="35" actId="20577"/>
+          <ac:spMkLst>
+            <pc:docMk/>
+            <pc:sldMk cId="1576120367" sldId="2387"/>
+            <ac:spMk id="5" creationId="{494DAA55-5621-28DB-D255-E0EBB6C6477B}"/>
+          </ac:spMkLst>
+        </pc:spChg>
+        <pc:spChg chg="mod">
+          <ac:chgData name="Xin Luo" userId="82312ee5779919a4" providerId="LiveId" clId="{2800F99A-8A54-2B47-A823-B15E42F1D981}" dt="2025-05-08T15:36:45.371" v="48" actId="20577"/>
+          <ac:spMkLst>
+            <pc:docMk/>
+            <pc:sldMk cId="1576120367" sldId="2387"/>
+            <ac:spMk id="14" creationId="{00000000-0000-0000-0000-000000000000}"/>
+          </ac:spMkLst>
+        </pc:spChg>
+        <pc:grpChg chg="mod">
+          <ac:chgData name="Xin Luo" userId="82312ee5779919a4" providerId="LiveId" clId="{2800F99A-8A54-2B47-A823-B15E42F1D981}" dt="2025-05-08T15:36:56.172" v="86" actId="1035"/>
+          <ac:grpSpMkLst>
+            <pc:docMk/>
+            <pc:sldMk cId="1576120367" sldId="2387"/>
+            <ac:grpSpMk id="2" creationId="{AFCAA61D-767A-24EA-9072-7425684288BB}"/>
+          </ac:grpSpMkLst>
+        </pc:grpChg>
+        <pc:grpChg chg="mod">
+          <ac:chgData name="Xin Luo" userId="82312ee5779919a4" providerId="LiveId" clId="{2800F99A-8A54-2B47-A823-B15E42F1D981}" dt="2025-05-08T15:36:56.172" v="86" actId="1035"/>
+          <ac:grpSpMkLst>
+            <pc:docMk/>
+            <pc:sldMk cId="1576120367" sldId="2387"/>
+            <ac:grpSpMk id="3" creationId="{12ED16A1-79B8-7DB1-1CC1-250B051BAD58}"/>
+          </ac:grpSpMkLst>
+        </pc:grpChg>
+      </pc:sldChg>
+      <pc:sldChg chg="modSp mod">
+        <pc:chgData name="Xin Luo" userId="82312ee5779919a4" providerId="LiveId" clId="{2800F99A-8A54-2B47-A823-B15E42F1D981}" dt="2025-05-08T15:37:14.888" v="125" actId="20577"/>
+        <pc:sldMkLst>
+          <pc:docMk/>
+          <pc:sldMk cId="2415901206" sldId="2447"/>
+        </pc:sldMkLst>
+        <pc:spChg chg="mod">
+          <ac:chgData name="Xin Luo" userId="82312ee5779919a4" providerId="LiveId" clId="{2800F99A-8A54-2B47-A823-B15E42F1D981}" dt="2025-05-08T15:37:14.888" v="125" actId="20577"/>
+          <ac:spMkLst>
+            <pc:docMk/>
+            <pc:sldMk cId="2415901206" sldId="2447"/>
+            <ac:spMk id="7" creationId="{00000000-0000-0000-0000-000000000000}"/>
+          </ac:spMkLst>
+        </pc:spChg>
+      </pc:sldChg>
+      <pc:sldChg chg="modSp mod">
+        <pc:chgData name="Xin Luo" userId="82312ee5779919a4" providerId="LiveId" clId="{2800F99A-8A54-2B47-A823-B15E42F1D981}" dt="2025-05-08T15:37:54.066" v="192" actId="20577"/>
+        <pc:sldMkLst>
+          <pc:docMk/>
+          <pc:sldMk cId="481122590" sldId="2709"/>
+        </pc:sldMkLst>
+        <pc:spChg chg="mod">
+          <ac:chgData name="Xin Luo" userId="82312ee5779919a4" providerId="LiveId" clId="{2800F99A-8A54-2B47-A823-B15E42F1D981}" dt="2025-05-08T15:37:54.066" v="192" actId="20577"/>
+          <ac:spMkLst>
+            <pc:docMk/>
+            <pc:sldMk cId="481122590" sldId="2709"/>
+            <ac:spMk id="7" creationId="{00000000-0000-0000-0000-000000000000}"/>
+          </ac:spMkLst>
+        </pc:spChg>
+      </pc:sldChg>
+      <pc:sldChg chg="del">
+        <pc:chgData name="Xin Luo" userId="82312ee5779919a4" providerId="LiveId" clId="{2800F99A-8A54-2B47-A823-B15E42F1D981}" dt="2025-05-08T15:37:45.289" v="168" actId="2696"/>
+        <pc:sldMkLst>
+          <pc:docMk/>
+          <pc:sldMk cId="972163772" sldId="2720"/>
+        </pc:sldMkLst>
+      </pc:sldChg>
+      <pc:sldChg chg="delSp modSp mod">
+        <pc:chgData name="Xin Luo" userId="82312ee5779919a4" providerId="LiveId" clId="{2800F99A-8A54-2B47-A823-B15E42F1D981}" dt="2025-05-08T15:37:38.667" v="164" actId="20577"/>
+        <pc:sldMkLst>
+          <pc:docMk/>
+          <pc:sldMk cId="3053350483" sldId="2729"/>
+        </pc:sldMkLst>
+        <pc:spChg chg="mod">
+          <ac:chgData name="Xin Luo" userId="82312ee5779919a4" providerId="LiveId" clId="{2800F99A-8A54-2B47-A823-B15E42F1D981}" dt="2025-05-08T15:37:27.788" v="128" actId="20577"/>
+          <ac:spMkLst>
+            <pc:docMk/>
+            <pc:sldMk cId="3053350483" sldId="2729"/>
+            <ac:spMk id="2" creationId="{631AADB6-C88A-D817-4683-FC087E4E240F}"/>
+          </ac:spMkLst>
+        </pc:spChg>
+        <pc:spChg chg="mod">
+          <ac:chgData name="Xin Luo" userId="82312ee5779919a4" providerId="LiveId" clId="{2800F99A-8A54-2B47-A823-B15E42F1D981}" dt="2025-05-08T15:37:38.667" v="164" actId="20577"/>
+          <ac:spMkLst>
+            <pc:docMk/>
+            <pc:sldMk cId="3053350483" sldId="2729"/>
+            <ac:spMk id="3" creationId="{00000000-0000-0000-0000-000000000000}"/>
+          </ac:spMkLst>
+        </pc:spChg>
+      </pc:sldChg>
+      <pc:sldChg chg="del">
+        <pc:chgData name="Xin Luo" userId="82312ee5779919a4" providerId="LiveId" clId="{2800F99A-8A54-2B47-A823-B15E42F1D981}" dt="2025-05-08T15:37:43.655" v="166" actId="2696"/>
+        <pc:sldMkLst>
+          <pc:docMk/>
+          <pc:sldMk cId="1201927867" sldId="2730"/>
+        </pc:sldMkLst>
+      </pc:sldChg>
+      <pc:sldChg chg="del">
+        <pc:chgData name="Xin Luo" userId="82312ee5779919a4" providerId="LiveId" clId="{2800F99A-8A54-2B47-A823-B15E42F1D981}" dt="2025-05-08T15:37:43.651" v="165" actId="2696"/>
+        <pc:sldMkLst>
+          <pc:docMk/>
+          <pc:sldMk cId="3947651410" sldId="2767"/>
+        </pc:sldMkLst>
+      </pc:sldChg>
+      <pc:sldChg chg="del">
+        <pc:chgData name="Xin Luo" userId="82312ee5779919a4" providerId="LiveId" clId="{2800F99A-8A54-2B47-A823-B15E42F1D981}" dt="2025-05-08T15:37:43.656" v="167" actId="2696"/>
+        <pc:sldMkLst>
+          <pc:docMk/>
+          <pc:sldMk cId="4149704501" sldId="2768"/>
+        </pc:sldMkLst>
+      </pc:sldChg>
+    </pc:docChg>
+  </pc:docChgLst>
   <pc:docChgLst>
     <pc:chgData name="Xin Luo" userId="82312ee5779919a4" providerId="LiveId" clId="{8A5F66E1-7174-D546-B865-3F1108B5FC7B}"/>
     <pc:docChg chg="undo custSel addSld delSld modSld sldOrd">
@@ -1102,135 +1231,6 @@
       </pc:sldChg>
     </pc:docChg>
   </pc:docChgLst>
-  <pc:docChgLst>
-    <pc:chgData name="Xin Luo" userId="82312ee5779919a4" providerId="LiveId" clId="{2800F99A-8A54-2B47-A823-B15E42F1D981}"/>
-    <pc:docChg chg="custSel delSld modSld">
-      <pc:chgData name="Xin Luo" userId="82312ee5779919a4" providerId="LiveId" clId="{2800F99A-8A54-2B47-A823-B15E42F1D981}" dt="2025-05-08T15:37:54.066" v="192" actId="20577"/>
-      <pc:docMkLst>
-        <pc:docMk/>
-      </pc:docMkLst>
-      <pc:sldChg chg="delSp modSp mod">
-        <pc:chgData name="Xin Luo" userId="82312ee5779919a4" providerId="LiveId" clId="{2800F99A-8A54-2B47-A823-B15E42F1D981}" dt="2025-05-08T15:36:56.172" v="86" actId="1035"/>
-        <pc:sldMkLst>
-          <pc:docMk/>
-          <pc:sldMk cId="1576120367" sldId="2387"/>
-        </pc:sldMkLst>
-        <pc:spChg chg="mod">
-          <ac:chgData name="Xin Luo" userId="82312ee5779919a4" providerId="LiveId" clId="{2800F99A-8A54-2B47-A823-B15E42F1D981}" dt="2025-05-08T15:36:24.338" v="35" actId="20577"/>
-          <ac:spMkLst>
-            <pc:docMk/>
-            <pc:sldMk cId="1576120367" sldId="2387"/>
-            <ac:spMk id="5" creationId="{494DAA55-5621-28DB-D255-E0EBB6C6477B}"/>
-          </ac:spMkLst>
-        </pc:spChg>
-        <pc:spChg chg="mod">
-          <ac:chgData name="Xin Luo" userId="82312ee5779919a4" providerId="LiveId" clId="{2800F99A-8A54-2B47-A823-B15E42F1D981}" dt="2025-05-08T15:36:45.371" v="48" actId="20577"/>
-          <ac:spMkLst>
-            <pc:docMk/>
-            <pc:sldMk cId="1576120367" sldId="2387"/>
-            <ac:spMk id="14" creationId="{00000000-0000-0000-0000-000000000000}"/>
-          </ac:spMkLst>
-        </pc:spChg>
-        <pc:grpChg chg="mod">
-          <ac:chgData name="Xin Luo" userId="82312ee5779919a4" providerId="LiveId" clId="{2800F99A-8A54-2B47-A823-B15E42F1D981}" dt="2025-05-08T15:36:56.172" v="86" actId="1035"/>
-          <ac:grpSpMkLst>
-            <pc:docMk/>
-            <pc:sldMk cId="1576120367" sldId="2387"/>
-            <ac:grpSpMk id="2" creationId="{AFCAA61D-767A-24EA-9072-7425684288BB}"/>
-          </ac:grpSpMkLst>
-        </pc:grpChg>
-        <pc:grpChg chg="mod">
-          <ac:chgData name="Xin Luo" userId="82312ee5779919a4" providerId="LiveId" clId="{2800F99A-8A54-2B47-A823-B15E42F1D981}" dt="2025-05-08T15:36:56.172" v="86" actId="1035"/>
-          <ac:grpSpMkLst>
-            <pc:docMk/>
-            <pc:sldMk cId="1576120367" sldId="2387"/>
-            <ac:grpSpMk id="3" creationId="{12ED16A1-79B8-7DB1-1CC1-250B051BAD58}"/>
-          </ac:grpSpMkLst>
-        </pc:grpChg>
-      </pc:sldChg>
-      <pc:sldChg chg="modSp mod">
-        <pc:chgData name="Xin Luo" userId="82312ee5779919a4" providerId="LiveId" clId="{2800F99A-8A54-2B47-A823-B15E42F1D981}" dt="2025-05-08T15:37:14.888" v="125" actId="20577"/>
-        <pc:sldMkLst>
-          <pc:docMk/>
-          <pc:sldMk cId="2415901206" sldId="2447"/>
-        </pc:sldMkLst>
-        <pc:spChg chg="mod">
-          <ac:chgData name="Xin Luo" userId="82312ee5779919a4" providerId="LiveId" clId="{2800F99A-8A54-2B47-A823-B15E42F1D981}" dt="2025-05-08T15:37:14.888" v="125" actId="20577"/>
-          <ac:spMkLst>
-            <pc:docMk/>
-            <pc:sldMk cId="2415901206" sldId="2447"/>
-            <ac:spMk id="7" creationId="{00000000-0000-0000-0000-000000000000}"/>
-          </ac:spMkLst>
-        </pc:spChg>
-      </pc:sldChg>
-      <pc:sldChg chg="modSp mod">
-        <pc:chgData name="Xin Luo" userId="82312ee5779919a4" providerId="LiveId" clId="{2800F99A-8A54-2B47-A823-B15E42F1D981}" dt="2025-05-08T15:37:54.066" v="192" actId="20577"/>
-        <pc:sldMkLst>
-          <pc:docMk/>
-          <pc:sldMk cId="481122590" sldId="2709"/>
-        </pc:sldMkLst>
-        <pc:spChg chg="mod">
-          <ac:chgData name="Xin Luo" userId="82312ee5779919a4" providerId="LiveId" clId="{2800F99A-8A54-2B47-A823-B15E42F1D981}" dt="2025-05-08T15:37:54.066" v="192" actId="20577"/>
-          <ac:spMkLst>
-            <pc:docMk/>
-            <pc:sldMk cId="481122590" sldId="2709"/>
-            <ac:spMk id="7" creationId="{00000000-0000-0000-0000-000000000000}"/>
-          </ac:spMkLst>
-        </pc:spChg>
-      </pc:sldChg>
-      <pc:sldChg chg="del">
-        <pc:chgData name="Xin Luo" userId="82312ee5779919a4" providerId="LiveId" clId="{2800F99A-8A54-2B47-A823-B15E42F1D981}" dt="2025-05-08T15:37:45.289" v="168" actId="2696"/>
-        <pc:sldMkLst>
-          <pc:docMk/>
-          <pc:sldMk cId="972163772" sldId="2720"/>
-        </pc:sldMkLst>
-      </pc:sldChg>
-      <pc:sldChg chg="delSp modSp mod">
-        <pc:chgData name="Xin Luo" userId="82312ee5779919a4" providerId="LiveId" clId="{2800F99A-8A54-2B47-A823-B15E42F1D981}" dt="2025-05-08T15:37:38.667" v="164" actId="20577"/>
-        <pc:sldMkLst>
-          <pc:docMk/>
-          <pc:sldMk cId="3053350483" sldId="2729"/>
-        </pc:sldMkLst>
-        <pc:spChg chg="mod">
-          <ac:chgData name="Xin Luo" userId="82312ee5779919a4" providerId="LiveId" clId="{2800F99A-8A54-2B47-A823-B15E42F1D981}" dt="2025-05-08T15:37:27.788" v="128" actId="20577"/>
-          <ac:spMkLst>
-            <pc:docMk/>
-            <pc:sldMk cId="3053350483" sldId="2729"/>
-            <ac:spMk id="2" creationId="{631AADB6-C88A-D817-4683-FC087E4E240F}"/>
-          </ac:spMkLst>
-        </pc:spChg>
-        <pc:spChg chg="mod">
-          <ac:chgData name="Xin Luo" userId="82312ee5779919a4" providerId="LiveId" clId="{2800F99A-8A54-2B47-A823-B15E42F1D981}" dt="2025-05-08T15:37:38.667" v="164" actId="20577"/>
-          <ac:spMkLst>
-            <pc:docMk/>
-            <pc:sldMk cId="3053350483" sldId="2729"/>
-            <ac:spMk id="3" creationId="{00000000-0000-0000-0000-000000000000}"/>
-          </ac:spMkLst>
-        </pc:spChg>
-      </pc:sldChg>
-      <pc:sldChg chg="del">
-        <pc:chgData name="Xin Luo" userId="82312ee5779919a4" providerId="LiveId" clId="{2800F99A-8A54-2B47-A823-B15E42F1D981}" dt="2025-05-08T15:37:43.655" v="166" actId="2696"/>
-        <pc:sldMkLst>
-          <pc:docMk/>
-          <pc:sldMk cId="1201927867" sldId="2730"/>
-        </pc:sldMkLst>
-      </pc:sldChg>
-      <pc:sldChg chg="del">
-        <pc:chgData name="Xin Luo" userId="82312ee5779919a4" providerId="LiveId" clId="{2800F99A-8A54-2B47-A823-B15E42F1D981}" dt="2025-05-08T15:37:43.651" v="165" actId="2696"/>
-        <pc:sldMkLst>
-          <pc:docMk/>
-          <pc:sldMk cId="3947651410" sldId="2767"/>
-        </pc:sldMkLst>
-      </pc:sldChg>
-      <pc:sldChg chg="del">
-        <pc:chgData name="Xin Luo" userId="82312ee5779919a4" providerId="LiveId" clId="{2800F99A-8A54-2B47-A823-B15E42F1D981}" dt="2025-05-08T15:37:43.656" v="167" actId="2696"/>
-        <pc:sldMkLst>
-          <pc:docMk/>
-          <pc:sldMk cId="4149704501" sldId="2768"/>
-        </pc:sldMkLst>
-      </pc:sldChg>
-    </pc:docChg>
-  </pc:docChgLst>
 </pc:chgInfo>
 </file>
 
@@ -1617,8 +1617,8 @@
         </p:nvSpPr>
         <p:spPr bwMode="auto">
           <a:xfrm>
-            <a:off x="993775" y="768350"/>
-            <a:ext cx="5116513" cy="3836988"/>
+            <a:off x="142875" y="768350"/>
+            <a:ext cx="6818313" cy="3836988"/>
           </a:xfrm>
           <a:prstGeom prst="rect">
             <a:avLst/>
@@ -1990,6 +1990,10 @@
           </p:nvPr>
         </p:nvSpPr>
         <p:spPr>
+          <a:xfrm>
+            <a:off x="142875" y="768350"/>
+            <a:ext cx="6818313" cy="3836988"/>
+          </a:xfrm>
           <a:ln/>
         </p:spPr>
       </p:sp>
@@ -2102,7 +2106,12 @@
             <p:ph type="sldImg"/>
           </p:nvPr>
         </p:nvSpPr>
-        <p:spPr/>
+        <p:spPr>
+          <a:xfrm>
+            <a:off x="142875" y="768350"/>
+            <a:ext cx="6818313" cy="3836988"/>
+          </a:xfrm>
+        </p:spPr>
       </p:sp>
       <p:sp>
         <p:nvSpPr>
@@ -2175,7 +2184,12 @@
             <p:ph type="sldImg"/>
           </p:nvPr>
         </p:nvSpPr>
-        <p:spPr/>
+        <p:spPr>
+          <a:xfrm>
+            <a:off x="142875" y="768350"/>
+            <a:ext cx="6818313" cy="3836988"/>
+          </a:xfrm>
+        </p:spPr>
       </p:sp>
       <p:sp>
         <p:nvSpPr>
@@ -2273,7 +2287,12 @@
             <p:ph type="sldImg"/>
           </p:nvPr>
         </p:nvSpPr>
-        <p:spPr/>
+        <p:spPr>
+          <a:xfrm>
+            <a:off x="142875" y="768350"/>
+            <a:ext cx="6818313" cy="3836988"/>
+          </a:xfrm>
+        </p:spPr>
       </p:sp>
       <p:sp>
         <p:nvSpPr>
@@ -2352,7 +2371,12 @@
             <p:ph type="sldImg"/>
           </p:nvPr>
         </p:nvSpPr>
-        <p:spPr/>
+        <p:spPr>
+          <a:xfrm>
+            <a:off x="142875" y="768350"/>
+            <a:ext cx="6818313" cy="3836988"/>
+          </a:xfrm>
+        </p:spPr>
       </p:sp>
       <p:sp>
         <p:nvSpPr>
@@ -2431,7 +2455,12 @@
             <p:ph type="sldImg"/>
           </p:nvPr>
         </p:nvSpPr>
-        <p:spPr/>
+        <p:spPr>
+          <a:xfrm>
+            <a:off x="142875" y="768350"/>
+            <a:ext cx="6818313" cy="3836988"/>
+          </a:xfrm>
+        </p:spPr>
       </p:sp>
       <p:sp>
         <p:nvSpPr>
@@ -2515,14 +2544,14 @@
           <a:bodyPr/>
           <a:lstStyle/>
           <a:p>
-            <a:endParaRPr lang="zh-CN" altLang="en-US"/>
+            <a:endParaRPr lang="zh-CN" altLang="en-US" dirty="0"/>
           </a:p>
         </p:txBody>
       </p:sp>
     </p:spTree>
     <p:extLst>
       <p:ext uri="{BB962C8B-B14F-4D97-AF65-F5344CB8AC3E}">
-        <p14:creationId xmlns:p14="http://schemas.microsoft.com/office/powerpoint/2010/main" val="3241313290"/>
+        <p14:creationId xmlns:p14="http://schemas.microsoft.com/office/powerpoint/2010/main" val="3363326210"/>
       </p:ext>
     </p:extLst>
   </p:cSld>
@@ -2559,7 +2588,12 @@
             <p:ph type="sldImg"/>
           </p:nvPr>
         </p:nvSpPr>
-        <p:spPr/>
+        <p:spPr>
+          <a:xfrm>
+            <a:off x="142875" y="768350"/>
+            <a:ext cx="6818313" cy="3836988"/>
+          </a:xfrm>
+        </p:spPr>
       </p:sp>
       <p:sp>
         <p:nvSpPr>
@@ -2652,7 +2686,12 @@
             <p:ph type="sldImg"/>
           </p:nvPr>
         </p:nvSpPr>
-        <p:spPr/>
+        <p:spPr>
+          <a:xfrm>
+            <a:off x="142875" y="768350"/>
+            <a:ext cx="6818313" cy="3836988"/>
+          </a:xfrm>
+        </p:spPr>
       </p:sp>
       <p:sp>
         <p:nvSpPr>
@@ -2713,7 +2752,12 @@
             <p:ph type="sldImg"/>
           </p:nvPr>
         </p:nvSpPr>
-        <p:spPr/>
+        <p:spPr>
+          <a:xfrm>
+            <a:off x="142875" y="768350"/>
+            <a:ext cx="6818313" cy="3836988"/>
+          </a:xfrm>
+        </p:spPr>
       </p:sp>
       <p:sp>
         <p:nvSpPr>
@@ -2786,7 +2830,12 @@
             <p:ph type="sldImg"/>
           </p:nvPr>
         </p:nvSpPr>
-        <p:spPr/>
+        <p:spPr>
+          <a:xfrm>
+            <a:off x="142875" y="768350"/>
+            <a:ext cx="6818313" cy="3836988"/>
+          </a:xfrm>
+        </p:spPr>
       </p:sp>
       <p:sp>
         <p:nvSpPr>
@@ -2865,7 +2914,12 @@
             <p:ph type="sldImg"/>
           </p:nvPr>
         </p:nvSpPr>
-        <p:spPr/>
+        <p:spPr>
+          <a:xfrm>
+            <a:off x="142875" y="768350"/>
+            <a:ext cx="6818313" cy="3836988"/>
+          </a:xfrm>
+        </p:spPr>
       </p:sp>
       <p:sp>
         <p:nvSpPr>
@@ -2959,7 +3013,12 @@
             <p:ph type="sldImg"/>
           </p:nvPr>
         </p:nvSpPr>
-        <p:spPr/>
+        <p:spPr>
+          <a:xfrm>
+            <a:off x="142875" y="768350"/>
+            <a:ext cx="6818313" cy="3836988"/>
+          </a:xfrm>
+        </p:spPr>
       </p:sp>
       <p:sp>
         <p:nvSpPr>
@@ -3038,7 +3097,12 @@
             <p:ph type="sldImg"/>
           </p:nvPr>
         </p:nvSpPr>
-        <p:spPr/>
+        <p:spPr>
+          <a:xfrm>
+            <a:off x="142875" y="768350"/>
+            <a:ext cx="6818313" cy="3836988"/>
+          </a:xfrm>
+        </p:spPr>
       </p:sp>
       <p:sp>
         <p:nvSpPr>
@@ -3117,7 +3181,12 @@
             <p:ph type="sldImg"/>
           </p:nvPr>
         </p:nvSpPr>
-        <p:spPr/>
+        <p:spPr>
+          <a:xfrm>
+            <a:off x="142875" y="768350"/>
+            <a:ext cx="6818313" cy="3836988"/>
+          </a:xfrm>
+        </p:spPr>
       </p:sp>
       <p:sp>
         <p:nvSpPr>
@@ -3193,7 +3262,7 @@
         <p:spPr bwMode="auto">
           <a:xfrm>
             <a:off x="0" y="2276475"/>
-            <a:ext cx="9144000" cy="2665413"/>
+            <a:ext cx="12192000" cy="369332"/>
           </a:xfrm>
           <a:prstGeom prst="rect">
             <a:avLst/>
@@ -3320,7 +3389,7 @@
             <a:pPr>
               <a:defRPr/>
             </a:pPr>
-            <a:endParaRPr kumimoji="0" lang="zh-CN" altLang="en-US">
+            <a:endParaRPr kumimoji="0" lang="zh-CN" altLang="en-US" sz="2400">
               <a:solidFill>
                 <a:prstClr val="white"/>
               </a:solidFill>
@@ -3340,7 +3409,7 @@
         <p:spPr bwMode="auto">
           <a:xfrm>
             <a:off x="0" y="2203450"/>
-            <a:ext cx="9144000" cy="71438"/>
+            <a:ext cx="12192000" cy="369332"/>
           </a:xfrm>
           <a:prstGeom prst="rect">
             <a:avLst/>
@@ -3467,7 +3536,7 @@
             <a:pPr>
               <a:defRPr/>
             </a:pPr>
-            <a:endParaRPr kumimoji="0" lang="zh-CN" altLang="en-US">
+            <a:endParaRPr kumimoji="0" lang="zh-CN" altLang="en-US" sz="2400">
               <a:solidFill>
                 <a:prstClr val="white"/>
               </a:solidFill>
@@ -3487,7 +3556,7 @@
         <p:spPr bwMode="auto">
           <a:xfrm>
             <a:off x="0" y="4870450"/>
-            <a:ext cx="9144000" cy="71438"/>
+            <a:ext cx="12192000" cy="369332"/>
           </a:xfrm>
           <a:prstGeom prst="rect">
             <a:avLst/>
@@ -3614,7 +3683,7 @@
             <a:pPr>
               <a:defRPr/>
             </a:pPr>
-            <a:endParaRPr kumimoji="0" lang="zh-CN" altLang="en-US">
+            <a:endParaRPr kumimoji="0" lang="zh-CN" altLang="en-US" sz="2400">
               <a:solidFill>
                 <a:prstClr val="white"/>
               </a:solidFill>
@@ -3635,8 +3704,8 @@
         </p:nvSpPr>
         <p:spPr>
           <a:xfrm>
-            <a:off x="1828800" y="1828800"/>
-            <a:ext cx="6934200" cy="2362200"/>
+            <a:off x="2438400" y="1828800"/>
+            <a:ext cx="9245600" cy="2362200"/>
           </a:xfrm>
           <a:noFill/>
         </p:spPr>
@@ -3667,8 +3736,8 @@
         </p:nvSpPr>
         <p:spPr>
           <a:xfrm>
-            <a:off x="1828800" y="4572000"/>
-            <a:ext cx="6934200" cy="1295400"/>
+            <a:off x="2438400" y="4572000"/>
+            <a:ext cx="9245600" cy="1295400"/>
           </a:xfrm>
           <a:prstGeom prst="rect">
             <a:avLst/>
@@ -3781,8 +3850,8 @@
         </p:nvSpPr>
         <p:spPr>
           <a:xfrm>
-            <a:off x="287338" y="981075"/>
-            <a:ext cx="7772400" cy="5184775"/>
+            <a:off x="383117" y="981076"/>
+            <a:ext cx="10363200" cy="5184775"/>
           </a:xfrm>
           <a:prstGeom prst="rect">
             <a:avLst/>
@@ -3896,8 +3965,8 @@
         </p:nvSpPr>
         <p:spPr>
           <a:xfrm>
-            <a:off x="6858000" y="-26988"/>
-            <a:ext cx="2286000" cy="6192838"/>
+            <a:off x="9144000" y="-26988"/>
+            <a:ext cx="3048000" cy="6192838"/>
           </a:xfrm>
         </p:spPr>
         <p:txBody>
@@ -3924,7 +3993,7 @@
         <p:spPr>
           <a:xfrm>
             <a:off x="0" y="-26988"/>
-            <a:ext cx="6705600" cy="6192838"/>
+            <a:ext cx="8940800" cy="6192838"/>
           </a:xfrm>
           <a:prstGeom prst="rect">
             <a:avLst/>
@@ -4039,7 +4108,7 @@
         <p:spPr>
           <a:xfrm>
             <a:off x="0" y="-26988"/>
-            <a:ext cx="9144000" cy="6192838"/>
+            <a:ext cx="12192000" cy="6192838"/>
           </a:xfrm>
           <a:prstGeom prst="rect">
             <a:avLst/>
@@ -4154,7 +4223,7 @@
         <p:spPr>
           <a:xfrm>
             <a:off x="0" y="-26988"/>
-            <a:ext cx="9144000" cy="792163"/>
+            <a:ext cx="12192000" cy="792163"/>
           </a:xfrm>
         </p:spPr>
         <p:txBody>
@@ -4180,8 +4249,8 @@
         </p:nvSpPr>
         <p:spPr>
           <a:xfrm>
-            <a:off x="685800" y="981075"/>
-            <a:ext cx="7772400" cy="5184775"/>
+            <a:off x="914400" y="981076"/>
+            <a:ext cx="10363200" cy="5184775"/>
           </a:xfrm>
           <a:prstGeom prst="rect">
             <a:avLst/>
@@ -4265,7 +4334,7 @@
         <p:spPr>
           <a:xfrm>
             <a:off x="0" y="-26988"/>
-            <a:ext cx="9144000" cy="792163"/>
+            <a:ext cx="12192000" cy="792163"/>
           </a:xfrm>
         </p:spPr>
         <p:txBody>
@@ -4291,8 +4360,8 @@
         </p:nvSpPr>
         <p:spPr>
           <a:xfrm>
-            <a:off x="685800" y="981075"/>
-            <a:ext cx="3810000" cy="5184775"/>
+            <a:off x="914400" y="981076"/>
+            <a:ext cx="5080000" cy="5184775"/>
           </a:xfrm>
           <a:prstGeom prst="rect">
             <a:avLst/>
@@ -4350,8 +4419,8 @@
         </p:nvSpPr>
         <p:spPr>
           <a:xfrm>
-            <a:off x="4648200" y="981075"/>
-            <a:ext cx="3810000" cy="5184775"/>
+            <a:off x="6197600" y="981076"/>
+            <a:ext cx="5080000" cy="5184775"/>
           </a:xfrm>
           <a:prstGeom prst="rect">
             <a:avLst/>
@@ -4471,7 +4540,7 @@
         <p:spPr bwMode="auto">
           <a:xfrm>
             <a:off x="0" y="-1"/>
-            <a:ext cx="9144000" cy="6858001"/>
+            <a:ext cx="12192000" cy="6858001"/>
           </a:xfrm>
           <a:prstGeom prst="rect">
             <a:avLst/>
@@ -4492,7 +4561,7 @@
         <p:spPr>
           <a:xfrm>
             <a:off x="0" y="0"/>
-            <a:ext cx="9144000" cy="1071546"/>
+            <a:ext cx="12192000" cy="1071546"/>
           </a:xfrm>
           <a:prstGeom prst="rect">
             <a:avLst/>
@@ -4598,8 +4667,8 @@
         </p:nvSpPr>
         <p:spPr>
           <a:xfrm>
-            <a:off x="457200" y="6356350"/>
-            <a:ext cx="2133600" cy="365125"/>
+            <a:off x="609600" y="6356351"/>
+            <a:ext cx="2844800" cy="365125"/>
           </a:xfrm>
           <a:prstGeom prst="rect">
             <a:avLst/>
@@ -4631,8 +4700,8 @@
         </p:nvSpPr>
         <p:spPr>
           <a:xfrm>
-            <a:off x="3124200" y="6356350"/>
-            <a:ext cx="2895600" cy="365125"/>
+            <a:off x="4165600" y="6356351"/>
+            <a:ext cx="3860800" cy="365125"/>
           </a:xfrm>
           <a:prstGeom prst="rect">
             <a:avLst/>
@@ -4697,8 +4766,8 @@
         </p:nvSpPr>
         <p:spPr>
           <a:xfrm>
-            <a:off x="457200" y="6356350"/>
-            <a:ext cx="2133600" cy="365125"/>
+            <a:off x="609600" y="6356351"/>
+            <a:ext cx="2844800" cy="365125"/>
           </a:xfrm>
           <a:prstGeom prst="rect">
             <a:avLst/>
@@ -4730,8 +4799,8 @@
         </p:nvSpPr>
         <p:spPr>
           <a:xfrm>
-            <a:off x="3124200" y="6356350"/>
-            <a:ext cx="2895600" cy="365125"/>
+            <a:off x="4165600" y="6356351"/>
+            <a:ext cx="3860800" cy="365125"/>
           </a:xfrm>
           <a:prstGeom prst="rect">
             <a:avLst/>
@@ -4796,8 +4865,8 @@
         </p:nvSpPr>
         <p:spPr>
           <a:xfrm>
-            <a:off x="6982264" y="6467404"/>
-            <a:ext cx="2133600" cy="365125"/>
+            <a:off x="9309685" y="6467405"/>
+            <a:ext cx="2844800" cy="365125"/>
           </a:xfrm>
           <a:prstGeom prst="rect">
             <a:avLst/>
@@ -4853,7 +4922,7 @@
         <p:spPr>
           <a:xfrm>
             <a:off x="0" y="6395396"/>
-            <a:ext cx="9144000" cy="0"/>
+            <a:ext cx="12192000" cy="0"/>
           </a:xfrm>
           <a:custGeom>
             <a:avLst/>
@@ -4922,7 +4991,7 @@
                 <a:spcPts val="0"/>
               </a:spcAft>
             </a:pPr>
-            <a:endParaRPr lang="zh-CN" altLang="en-US">
+            <a:endParaRPr lang="zh-CN" altLang="en-US" sz="2400">
               <a:solidFill>
                 <a:prstClr val="white"/>
               </a:solidFill>
@@ -4942,8 +5011,8 @@
         </p:nvSpPr>
         <p:spPr bwMode="auto">
           <a:xfrm>
-            <a:off x="0" y="8526"/>
-            <a:ext cx="8024813" cy="792162"/>
+            <a:off x="1" y="8526"/>
+            <a:ext cx="10699751" cy="792162"/>
           </a:xfrm>
           <a:prstGeom prst="rect">
             <a:avLst/>
@@ -5036,8 +5105,8 @@
         </p:nvSpPr>
         <p:spPr>
           <a:xfrm>
-            <a:off x="685800" y="2130425"/>
-            <a:ext cx="7772400" cy="1470025"/>
+            <a:off x="914400" y="2130426"/>
+            <a:ext cx="10363200" cy="1470025"/>
           </a:xfrm>
         </p:spPr>
         <p:txBody>
@@ -5063,8 +5132,8 @@
         </p:nvSpPr>
         <p:spPr>
           <a:xfrm>
-            <a:off x="1371600" y="3886200"/>
-            <a:ext cx="6400800" cy="1752600"/>
+            <a:off x="1828800" y="3886200"/>
+            <a:ext cx="8534400" cy="609398"/>
           </a:xfrm>
         </p:spPr>
         <p:txBody>
@@ -5195,8 +5264,8 @@
         </p:nvSpPr>
         <p:spPr>
           <a:xfrm>
-            <a:off x="287338" y="981075"/>
-            <a:ext cx="7772400" cy="5184775"/>
+            <a:off x="383117" y="981076"/>
+            <a:ext cx="10363200" cy="5184775"/>
           </a:xfrm>
           <a:prstGeom prst="rect">
             <a:avLst/>
@@ -5482,8 +5551,8 @@
         </p:nvSpPr>
         <p:spPr>
           <a:xfrm>
-            <a:off x="722313" y="4406900"/>
-            <a:ext cx="7772400" cy="1362075"/>
+            <a:off x="963084" y="4406901"/>
+            <a:ext cx="10363200" cy="1362075"/>
           </a:xfrm>
         </p:spPr>
         <p:txBody>
@@ -5513,8 +5582,8 @@
         </p:nvSpPr>
         <p:spPr>
           <a:xfrm>
-            <a:off x="722313" y="2906713"/>
-            <a:ext cx="7772400" cy="1500187"/>
+            <a:off x="963084" y="3945235"/>
+            <a:ext cx="10363200" cy="461665"/>
           </a:xfrm>
         </p:spPr>
         <p:txBody>
@@ -5668,8 +5737,8 @@
         </p:nvSpPr>
         <p:spPr>
           <a:xfrm>
-            <a:off x="325438" y="1087438"/>
-            <a:ext cx="4027487" cy="2270125"/>
+            <a:off x="433918" y="1087439"/>
+            <a:ext cx="5369983" cy="2332946"/>
           </a:xfrm>
         </p:spPr>
         <p:txBody>
@@ -5752,8 +5821,8 @@
         </p:nvSpPr>
         <p:spPr>
           <a:xfrm>
-            <a:off x="4505325" y="1087438"/>
-            <a:ext cx="4027488" cy="2270125"/>
+            <a:off x="6007100" y="1087439"/>
+            <a:ext cx="5369984" cy="2332946"/>
           </a:xfrm>
         </p:spPr>
         <p:txBody>
@@ -5904,8 +5973,8 @@
         </p:nvSpPr>
         <p:spPr>
           <a:xfrm>
-            <a:off x="457200" y="274638"/>
-            <a:ext cx="8229600" cy="1143000"/>
+            <a:off x="609600" y="274638"/>
+            <a:ext cx="10972800" cy="1143000"/>
           </a:xfrm>
         </p:spPr>
         <p:txBody>
@@ -5935,8 +6004,8 @@
         </p:nvSpPr>
         <p:spPr>
           <a:xfrm>
-            <a:off x="457200" y="1535113"/>
-            <a:ext cx="4040188" cy="639762"/>
+            <a:off x="609600" y="1639344"/>
+            <a:ext cx="5386917" cy="535531"/>
           </a:xfrm>
         </p:spPr>
         <p:txBody>
@@ -6000,8 +6069,8 @@
         </p:nvSpPr>
         <p:spPr>
           <a:xfrm>
-            <a:off x="457200" y="2174875"/>
-            <a:ext cx="4040188" cy="3951288"/>
+            <a:off x="609600" y="2174875"/>
+            <a:ext cx="5386917" cy="2043636"/>
           </a:xfrm>
         </p:spPr>
         <p:txBody>
@@ -6084,8 +6153,8 @@
         </p:nvSpPr>
         <p:spPr>
           <a:xfrm>
-            <a:off x="4645025" y="1535113"/>
-            <a:ext cx="4041775" cy="639762"/>
+            <a:off x="6193368" y="1639344"/>
+            <a:ext cx="5389033" cy="535531"/>
           </a:xfrm>
         </p:spPr>
         <p:txBody>
@@ -6149,8 +6218,8 @@
         </p:nvSpPr>
         <p:spPr>
           <a:xfrm>
-            <a:off x="4645025" y="2174875"/>
-            <a:ext cx="4041775" cy="3951288"/>
+            <a:off x="6193368" y="2174875"/>
+            <a:ext cx="5389033" cy="2043636"/>
           </a:xfrm>
         </p:spPr>
         <p:txBody>
@@ -6459,8 +6528,8 @@
         </p:nvSpPr>
         <p:spPr>
           <a:xfrm>
-            <a:off x="457200" y="273050"/>
-            <a:ext cx="3008313" cy="1162050"/>
+            <a:off x="609601" y="273050"/>
+            <a:ext cx="4011084" cy="1162050"/>
           </a:xfrm>
         </p:spPr>
         <p:txBody>
@@ -6490,8 +6559,8 @@
         </p:nvSpPr>
         <p:spPr>
           <a:xfrm>
-            <a:off x="3575050" y="273050"/>
-            <a:ext cx="5111750" cy="5853113"/>
+            <a:off x="4766733" y="273051"/>
+            <a:ext cx="6815667" cy="2665345"/>
           </a:xfrm>
         </p:spPr>
         <p:txBody>
@@ -6574,8 +6643,8 @@
         </p:nvSpPr>
         <p:spPr>
           <a:xfrm>
-            <a:off x="457200" y="1435100"/>
-            <a:ext cx="3008313" cy="4691063"/>
+            <a:off x="609601" y="1435101"/>
+            <a:ext cx="4011084" cy="350865"/>
           </a:xfrm>
         </p:spPr>
         <p:txBody>
@@ -6707,8 +6776,8 @@
         </p:nvSpPr>
         <p:spPr>
           <a:xfrm>
-            <a:off x="1792288" y="4800600"/>
-            <a:ext cx="5486400" cy="566738"/>
+            <a:off x="2389717" y="4800600"/>
+            <a:ext cx="7315200" cy="566738"/>
           </a:xfrm>
         </p:spPr>
         <p:txBody>
@@ -6738,8 +6807,8 @@
         </p:nvSpPr>
         <p:spPr>
           <a:xfrm>
-            <a:off x="1792288" y="612775"/>
-            <a:ext cx="5486400" cy="4114800"/>
+            <a:off x="2389717" y="612775"/>
+            <a:ext cx="7315200" cy="683264"/>
           </a:xfrm>
         </p:spPr>
         <p:txBody>
@@ -6800,8 +6869,8 @@
         </p:nvSpPr>
         <p:spPr>
           <a:xfrm>
-            <a:off x="1792288" y="5367338"/>
-            <a:ext cx="5486400" cy="804862"/>
+            <a:off x="2389717" y="5367338"/>
+            <a:ext cx="7315200" cy="350865"/>
           </a:xfrm>
         </p:spPr>
         <p:txBody>
@@ -6953,7 +7022,12 @@
             <p:ph type="body" orient="vert" idx="1"/>
           </p:nvPr>
         </p:nvSpPr>
-        <p:spPr/>
+        <p:spPr>
+          <a:xfrm>
+            <a:off x="7917676" y="1087439"/>
+            <a:ext cx="3459409" cy="2332946"/>
+          </a:xfrm>
+        </p:spPr>
         <p:txBody>
           <a:bodyPr vert="eaVert"/>
           <a:lstStyle/>
@@ -7074,8 +7148,8 @@
         </p:nvSpPr>
         <p:spPr>
           <a:xfrm>
-            <a:off x="6507163" y="115888"/>
-            <a:ext cx="2168525" cy="3241675"/>
+            <a:off x="8676218" y="115889"/>
+            <a:ext cx="2891367" cy="3241675"/>
           </a:xfrm>
         </p:spPr>
         <p:txBody>
@@ -7101,8 +7175,8 @@
         </p:nvSpPr>
         <p:spPr>
           <a:xfrm>
-            <a:off x="0" y="115888"/>
-            <a:ext cx="6354763" cy="3241675"/>
+            <a:off x="5530674" y="115889"/>
+            <a:ext cx="2942344" cy="3241675"/>
           </a:xfrm>
         </p:spPr>
         <p:txBody>
@@ -7225,8 +7299,8 @@
         </p:nvSpPr>
         <p:spPr>
           <a:xfrm>
-            <a:off x="722313" y="4406900"/>
-            <a:ext cx="7772400" cy="1362075"/>
+            <a:off x="963084" y="4406901"/>
+            <a:ext cx="10363200" cy="1362075"/>
           </a:xfrm>
         </p:spPr>
         <p:txBody>
@@ -7256,8 +7330,8 @@
         </p:nvSpPr>
         <p:spPr>
           <a:xfrm>
-            <a:off x="722313" y="2906713"/>
-            <a:ext cx="7772400" cy="1500187"/>
+            <a:off x="963084" y="2906713"/>
+            <a:ext cx="10363200" cy="1500187"/>
           </a:xfrm>
           <a:prstGeom prst="rect">
             <a:avLst/>
@@ -7380,8 +7454,8 @@
         </p:nvSpPr>
         <p:spPr>
           <a:xfrm>
-            <a:off x="685800" y="981075"/>
-            <a:ext cx="3810000" cy="5184775"/>
+            <a:off x="914400" y="981076"/>
+            <a:ext cx="5080000" cy="5184775"/>
           </a:xfrm>
           <a:prstGeom prst="rect">
             <a:avLst/>
@@ -7467,8 +7541,8 @@
         </p:nvSpPr>
         <p:spPr>
           <a:xfrm>
-            <a:off x="4648200" y="981075"/>
-            <a:ext cx="3810000" cy="5184775"/>
+            <a:off x="6197600" y="981076"/>
+            <a:ext cx="5080000" cy="5184775"/>
           </a:xfrm>
           <a:prstGeom prst="rect">
             <a:avLst/>
@@ -7632,8 +7706,8 @@
         </p:nvSpPr>
         <p:spPr>
           <a:xfrm>
-            <a:off x="457200" y="274638"/>
-            <a:ext cx="8229600" cy="1143000"/>
+            <a:off x="609600" y="274638"/>
+            <a:ext cx="10972800" cy="1143000"/>
           </a:xfrm>
         </p:spPr>
         <p:txBody>
@@ -7663,8 +7737,8 @@
         </p:nvSpPr>
         <p:spPr>
           <a:xfrm>
-            <a:off x="457200" y="1535113"/>
-            <a:ext cx="4040188" cy="639762"/>
+            <a:off x="609600" y="1535113"/>
+            <a:ext cx="5386917" cy="639762"/>
           </a:xfrm>
           <a:prstGeom prst="rect">
             <a:avLst/>
@@ -7731,8 +7805,8 @@
         </p:nvSpPr>
         <p:spPr>
           <a:xfrm>
-            <a:off x="457200" y="2174875"/>
-            <a:ext cx="4040188" cy="3951288"/>
+            <a:off x="609600" y="2174875"/>
+            <a:ext cx="5386917" cy="3951288"/>
           </a:xfrm>
           <a:prstGeom prst="rect">
             <a:avLst/>
@@ -7818,8 +7892,8 @@
         </p:nvSpPr>
         <p:spPr>
           <a:xfrm>
-            <a:off x="4645025" y="1535113"/>
-            <a:ext cx="4041775" cy="639762"/>
+            <a:off x="6193368" y="1535113"/>
+            <a:ext cx="5389033" cy="639762"/>
           </a:xfrm>
           <a:prstGeom prst="rect">
             <a:avLst/>
@@ -7886,8 +7960,8 @@
         </p:nvSpPr>
         <p:spPr>
           <a:xfrm>
-            <a:off x="4645025" y="2174875"/>
-            <a:ext cx="4041775" cy="3951288"/>
+            <a:off x="6193368" y="2174875"/>
+            <a:ext cx="5389033" cy="3951288"/>
           </a:xfrm>
           <a:prstGeom prst="rect">
             <a:avLst/>
@@ -8163,8 +8237,8 @@
         </p:nvSpPr>
         <p:spPr>
           <a:xfrm>
-            <a:off x="457200" y="273050"/>
-            <a:ext cx="3008313" cy="1162050"/>
+            <a:off x="609601" y="273050"/>
+            <a:ext cx="4011084" cy="1162050"/>
           </a:xfrm>
         </p:spPr>
         <p:txBody>
@@ -8194,8 +8268,8 @@
         </p:nvSpPr>
         <p:spPr>
           <a:xfrm>
-            <a:off x="3575050" y="273050"/>
-            <a:ext cx="5111750" cy="5853113"/>
+            <a:off x="4766733" y="273051"/>
+            <a:ext cx="6815667" cy="5853113"/>
           </a:xfrm>
           <a:prstGeom prst="rect">
             <a:avLst/>
@@ -8281,8 +8355,8 @@
         </p:nvSpPr>
         <p:spPr>
           <a:xfrm>
-            <a:off x="457200" y="1435100"/>
-            <a:ext cx="3008313" cy="4691063"/>
+            <a:off x="609601" y="1435101"/>
+            <a:ext cx="4011084" cy="4691063"/>
           </a:xfrm>
           <a:prstGeom prst="rect">
             <a:avLst/>
@@ -8405,8 +8479,8 @@
         </p:nvSpPr>
         <p:spPr>
           <a:xfrm>
-            <a:off x="1792288" y="4800600"/>
-            <a:ext cx="5486400" cy="566738"/>
+            <a:off x="2389717" y="4800600"/>
+            <a:ext cx="7315200" cy="566738"/>
           </a:xfrm>
         </p:spPr>
         <p:txBody>
@@ -8436,8 +8510,8 @@
         </p:nvSpPr>
         <p:spPr>
           <a:xfrm>
-            <a:off x="1792288" y="612775"/>
-            <a:ext cx="5486400" cy="4114800"/>
+            <a:off x="2389717" y="612775"/>
+            <a:ext cx="7315200" cy="4114800"/>
           </a:xfrm>
           <a:prstGeom prst="rect">
             <a:avLst/>
@@ -8501,8 +8575,8 @@
         </p:nvSpPr>
         <p:spPr>
           <a:xfrm>
-            <a:off x="1792288" y="5367338"/>
-            <a:ext cx="5486400" cy="804862"/>
+            <a:off x="2389717" y="5367338"/>
+            <a:ext cx="7315200" cy="804862"/>
           </a:xfrm>
           <a:prstGeom prst="rect">
             <a:avLst/>
@@ -8633,8 +8707,8 @@
         </p:nvSpPr>
         <p:spPr bwMode="auto">
           <a:xfrm>
-            <a:off x="182850" y="8526"/>
-            <a:ext cx="8024813" cy="792162"/>
+            <a:off x="243801" y="8526"/>
+            <a:ext cx="10699751" cy="792162"/>
           </a:xfrm>
           <a:prstGeom prst="rect">
             <a:avLst/>
@@ -8690,8 +8764,8 @@
         </p:nvSpPr>
         <p:spPr>
           <a:xfrm rot="5400000">
-            <a:off x="4513516" y="-3740963"/>
-            <a:ext cx="72000" cy="9099032"/>
+            <a:off x="6030021" y="-5257469"/>
+            <a:ext cx="72000" cy="12132043"/>
           </a:xfrm>
           <a:prstGeom prst="round2SameRect">
             <a:avLst>
@@ -8750,8 +8824,8 @@
         </p:nvSpPr>
         <p:spPr>
           <a:xfrm rot="5400000" flipH="1">
-            <a:off x="8530149" y="230704"/>
-            <a:ext cx="72000" cy="1155701"/>
+            <a:off x="11385532" y="38088"/>
+            <a:ext cx="72000" cy="1540935"/>
           </a:xfrm>
           <a:prstGeom prst="round2SameRect">
             <a:avLst>
@@ -8817,8 +8891,8 @@
         </p:nvSpPr>
         <p:spPr>
           <a:xfrm>
-            <a:off x="6553200" y="6356350"/>
-            <a:ext cx="2133600" cy="365125"/>
+            <a:off x="8737600" y="6356351"/>
+            <a:ext cx="2844800" cy="365125"/>
           </a:xfrm>
           <a:prstGeom prst="rect">
             <a:avLst/>
@@ -9330,8 +9404,8 @@
         </p:blipFill>
         <p:spPr bwMode="auto">
           <a:xfrm>
-            <a:off x="0" y="0"/>
-            <a:ext cx="9142413" cy="6856413"/>
+            <a:off x="1" y="1"/>
+            <a:ext cx="12189884" cy="6856413"/>
           </a:xfrm>
           <a:prstGeom prst="rect">
             <a:avLst/>
@@ -9357,8 +9431,8 @@
         </p:nvSpPr>
         <p:spPr bwMode="auto">
           <a:xfrm>
-            <a:off x="0" y="115888"/>
-            <a:ext cx="8675688" cy="649287"/>
+            <a:off x="0" y="115889"/>
+            <a:ext cx="11567584" cy="649287"/>
           </a:xfrm>
           <a:prstGeom prst="rect">
             <a:avLst/>
@@ -9405,8 +9479,8 @@
         </p:nvSpPr>
         <p:spPr bwMode="auto">
           <a:xfrm>
-            <a:off x="325438" y="1087438"/>
-            <a:ext cx="8207375" cy="2270125"/>
+            <a:off x="433918" y="1087439"/>
+            <a:ext cx="10943167" cy="2332946"/>
           </a:xfrm>
           <a:prstGeom prst="rect">
             <a:avLst/>
@@ -9531,8 +9605,8 @@
         </p:nvSpPr>
         <p:spPr bwMode="auto">
           <a:xfrm>
-            <a:off x="6902450" y="6499225"/>
-            <a:ext cx="2133600" cy="212725"/>
+            <a:off x="9203267" y="6499226"/>
+            <a:ext cx="2844800" cy="212725"/>
           </a:xfrm>
           <a:prstGeom prst="rect">
             <a:avLst/>
@@ -10093,8 +10167,8 @@
         </p:nvSpPr>
         <p:spPr bwMode="auto">
           <a:xfrm>
-            <a:off x="319693" y="1685331"/>
-            <a:ext cx="8501204" cy="1917543"/>
+            <a:off x="1305338" y="1685332"/>
+            <a:ext cx="9799983" cy="1917543"/>
           </a:xfrm>
           <a:prstGeom prst="rect">
             <a:avLst/>
@@ -10127,49 +10201,23 @@
           <a:bodyPr anchor="ctr"/>
           <a:lstStyle/>
           <a:p>
-            <a:pPr marL="0" marR="0" lvl="0" indent="0" algn="ctr" defTabSz="914400" rtl="0" eaLnBrk="1" fontAlgn="base" latinLnBrk="0" hangingPunct="1">
-              <a:lnSpc>
-                <a:spcPct val="100000"/>
-              </a:lnSpc>
-              <a:spcBef>
-                <a:spcPct val="50000"/>
-              </a:spcBef>
-              <a:spcAft>
-                <a:spcPct val="0"/>
-              </a:spcAft>
-              <a:buClrTx/>
-              <a:buSzTx/>
-              <a:buFontTx/>
-              <a:buNone/>
-              <a:tabLst/>
+            <a:pPr>
               <a:defRPr/>
             </a:pPr>
             <a:r>
-              <a:rPr kumimoji="0" lang="zh-CN" altLang="en-US" sz="4800" b="1" i="0" u="none" strike="noStrike" kern="1200" cap="none" spc="0" normalizeH="0" baseline="0" noProof="0" dirty="0">
-                <a:ln>
-                  <a:noFill/>
-                </a:ln>
+              <a:rPr lang="zh-CN" altLang="en-US" sz="5400" b="1" dirty="0">
                 <a:solidFill>
                   <a:srgbClr val="FF0000"/>
                 </a:solidFill>
-                <a:effectLst/>
-                <a:uLnTx/>
-                <a:uFillTx/>
                 <a:latin typeface="微软雅黑"/>
                 <a:ea typeface="微软雅黑"/>
               </a:rPr>
               <a:t>第五章 文件操作与异常处理</a:t>
             </a:r>
-            <a:endParaRPr kumimoji="0" lang="zh-CN" altLang="zh-CN" sz="4800" b="1" i="0" u="none" strike="noStrike" kern="1200" cap="none" spc="0" normalizeH="0" baseline="0" noProof="0" dirty="0">
-              <a:ln>
-                <a:noFill/>
-              </a:ln>
+            <a:endParaRPr lang="zh-CN" altLang="zh-CN" sz="5400" b="1" dirty="0">
               <a:solidFill>
                 <a:srgbClr val="FF0000"/>
               </a:solidFill>
-              <a:effectLst/>
-              <a:uLnTx/>
-              <a:uFillTx/>
               <a:latin typeface="微软雅黑"/>
               <a:ea typeface="微软雅黑"/>
             </a:endParaRPr>
@@ -10186,7 +10234,7 @@
         </p:nvSpPr>
         <p:spPr bwMode="auto">
           <a:xfrm>
-            <a:off x="153909" y="3931738"/>
+            <a:off x="1677909" y="3931738"/>
             <a:ext cx="8809022" cy="1439862"/>
           </a:xfrm>
           <a:prstGeom prst="rect">
@@ -10220,140 +10268,69 @@
           <a:bodyPr/>
           <a:lstStyle/>
           <a:p>
-            <a:pPr marL="0" marR="0" lvl="0" indent="0" algn="ctr" defTabSz="914400" rtl="0" eaLnBrk="1" fontAlgn="base" latinLnBrk="0" hangingPunct="1">
+            <a:pPr>
               <a:lnSpc>
                 <a:spcPct val="150000"/>
               </a:lnSpc>
               <a:spcBef>
                 <a:spcPts val="0"/>
               </a:spcBef>
-              <a:spcAft>
-                <a:spcPct val="0"/>
-              </a:spcAft>
-              <a:buClrTx/>
               <a:buSzPct val="80000"/>
-              <a:buFontTx/>
-              <a:buNone/>
-              <a:tabLst/>
               <a:defRPr/>
             </a:pPr>
             <a:r>
-              <a:rPr kumimoji="0" lang="zh-CN" altLang="en-US" sz="2400" b="1" i="0" u="none" strike="noStrike" kern="1200" cap="none" spc="0" normalizeH="0" baseline="0" noProof="0">
-                <a:ln>
-                  <a:noFill/>
-                </a:ln>
+              <a:rPr lang="zh-CN" altLang="en-US" b="1" dirty="0">
                 <a:solidFill>
                   <a:srgbClr val="002060"/>
                 </a:solidFill>
-                <a:effectLst/>
-                <a:uLnTx/>
-                <a:uFillTx/>
                 <a:latin typeface="微软雅黑"/>
                 <a:ea typeface="微软雅黑"/>
                 <a:cs typeface="微软雅黑" charset="0"/>
               </a:rPr>
               <a:t>罗 新</a:t>
             </a:r>
-            <a:endParaRPr kumimoji="0" lang="en-US" altLang="zh-CN" sz="2400" b="1" i="0" u="none" strike="noStrike" kern="1200" cap="none" spc="0" normalizeH="0" baseline="0" noProof="0">
-              <a:ln>
-                <a:noFill/>
-              </a:ln>
+            <a:endParaRPr lang="en-US" altLang="zh-CN" b="1" dirty="0">
               <a:solidFill>
                 <a:srgbClr val="002060"/>
               </a:solidFill>
-              <a:effectLst/>
-              <a:uLnTx/>
-              <a:uFillTx/>
               <a:latin typeface="微软雅黑"/>
               <a:ea typeface="微软雅黑"/>
               <a:cs typeface="微软雅黑" charset="0"/>
             </a:endParaRPr>
           </a:p>
           <a:p>
-            <a:pPr marL="0" marR="0" lvl="0" indent="0" algn="ctr" defTabSz="914400" rtl="0" eaLnBrk="1" fontAlgn="base" latinLnBrk="0" hangingPunct="1">
+            <a:pPr>
               <a:lnSpc>
                 <a:spcPct val="150000"/>
               </a:lnSpc>
               <a:spcBef>
                 <a:spcPts val="0"/>
               </a:spcBef>
-              <a:spcAft>
-                <a:spcPct val="0"/>
-              </a:spcAft>
-              <a:buClrTx/>
               <a:buSzPct val="80000"/>
-              <a:buFontTx/>
-              <a:buNone/>
-              <a:tabLst/>
               <a:defRPr/>
             </a:pPr>
             <a:r>
-              <a:rPr kumimoji="0" lang="zh-CN" altLang="en-US" sz="2400" b="1" i="0" u="none" strike="noStrike" kern="1200" cap="none" spc="0" normalizeH="0" baseline="0" noProof="0">
-                <a:ln>
-                  <a:noFill/>
-                </a:ln>
+              <a:rPr lang="zh-CN" altLang="en-US" b="1" dirty="0">
                 <a:solidFill>
                   <a:srgbClr val="002060"/>
                 </a:solidFill>
-                <a:effectLst/>
-                <a:uLnTx/>
-                <a:uFillTx/>
                 <a:latin typeface="微软雅黑"/>
                 <a:ea typeface="微软雅黑"/>
                 <a:cs typeface="微软雅黑" charset="0"/>
               </a:rPr>
               <a:t>云南大学 地球科学学院</a:t>
             </a:r>
-            <a:endParaRPr kumimoji="0" lang="en-US" altLang="zh-CN" sz="2400" b="1" i="0" u="none" strike="noStrike" kern="1200" cap="none" spc="0" normalizeH="0" baseline="0" noProof="0">
-              <a:ln>
-                <a:noFill/>
-              </a:ln>
+            <a:endParaRPr lang="zh-CN" altLang="en-US" sz="2800" b="1" dirty="0">
               <a:solidFill>
                 <a:srgbClr val="002060"/>
               </a:solidFill>
-              <a:effectLst/>
-              <a:uLnTx/>
-              <a:uFillTx/>
               <a:latin typeface="微软雅黑"/>
               <a:ea typeface="微软雅黑"/>
               <a:cs typeface="微软雅黑" charset="0"/>
             </a:endParaRPr>
           </a:p>
           <a:p>
-            <a:pPr marL="0" marR="0" lvl="0" indent="0" algn="ctr" defTabSz="914400" rtl="0" eaLnBrk="1" fontAlgn="base" latinLnBrk="0" hangingPunct="1">
-              <a:lnSpc>
-                <a:spcPct val="150000"/>
-              </a:lnSpc>
-              <a:spcBef>
-                <a:spcPts val="0"/>
-              </a:spcBef>
-              <a:spcAft>
-                <a:spcPct val="0"/>
-              </a:spcAft>
-              <a:buClrTx/>
-              <a:buSzPct val="80000"/>
-              <a:buFontTx/>
-              <a:buNone/>
-              <a:tabLst/>
-              <a:defRPr/>
-            </a:pPr>
-            <a:endParaRPr kumimoji="0" lang="zh-CN" altLang="en-US" sz="2800" b="1" i="0" u="none" strike="noStrike" kern="1200" cap="none" spc="0" normalizeH="0" baseline="0" noProof="0">
-              <a:ln>
-                <a:noFill/>
-              </a:ln>
-              <a:solidFill>
-                <a:srgbClr val="002060"/>
-              </a:solidFill>
-              <a:effectLst/>
-              <a:uLnTx/>
-              <a:uFillTx/>
-              <a:latin typeface="微软雅黑"/>
-              <a:ea typeface="微软雅黑"/>
-              <a:cs typeface="微软雅黑" charset="0"/>
-            </a:endParaRPr>
-          </a:p>
-          <a:p>
-            <a:pPr marL="0" marR="0" lvl="0" indent="0" algn="ctr" defTabSz="914400" rtl="0" eaLnBrk="1" fontAlgn="base" latinLnBrk="0" hangingPunct="1">
+            <a:pPr>
               <a:lnSpc>
                 <a:spcPct val="120000"/>
               </a:lnSpc>
@@ -10363,30 +10340,20 @@
               <a:spcAft>
                 <a:spcPts val="0"/>
               </a:spcAft>
-              <a:buClrTx/>
               <a:buSzPct val="80000"/>
-              <a:buFontTx/>
-              <a:buNone/>
-              <a:tabLst/>
               <a:defRPr/>
             </a:pPr>
-            <a:endParaRPr kumimoji="0" lang="en-US" altLang="zh-CN" sz="2000" b="0" i="0" u="none" strike="noStrike" kern="1200" cap="none" spc="0" normalizeH="0" baseline="0" noProof="0">
-              <a:ln>
-                <a:noFill/>
-              </a:ln>
+            <a:endParaRPr lang="en-US" altLang="zh-CN" sz="2000" dirty="0">
               <a:solidFill>
                 <a:srgbClr val="002060"/>
               </a:solidFill>
-              <a:effectLst/>
-              <a:uLnTx/>
-              <a:uFillTx/>
               <a:latin typeface="微软雅黑"/>
               <a:ea typeface="微软雅黑"/>
               <a:cs typeface="微软雅黑" charset="0"/>
             </a:endParaRPr>
           </a:p>
           <a:p>
-            <a:pPr marL="0" marR="0" lvl="0" indent="0" algn="ctr" defTabSz="914400" rtl="0" eaLnBrk="1" fontAlgn="base" latinLnBrk="0" hangingPunct="1">
+            <a:pPr>
               <a:lnSpc>
                 <a:spcPct val="120000"/>
               </a:lnSpc>
@@ -10396,30 +10363,20 @@
               <a:spcAft>
                 <a:spcPts val="0"/>
               </a:spcAft>
-              <a:buClrTx/>
               <a:buSzPct val="80000"/>
-              <a:buFontTx/>
-              <a:buNone/>
-              <a:tabLst/>
               <a:defRPr/>
             </a:pPr>
-            <a:endParaRPr kumimoji="0" lang="en-US" altLang="zh-CN" sz="2000" b="0" i="0" u="none" strike="noStrike" kern="1200" cap="none" spc="0" normalizeH="0" baseline="0" noProof="0">
-              <a:ln>
-                <a:noFill/>
-              </a:ln>
+            <a:endParaRPr lang="en-US" altLang="zh-CN" sz="2000" dirty="0">
               <a:solidFill>
                 <a:srgbClr val="002060"/>
               </a:solidFill>
-              <a:effectLst/>
-              <a:uLnTx/>
-              <a:uFillTx/>
               <a:latin typeface="微软雅黑"/>
               <a:ea typeface="微软雅黑"/>
               <a:cs typeface="微软雅黑" charset="0"/>
             </a:endParaRPr>
           </a:p>
           <a:p>
-            <a:pPr marL="0" marR="0" lvl="0" indent="0" algn="ctr" defTabSz="914400" rtl="0" eaLnBrk="1" fontAlgn="base" latinLnBrk="0" hangingPunct="1">
+            <a:pPr>
               <a:lnSpc>
                 <a:spcPct val="120000"/>
               </a:lnSpc>
@@ -10429,23 +10386,13 @@
               <a:spcAft>
                 <a:spcPts val="0"/>
               </a:spcAft>
-              <a:buClrTx/>
               <a:buSzPct val="80000"/>
-              <a:buFontTx/>
-              <a:buNone/>
-              <a:tabLst/>
               <a:defRPr/>
             </a:pPr>
-            <a:endParaRPr kumimoji="0" lang="en-US" altLang="zh-CN" sz="1800" b="0" i="0" u="none" strike="noStrike" kern="1200" cap="none" spc="0" normalizeH="0" baseline="0" noProof="0">
-              <a:ln>
-                <a:noFill/>
-              </a:ln>
+            <a:endParaRPr lang="en-US" altLang="zh-CN" sz="1800" dirty="0">
               <a:solidFill>
                 <a:srgbClr val="002060"/>
               </a:solidFill>
-              <a:effectLst/>
-              <a:uLnTx/>
-              <a:uFillTx/>
               <a:latin typeface="微软雅黑"/>
               <a:ea typeface="微软雅黑"/>
               <a:cs typeface="微软雅黑" charset="0"/>
@@ -10461,7 +10408,7 @@
         </p:nvSpPr>
         <p:spPr>
           <a:xfrm flipV="1">
-            <a:off x="792000" y="3614404"/>
+            <a:off x="2316000" y="3614405"/>
             <a:ext cx="7560000" cy="45719"/>
           </a:xfrm>
           <a:prstGeom prst="rect">
@@ -10501,33 +10448,13 @@
           </a:bodyPr>
           <a:lstStyle/>
           <a:p>
-            <a:pPr marL="0" marR="0" lvl="0" indent="0" algn="l" defTabSz="914400" rtl="0" eaLnBrk="1" fontAlgn="base" latinLnBrk="0" hangingPunct="1">
-              <a:lnSpc>
-                <a:spcPct val="100000"/>
-              </a:lnSpc>
-              <a:spcBef>
-                <a:spcPct val="50000"/>
-              </a:spcBef>
-              <a:spcAft>
-                <a:spcPct val="0"/>
-              </a:spcAft>
-              <a:buClrTx/>
-              <a:buSzTx/>
-              <a:buFontTx/>
-              <a:buNone/>
-              <a:tabLst/>
+            <a:pPr algn="l">
               <a:defRPr/>
             </a:pPr>
-            <a:endParaRPr kumimoji="0" lang="zh-CN" altLang="en-US" sz="2400" b="1" i="0" u="none" strike="noStrike" kern="1200" cap="none" spc="0" normalizeH="0" baseline="0" noProof="0">
-              <a:ln>
-                <a:noFill/>
-              </a:ln>
+            <a:endParaRPr lang="zh-CN" altLang="en-US" b="1">
               <a:solidFill>
                 <a:srgbClr val="FF0000"/>
               </a:solidFill>
-              <a:effectLst/>
-              <a:uLnTx/>
-              <a:uFillTx/>
               <a:latin typeface="微软雅黑" pitchFamily="34" charset="-122"/>
               <a:ea typeface="微软雅黑" pitchFamily="34" charset="-122"/>
             </a:endParaRPr>
@@ -10548,7 +10475,7 @@
         </p:nvSpPr>
         <p:spPr>
           <a:xfrm>
-            <a:off x="307818" y="5474698"/>
+            <a:off x="1831819" y="5474698"/>
             <a:ext cx="8627953" cy="784830"/>
           </a:xfrm>
           <a:prstGeom prst="rect">
@@ -10561,50 +10488,24 @@
           </a:bodyPr>
           <a:lstStyle/>
           <a:p>
-            <a:pPr marL="0" marR="0" lvl="0" indent="0" algn="ctr" defTabSz="914400" rtl="0" eaLnBrk="1" fontAlgn="base" latinLnBrk="0" hangingPunct="1">
-              <a:lnSpc>
-                <a:spcPct val="100000"/>
-              </a:lnSpc>
-              <a:spcBef>
-                <a:spcPct val="50000"/>
-              </a:spcBef>
-              <a:spcAft>
-                <a:spcPct val="0"/>
-              </a:spcAft>
-              <a:buClrTx/>
-              <a:buSzTx/>
-              <a:buFontTx/>
-              <a:buNone/>
-              <a:tabLst/>
+            <a:pPr>
               <a:defRPr/>
             </a:pPr>
             <a:r>
-              <a:rPr kumimoji="0" lang="en-US" sz="1800" b="0" i="0" u="none" strike="noStrike" kern="1200" cap="none" spc="0" normalizeH="0" baseline="0" noProof="0">
-                <a:ln>
-                  <a:noFill/>
-                </a:ln>
+              <a:rPr lang="en-US" sz="1800">
                 <a:solidFill>
                   <a:prstClr val="black"/>
                 </a:solidFill>
-                <a:effectLst/>
-                <a:uLnTx/>
-                <a:uFillTx/>
                 <a:latin typeface="微软雅黑"/>
                 <a:ea typeface="微软雅黑"/>
               </a:rPr>
               <a:t>邮箱</a:t>
             </a:r>
             <a:r>
-              <a:rPr kumimoji="0" lang="en-CN" sz="1800" b="0" i="0" u="none" strike="noStrike" kern="1200" cap="none" spc="0" normalizeH="0" baseline="0" noProof="0">
-                <a:ln>
-                  <a:noFill/>
-                </a:ln>
+              <a:rPr lang="en-CN" sz="1800">
                 <a:solidFill>
                   <a:prstClr val="black"/>
                 </a:solidFill>
-                <a:effectLst/>
-                <a:uLnTx/>
-                <a:uFillTx/>
                 <a:latin typeface="微软雅黑"/>
                 <a:ea typeface="微软雅黑"/>
               </a:rPr>
@@ -10612,97 +10513,53 @@
             </a:r>
           </a:p>
           <a:p>
-            <a:pPr marL="0" marR="0" lvl="0" indent="0" algn="ctr" defTabSz="914400" rtl="0" eaLnBrk="1" fontAlgn="base" latinLnBrk="0" hangingPunct="1">
-              <a:lnSpc>
-                <a:spcPct val="100000"/>
-              </a:lnSpc>
-              <a:spcBef>
-                <a:spcPct val="50000"/>
-              </a:spcBef>
-              <a:spcAft>
-                <a:spcPct val="0"/>
-              </a:spcAft>
-              <a:buClrTx/>
-              <a:buSzTx/>
-              <a:buFontTx/>
-              <a:buNone/>
-              <a:tabLst/>
+            <a:pPr>
               <a:defRPr/>
             </a:pPr>
             <a:r>
-              <a:rPr kumimoji="0" lang="en-CN" sz="1800" b="0" i="0" u="none" strike="noStrike" kern="1200" cap="none" spc="0" normalizeH="0" baseline="0" noProof="0">
-                <a:ln>
-                  <a:noFill/>
-                </a:ln>
+              <a:rPr lang="en-CN" sz="1800">
                 <a:solidFill>
                   <a:prstClr val="black"/>
                 </a:solidFill>
-                <a:effectLst/>
-                <a:uLnTx/>
-                <a:uFillTx/>
                 <a:latin typeface="微软雅黑"/>
                 <a:ea typeface="微软雅黑"/>
               </a:rPr>
               <a:t>地址</a:t>
             </a:r>
             <a:r>
-              <a:rPr kumimoji="0" lang="zh-CN" altLang="en-US" sz="1800" b="0" i="0" u="none" strike="noStrike" kern="1200" cap="none" spc="0" normalizeH="0" baseline="0" noProof="0">
-                <a:ln>
-                  <a:noFill/>
-                </a:ln>
+              <a:rPr lang="zh-CN" altLang="en-US" sz="1800">
                 <a:solidFill>
                   <a:prstClr val="black"/>
                 </a:solidFill>
-                <a:effectLst/>
-                <a:uLnTx/>
-                <a:uFillTx/>
                 <a:latin typeface="微软雅黑"/>
                 <a:ea typeface="微软雅黑"/>
               </a:rPr>
               <a:t>：地球科学学院</a:t>
             </a:r>
             <a:r>
-              <a:rPr kumimoji="0" lang="en-US" altLang="zh-CN" sz="1800" b="0" i="0" u="none" strike="noStrike" kern="1200" cap="none" spc="0" normalizeH="0" baseline="0" noProof="0">
-                <a:ln>
-                  <a:noFill/>
-                </a:ln>
+              <a:rPr lang="en-US" altLang="zh-CN" sz="1800">
                 <a:solidFill>
                   <a:prstClr val="black"/>
                 </a:solidFill>
-                <a:effectLst/>
-                <a:uLnTx/>
-                <a:uFillTx/>
                 <a:latin typeface="微软雅黑"/>
                 <a:ea typeface="微软雅黑"/>
               </a:rPr>
               <a:t>1327</a:t>
             </a:r>
             <a:r>
-              <a:rPr kumimoji="0" lang="zh-CN" altLang="en-US" sz="1800" b="0" i="0" u="none" strike="noStrike" kern="1200" cap="none" spc="0" normalizeH="0" baseline="0" noProof="0">
-                <a:ln>
-                  <a:noFill/>
-                </a:ln>
+              <a:rPr lang="zh-CN" altLang="en-US" sz="1800">
                 <a:solidFill>
                   <a:prstClr val="black"/>
                 </a:solidFill>
-                <a:effectLst/>
-                <a:uLnTx/>
-                <a:uFillTx/>
                 <a:latin typeface="微软雅黑"/>
                 <a:ea typeface="微软雅黑"/>
               </a:rPr>
               <a:t>办公室</a:t>
             </a:r>
-            <a:endParaRPr kumimoji="0" lang="en-CN" sz="1800" b="0" i="0" u="none" strike="noStrike" kern="1200" cap="none" spc="0" normalizeH="0" baseline="0" noProof="0">
-              <a:ln>
-                <a:noFill/>
-              </a:ln>
+            <a:endParaRPr lang="en-CN" sz="1800">
               <a:solidFill>
                 <a:prstClr val="black"/>
               </a:solidFill>
-              <a:effectLst/>
-              <a:uLnTx/>
-              <a:uFillTx/>
               <a:latin typeface="微软雅黑"/>
               <a:ea typeface="微软雅黑"/>
             </a:endParaRPr>
@@ -10731,7 +10588,7 @@
         </p:blipFill>
         <p:spPr>
           <a:xfrm>
-            <a:off x="319693" y="243144"/>
+            <a:off x="1843694" y="243145"/>
             <a:ext cx="2866773" cy="1012641"/>
           </a:xfrm>
           <a:prstGeom prst="rect">
@@ -10761,7 +10618,7 @@
         </p:blipFill>
         <p:spPr>
           <a:xfrm>
-            <a:off x="6162261" y="6259528"/>
+            <a:off x="7686262" y="6259528"/>
             <a:ext cx="2996979" cy="622992"/>
           </a:xfrm>
           <a:prstGeom prst="rect">
@@ -10783,8 +10640,8 @@
         </p:nvSpPr>
         <p:spPr>
           <a:xfrm>
-            <a:off x="5236526" y="243144"/>
-            <a:ext cx="3682419" cy="369332"/>
+            <a:off x="6512863" y="243144"/>
+            <a:ext cx="4177747" cy="369332"/>
           </a:xfrm>
           <a:prstGeom prst="rect">
             <a:avLst/>
@@ -10825,7 +10682,27 @@
                 <a:latin typeface="+mn-ea"/>
                 <a:ea typeface="+mn-ea"/>
               </a:rPr>
-              <a:t> 编程基础</a:t>
+              <a:t> </a:t>
+            </a:r>
+            <a:r>
+              <a:rPr lang="zh-CN" altLang="en-US" sz="1800" b="1" dirty="0">
+                <a:solidFill>
+                  <a:schemeClr val="bg2"/>
+                </a:solidFill>
+                <a:latin typeface="+mn-ea"/>
+                <a:ea typeface="+mn-ea"/>
+              </a:rPr>
+              <a:t>地学</a:t>
+            </a:r>
+            <a:r>
+              <a:rPr lang="en-CN" sz="1800" b="1" dirty="0">
+                <a:solidFill>
+                  <a:schemeClr val="bg2"/>
+                </a:solidFill>
+                <a:latin typeface="+mn-ea"/>
+                <a:ea typeface="+mn-ea"/>
+              </a:rPr>
+              <a:t>编程基础</a:t>
             </a:r>
             <a:r>
               <a:rPr lang="en-US" altLang="zh-CN" sz="1800" b="1" dirty="0">
@@ -10912,7 +10789,7 @@
         <p:spPr>
           <a:xfrm>
             <a:off x="0" y="3471863"/>
-            <a:ext cx="9144000" cy="1543050"/>
+            <a:ext cx="12192000" cy="1543050"/>
           </a:xfrm>
           <a:prstGeom prst="rect">
             <a:avLst/>
@@ -10949,8 +10826,8 @@
         </p:nvSpPr>
         <p:spPr>
           <a:xfrm>
-            <a:off x="189064" y="3868892"/>
-            <a:ext cx="8753057" cy="707886"/>
+            <a:off x="254222" y="3868892"/>
+            <a:ext cx="11670743" cy="707886"/>
           </a:xfrm>
           <a:prstGeom prst="rect">
             <a:avLst/>
@@ -10989,7 +10866,7 @@
         <p:spPr>
           <a:xfrm>
             <a:off x="0" y="5014912"/>
-            <a:ext cx="9144000" cy="72000"/>
+            <a:ext cx="12192000" cy="72000"/>
           </a:xfrm>
           <a:prstGeom prst="rect">
             <a:avLst/>
@@ -11015,6 +10892,42 @@
               <a:latin typeface="微软雅黑" pitchFamily="34" charset="-122"/>
               <a:ea typeface="微软雅黑" pitchFamily="34" charset="-122"/>
             </a:endParaRPr>
+          </a:p>
+        </p:txBody>
+      </p:sp>
+      <p:sp>
+        <p:nvSpPr>
+          <p:cNvPr id="2" name="标题 2">
+            <a:extLst>
+              <a:ext uri="{FF2B5EF4-FFF2-40B4-BE49-F238E27FC236}">
+                <a16:creationId xmlns:a16="http://schemas.microsoft.com/office/drawing/2014/main" id="{80BA3DF0-0BD3-732F-9CF4-904F309F9DF8}"/>
+              </a:ext>
+            </a:extLst>
+          </p:cNvPr>
+          <p:cNvSpPr>
+            <a:spLocks noGrp="1"/>
+          </p:cNvSpPr>
+          <p:nvPr>
+            <p:ph type="title"/>
+          </p:nvPr>
+        </p:nvSpPr>
+        <p:spPr>
+          <a:xfrm>
+            <a:off x="1" y="8526"/>
+            <a:ext cx="6712856" cy="792162"/>
+          </a:xfrm>
+        </p:spPr>
+        <p:txBody>
+          <a:bodyPr/>
+          <a:lstStyle/>
+          <a:p>
+            <a:r>
+              <a:rPr lang="zh-CN" altLang="en-US" dirty="0">
+                <a:latin typeface="+mn-ea"/>
+              </a:rPr>
+              <a:t>第五章、文件操作与异常处理</a:t>
+            </a:r>
+            <a:endParaRPr lang="zh-CN" altLang="en-US" dirty="0"/>
           </a:p>
         </p:txBody>
       </p:sp>
@@ -11076,7 +10989,7 @@
         <p:spPr>
           <a:xfrm>
             <a:off x="0" y="8526"/>
-            <a:ext cx="9013371" cy="792162"/>
+            <a:ext cx="10537373" cy="792162"/>
           </a:xfrm>
         </p:spPr>
         <p:txBody>
@@ -11114,8 +11027,8 @@
         </p:nvSpPr>
         <p:spPr>
           <a:xfrm>
-            <a:off x="372835" y="1174224"/>
-            <a:ext cx="5583465" cy="5287281"/>
+            <a:off x="257246" y="1101654"/>
+            <a:ext cx="9013371" cy="4725204"/>
           </a:xfrm>
           <a:prstGeom prst="rect">
             <a:avLst/>
@@ -11134,6 +11047,42 @@
               </a:lnSpc>
             </a:pPr>
             <a:r>
+              <a:rPr lang="en-US" altLang="zh-CN" sz="3600" b="1" dirty="0">
+                <a:solidFill>
+                  <a:schemeClr val="accent2"/>
+                </a:solidFill>
+                <a:latin typeface="+mn-ea"/>
+                <a:ea typeface="+mn-ea"/>
+              </a:rPr>
+              <a:t>Bug</a:t>
+            </a:r>
+            <a:r>
+              <a:rPr lang="zh-CN" altLang="en-US" sz="3600" b="1" dirty="0">
+                <a:solidFill>
+                  <a:schemeClr val="accent2"/>
+                </a:solidFill>
+                <a:latin typeface="+mn-ea"/>
+                <a:ea typeface="+mn-ea"/>
+              </a:rPr>
+              <a:t>：程序出现的故障</a:t>
+            </a:r>
+            <a:endParaRPr lang="en-US" altLang="zh-CN" sz="3600" b="1" dirty="0">
+              <a:solidFill>
+                <a:schemeClr val="accent2"/>
+              </a:solidFill>
+              <a:latin typeface="+mn-ea"/>
+              <a:ea typeface="+mn-ea"/>
+            </a:endParaRPr>
+          </a:p>
+          <a:p>
+            <a:pPr marL="457200" indent="-457200" algn="l">
+              <a:lnSpc>
+                <a:spcPct val="150000"/>
+              </a:lnSpc>
+              <a:buFont typeface="Arial" panose="020B0604020202020204" pitchFamily="34" charset="0"/>
+              <a:buChar char="•"/>
+            </a:pPr>
+            <a:r>
               <a:rPr lang="en-US" altLang="zh-CN" sz="2800" b="1" dirty="0">
                 <a:solidFill>
                   <a:schemeClr val="bg2"/>
@@ -11141,7 +11090,7 @@
                 <a:latin typeface="+mn-ea"/>
                 <a:ea typeface="+mn-ea"/>
               </a:rPr>
-              <a:t>Bug</a:t>
+              <a:t>1878</a:t>
             </a:r>
             <a:r>
               <a:rPr lang="zh-CN" altLang="en-US" sz="2800" b="1" dirty="0">
@@ -11151,16 +11100,88 @@
                 <a:latin typeface="+mn-ea"/>
                 <a:ea typeface="+mn-ea"/>
               </a:rPr>
-              <a:t>：程序出现的故障</a:t>
-            </a:r>
-            <a:endParaRPr lang="en-US" altLang="zh-CN" sz="2800" b="1" i="0" dirty="0">
-              <a:solidFill>
-                <a:schemeClr val="bg2"/>
-              </a:solidFill>
-              <a:effectLst/>
-              <a:latin typeface="+mn-ea"/>
-              <a:ea typeface="+mn-ea"/>
-            </a:endParaRPr>
+              <a:t>年</a:t>
+            </a:r>
+            <a:r>
+              <a:rPr lang="zh-CN" altLang="en-US" sz="2800" dirty="0">
+                <a:solidFill>
+                  <a:schemeClr val="bg2"/>
+                </a:solidFill>
+                <a:latin typeface="+mn-ea"/>
+                <a:ea typeface="+mn-ea"/>
+              </a:rPr>
+              <a:t> </a:t>
+            </a:r>
+            <a:r>
+              <a:rPr lang="en-US" altLang="zh-CN" sz="2800" dirty="0">
+                <a:solidFill>
+                  <a:schemeClr val="bg2"/>
+                </a:solidFill>
+                <a:latin typeface="+mn-ea"/>
+                <a:ea typeface="+mn-ea"/>
+              </a:rPr>
+              <a:t>- </a:t>
+            </a:r>
+            <a:r>
+              <a:rPr lang="zh-CN" altLang="en-US" sz="2800" dirty="0">
+                <a:solidFill>
+                  <a:schemeClr val="bg2"/>
+                </a:solidFill>
+                <a:latin typeface="+mn-ea"/>
+                <a:ea typeface="+mn-ea"/>
+              </a:rPr>
+              <a:t>托马斯</a:t>
+            </a:r>
+            <a:r>
+              <a:rPr lang="en-US" altLang="zh-CN" sz="2800" dirty="0">
+                <a:solidFill>
+                  <a:schemeClr val="bg2"/>
+                </a:solidFill>
+                <a:latin typeface="+mn-ea"/>
+                <a:ea typeface="+mn-ea"/>
+              </a:rPr>
+              <a:t>·</a:t>
+            </a:r>
+            <a:r>
+              <a:rPr lang="zh-CN" altLang="en-US" sz="2800" dirty="0">
+                <a:solidFill>
+                  <a:schemeClr val="bg2"/>
+                </a:solidFill>
+                <a:latin typeface="+mn-ea"/>
+                <a:ea typeface="+mn-ea"/>
+              </a:rPr>
+              <a:t>爱迪生首次在技术文献中使用</a:t>
+            </a:r>
+            <a:r>
+              <a:rPr lang="en-US" altLang="zh-CN" sz="2800" dirty="0">
+                <a:solidFill>
+                  <a:schemeClr val="bg2"/>
+                </a:solidFill>
+                <a:latin typeface="+mn-ea"/>
+                <a:ea typeface="+mn-ea"/>
+              </a:rPr>
+              <a:t>"</a:t>
+            </a:r>
+            <a:r>
+              <a:rPr lang="en-US" sz="2800" dirty="0">
+                <a:solidFill>
+                  <a:schemeClr val="bg2"/>
+                </a:solidFill>
+                <a:latin typeface="+mn-ea"/>
+                <a:ea typeface="+mn-ea"/>
+              </a:rPr>
+              <a:t>bug"</a:t>
+            </a:r>
+            <a:r>
+              <a:rPr lang="zh-CN" altLang="en-US" sz="2800" dirty="0">
+                <a:solidFill>
+                  <a:schemeClr val="bg2"/>
+                </a:solidFill>
+                <a:latin typeface="+mn-ea"/>
+                <a:ea typeface="+mn-ea"/>
+              </a:rPr>
+              <a:t>指代技术故障</a:t>
+            </a:r>
           </a:p>
           <a:p>
             <a:pPr marL="457200" indent="-457200" algn="l">
@@ -11171,115 +11192,80 @@
               <a:buChar char="•"/>
             </a:pPr>
             <a:r>
-              <a:rPr lang="en-US" altLang="zh-CN" sz="2500" b="1" i="0" dirty="0">
+              <a:rPr lang="en-US" altLang="zh-CN" sz="2800" b="1" dirty="0">
                 <a:solidFill>
                   <a:schemeClr val="bg2"/>
                 </a:solidFill>
-                <a:effectLst/>
                 <a:latin typeface="+mn-ea"/>
                 <a:ea typeface="+mn-ea"/>
               </a:rPr>
-              <a:t>1878</a:t>
-            </a:r>
-            <a:r>
-              <a:rPr lang="zh-CN" altLang="en-US" sz="2500" b="1" i="0" dirty="0">
+              <a:t>1947</a:t>
+            </a:r>
+            <a:r>
+              <a:rPr lang="zh-CN" altLang="en-US" sz="2800" b="1" dirty="0">
                 <a:solidFill>
                   <a:schemeClr val="bg2"/>
                 </a:solidFill>
-                <a:effectLst/>
                 <a:latin typeface="+mn-ea"/>
                 <a:ea typeface="+mn-ea"/>
               </a:rPr>
               <a:t>年</a:t>
             </a:r>
             <a:r>
-              <a:rPr lang="zh-CN" altLang="en-US" sz="2500" b="0" i="0" dirty="0">
+              <a:rPr lang="zh-CN" altLang="en-US" sz="2800" dirty="0">
                 <a:solidFill>
                   <a:schemeClr val="bg2"/>
                 </a:solidFill>
-                <a:effectLst/>
                 <a:latin typeface="+mn-ea"/>
                 <a:ea typeface="+mn-ea"/>
               </a:rPr>
               <a:t> </a:t>
             </a:r>
             <a:r>
-              <a:rPr lang="en-US" altLang="zh-CN" sz="2500" b="0" i="0" dirty="0">
+              <a:rPr lang="en-US" altLang="zh-CN" sz="2800" dirty="0">
                 <a:solidFill>
                   <a:schemeClr val="bg2"/>
                 </a:solidFill>
-                <a:effectLst/>
                 <a:latin typeface="+mn-ea"/>
                 <a:ea typeface="+mn-ea"/>
               </a:rPr>
               <a:t>- </a:t>
             </a:r>
             <a:r>
-              <a:rPr lang="zh-CN" altLang="en-US" sz="2500" b="0" i="0" dirty="0">
+              <a:rPr lang="zh-CN" altLang="en-US" sz="2800" dirty="0">
                 <a:solidFill>
                   <a:schemeClr val="bg2"/>
                 </a:solidFill>
-                <a:effectLst/>
                 <a:latin typeface="+mn-ea"/>
                 <a:ea typeface="+mn-ea"/>
               </a:rPr>
-              <a:t>托马斯</a:t>
-            </a:r>
-            <a:r>
-              <a:rPr lang="en-US" altLang="zh-CN" sz="2500" b="0" i="0" dirty="0">
+              <a:t>一位叫赫雷丝</a:t>
+            </a:r>
+            <a:r>
+              <a:rPr lang="en-CN" sz="2800" dirty="0">
                 <a:solidFill>
                   <a:schemeClr val="bg2"/>
                 </a:solidFill>
-                <a:effectLst/>
+              </a:rPr>
+              <a:t>・</a:t>
+            </a:r>
+            <a:r>
+              <a:rPr lang="zh-CN" altLang="en-US" sz="2800" dirty="0">
+                <a:solidFill>
+                  <a:schemeClr val="bg2"/>
+                </a:solidFill>
                 <a:latin typeface="+mn-ea"/>
                 <a:ea typeface="+mn-ea"/>
               </a:rPr>
-              <a:t>·</a:t>
-            </a:r>
-            <a:r>
-              <a:rPr lang="zh-CN" altLang="en-US" sz="2500" b="0" i="0" dirty="0">
-                <a:solidFill>
-                  <a:schemeClr val="bg2"/>
-                </a:solidFill>
-                <a:effectLst/>
-                <a:latin typeface="+mn-ea"/>
-                <a:ea typeface="+mn-ea"/>
-              </a:rPr>
-              <a:t>爱迪生首次在技术文献中使用</a:t>
-            </a:r>
-            <a:r>
-              <a:rPr lang="en-US" altLang="zh-CN" sz="2500" b="0" i="0" dirty="0">
-                <a:solidFill>
-                  <a:schemeClr val="bg2"/>
-                </a:solidFill>
-                <a:effectLst/>
-                <a:latin typeface="+mn-ea"/>
-                <a:ea typeface="+mn-ea"/>
-              </a:rPr>
-              <a:t>"</a:t>
-            </a:r>
-            <a:r>
-              <a:rPr lang="en-US" sz="2500" b="0" i="0" dirty="0">
-                <a:solidFill>
-                  <a:schemeClr val="bg2"/>
-                </a:solidFill>
-                <a:effectLst/>
-                <a:latin typeface="+mn-ea"/>
-                <a:ea typeface="+mn-ea"/>
-              </a:rPr>
-              <a:t>bug"</a:t>
-            </a:r>
-            <a:r>
-              <a:rPr lang="zh-CN" altLang="en-US" sz="2500" b="0" i="0" dirty="0">
-                <a:solidFill>
-                  <a:schemeClr val="bg2"/>
-                </a:solidFill>
-                <a:effectLst/>
-                <a:latin typeface="+mn-ea"/>
-                <a:ea typeface="+mn-ea"/>
-              </a:rPr>
-              <a:t>指代技术故障</a:t>
-            </a:r>
+              <a:t>赫柏的计算机操作员发现一只飞蛾导致机器故障。</a:t>
+            </a:r>
+            <a:endParaRPr lang="en-US" sz="2800" dirty="0">
+              <a:solidFill>
+                <a:schemeClr val="bg2"/>
+              </a:solidFill>
+              <a:latin typeface="+mn-ea"/>
+              <a:ea typeface="+mn-ea"/>
+            </a:endParaRPr>
           </a:p>
           <a:p>
             <a:pPr marL="457200" indent="-457200" algn="l">
@@ -11290,166 +11276,60 @@
               <a:buChar char="•"/>
             </a:pPr>
             <a:r>
-              <a:rPr lang="en-US" altLang="zh-CN" sz="2500" b="1" i="0" dirty="0">
-                <a:solidFill>
-                  <a:schemeClr val="bg2"/>
-                </a:solidFill>
-                <a:effectLst/>
-                <a:latin typeface="+mn-ea"/>
-                <a:ea typeface="+mn-ea"/>
-              </a:rPr>
-              <a:t>1947</a:t>
-            </a:r>
-            <a:r>
-              <a:rPr lang="zh-CN" altLang="en-US" sz="2500" b="1" i="0" dirty="0">
-                <a:solidFill>
-                  <a:schemeClr val="bg2"/>
-                </a:solidFill>
-                <a:effectLst/>
-                <a:latin typeface="+mn-ea"/>
-                <a:ea typeface="+mn-ea"/>
-              </a:rPr>
-              <a:t>年</a:t>
-            </a:r>
-            <a:r>
-              <a:rPr lang="zh-CN" altLang="en-US" sz="2500" b="0" i="0" dirty="0">
-                <a:solidFill>
-                  <a:schemeClr val="bg2"/>
-                </a:solidFill>
-                <a:effectLst/>
-                <a:latin typeface="+mn-ea"/>
-                <a:ea typeface="+mn-ea"/>
-              </a:rPr>
-              <a:t> </a:t>
-            </a:r>
-            <a:r>
-              <a:rPr lang="en-US" altLang="zh-CN" sz="2500" b="0" i="0" dirty="0">
-                <a:solidFill>
-                  <a:schemeClr val="bg2"/>
-                </a:solidFill>
-                <a:effectLst/>
-                <a:latin typeface="+mn-ea"/>
-                <a:ea typeface="+mn-ea"/>
-              </a:rPr>
-              <a:t>- </a:t>
-            </a:r>
-            <a:r>
-              <a:rPr lang="zh-CN" altLang="en-US" sz="2500" dirty="0">
+              <a:rPr lang="en-US" sz="2800" b="1" dirty="0">
                 <a:solidFill>
                   <a:schemeClr val="bg2"/>
                 </a:solidFill>
                 <a:latin typeface="+mn-ea"/>
                 <a:ea typeface="+mn-ea"/>
               </a:rPr>
-              <a:t>一位叫赫雷丝</a:t>
-            </a:r>
-            <a:r>
-              <a:rPr lang="en-CN" sz="2500" dirty="0">
-                <a:solidFill>
-                  <a:schemeClr val="bg2"/>
-                </a:solidFill>
-              </a:rPr>
-              <a:t>・</a:t>
-            </a:r>
-            <a:r>
-              <a:rPr lang="zh-CN" altLang="en-US" sz="2500" dirty="0">
+              <a:t>1950</a:t>
+            </a:r>
+            <a:r>
+              <a:rPr lang="zh-CN" altLang="en-US" sz="2800" b="1" dirty="0">
                 <a:solidFill>
                   <a:schemeClr val="bg2"/>
                 </a:solidFill>
                 <a:latin typeface="+mn-ea"/>
                 <a:ea typeface="+mn-ea"/>
               </a:rPr>
-              <a:t>赫柏的</a:t>
-            </a:r>
-            <a:r>
-              <a:rPr lang="zh-CN" altLang="en-US" sz="2500" b="0" i="0" dirty="0">
+              <a:t>年代</a:t>
+            </a:r>
+            <a:r>
+              <a:rPr lang="zh-CN" altLang="en-US" sz="2800" dirty="0">
                 <a:solidFill>
                   <a:schemeClr val="bg2"/>
                 </a:solidFill>
-                <a:effectLst/>
-                <a:latin typeface="+mn-ea"/>
-                <a:ea typeface="+mn-ea"/>
-              </a:rPr>
-              <a:t>计算机操作员发现一只飞蛾导致机器故障。</a:t>
-            </a:r>
-            <a:endParaRPr lang="en-US" sz="2500" b="0" i="0" dirty="0">
-              <a:solidFill>
-                <a:schemeClr val="bg2"/>
-              </a:solidFill>
-              <a:effectLst/>
-              <a:latin typeface="+mn-ea"/>
-              <a:ea typeface="+mn-ea"/>
-            </a:endParaRPr>
-          </a:p>
-          <a:p>
-            <a:pPr marL="457200" indent="-457200" algn="l">
-              <a:lnSpc>
-                <a:spcPct val="150000"/>
-              </a:lnSpc>
-              <a:buFont typeface="Arial" panose="020B0604020202020204" pitchFamily="34" charset="0"/>
-              <a:buChar char="•"/>
-            </a:pPr>
-            <a:r>
-              <a:rPr lang="en-US" sz="2500" b="1" i="0" dirty="0">
-                <a:solidFill>
-                  <a:schemeClr val="bg2"/>
-                </a:solidFill>
-                <a:effectLst/>
-                <a:latin typeface="+mn-ea"/>
-                <a:ea typeface="+mn-ea"/>
-              </a:rPr>
-              <a:t>1950</a:t>
-            </a:r>
-            <a:r>
-              <a:rPr lang="zh-CN" altLang="en-US" sz="2500" b="1" i="0" dirty="0">
-                <a:solidFill>
-                  <a:schemeClr val="bg2"/>
-                </a:solidFill>
-                <a:effectLst/>
-                <a:latin typeface="+mn-ea"/>
-                <a:ea typeface="+mn-ea"/>
-              </a:rPr>
-              <a:t>年代</a:t>
-            </a:r>
-            <a:r>
-              <a:rPr lang="zh-CN" altLang="en-US" sz="2500" b="0" i="0" dirty="0">
-                <a:solidFill>
-                  <a:schemeClr val="bg2"/>
-                </a:solidFill>
-                <a:effectLst/>
                 <a:latin typeface="+mn-ea"/>
                 <a:ea typeface="+mn-ea"/>
               </a:rPr>
               <a:t> </a:t>
             </a:r>
             <a:r>
-              <a:rPr lang="en-US" altLang="zh-CN" sz="2500" b="0" i="0" dirty="0">
+              <a:rPr lang="en-US" altLang="zh-CN" sz="2800" dirty="0">
                 <a:solidFill>
                   <a:schemeClr val="bg2"/>
                 </a:solidFill>
-                <a:effectLst/>
                 <a:latin typeface="+mn-ea"/>
                 <a:ea typeface="+mn-ea"/>
               </a:rPr>
               <a:t>- “</a:t>
             </a:r>
             <a:r>
-              <a:rPr lang="en-US" sz="2500" b="0" i="0" dirty="0">
+              <a:rPr lang="en-US" sz="2800" dirty="0">
                 <a:solidFill>
                   <a:schemeClr val="bg2"/>
                 </a:solidFill>
-                <a:effectLst/>
                 <a:latin typeface="+mn-ea"/>
                 <a:ea typeface="+mn-ea"/>
               </a:rPr>
               <a:t>Debugging”</a:t>
             </a:r>
             <a:r>
-              <a:rPr lang="zh-CN" altLang="en-US" sz="2500" b="0" i="0" dirty="0">
+              <a:rPr lang="zh-CN" altLang="en-US" sz="2800" dirty="0">
                 <a:solidFill>
                   <a:schemeClr val="bg2"/>
                 </a:solidFill>
-                <a:effectLst/>
                 <a:latin typeface="+mn-ea"/>
                 <a:ea typeface="+mn-ea"/>
               </a:rPr>
@@ -11460,10 +11340,10 @@
       </p:sp>
       <p:grpSp>
         <p:nvGrpSpPr>
-          <p:cNvPr id="10" name="Group 9">
+          <p:cNvPr id="2" name="组合 1">
             <a:extLst>
               <a:ext uri="{FF2B5EF4-FFF2-40B4-BE49-F238E27FC236}">
-                <a16:creationId xmlns:a16="http://schemas.microsoft.com/office/drawing/2014/main" id="{2E26A4AA-376F-EC56-B745-6A8A4653919D}"/>
+                <a16:creationId xmlns:a16="http://schemas.microsoft.com/office/drawing/2014/main" id="{C30E134D-F1BE-7642-056A-B4AF3FD2A91E}"/>
               </a:ext>
             </a:extLst>
           </p:cNvPr>
@@ -11472,220 +11352,241 @@
         </p:nvGrpSpPr>
         <p:grpSpPr>
           <a:xfrm>
-            <a:off x="6531810" y="1573303"/>
-            <a:ext cx="1494590" cy="2598808"/>
-            <a:chOff x="6976310" y="1957387"/>
-            <a:chExt cx="1278691" cy="2330521"/>
+            <a:off x="9448801" y="1101654"/>
+            <a:ext cx="2525485" cy="5487896"/>
+            <a:chOff x="8904896" y="1507989"/>
+            <a:chExt cx="2099950" cy="4888201"/>
           </a:xfrm>
         </p:grpSpPr>
-        <p:pic>
-          <p:nvPicPr>
-            <p:cNvPr id="7" name="Picture 6" descr="A close up of a moth&#10;&#10;AI-generated content may be incorrect.">
+        <p:grpSp>
+          <p:nvGrpSpPr>
+            <p:cNvPr id="10" name="Group 9">
               <a:extLst>
                 <a:ext uri="{FF2B5EF4-FFF2-40B4-BE49-F238E27FC236}">
-                  <a16:creationId xmlns:a16="http://schemas.microsoft.com/office/drawing/2014/main" id="{2B5BD91C-E1FD-857D-5D3E-3A86A9CE84CA}"/>
+                  <a16:creationId xmlns:a16="http://schemas.microsoft.com/office/drawing/2014/main" id="{2E26A4AA-376F-EC56-B745-6A8A4653919D}"/>
                 </a:ext>
               </a:extLst>
             </p:cNvPr>
-            <p:cNvPicPr>
-              <a:picLocks noChangeAspect="1"/>
-            </p:cNvPicPr>
+            <p:cNvGrpSpPr/>
             <p:nvPr/>
-          </p:nvPicPr>
-          <p:blipFill>
-            <a:blip r:embed="rId3"/>
-            <a:stretch>
-              <a:fillRect/>
-            </a:stretch>
-          </p:blipFill>
-          <p:spPr>
+          </p:nvGrpSpPr>
+          <p:grpSpPr>
             <a:xfrm>
-              <a:off x="6976310" y="1957387"/>
-              <a:ext cx="1278690" cy="1868856"/>
+              <a:off x="8904896" y="1507989"/>
+              <a:ext cx="1494590" cy="2545661"/>
+              <a:chOff x="6976310" y="1957387"/>
+              <a:chExt cx="1278691" cy="2282861"/>
             </a:xfrm>
-            <a:prstGeom prst="rect">
-              <a:avLst/>
-            </a:prstGeom>
-          </p:spPr>
-        </p:pic>
-        <p:sp>
-          <p:nvSpPr>
-            <p:cNvPr id="9" name="TextBox 8">
+          </p:grpSpPr>
+          <p:pic>
+            <p:nvPicPr>
+              <p:cNvPr id="7" name="Picture 6" descr="A close up of a moth&#10;&#10;AI-generated content may be incorrect.">
+                <a:extLst>
+                  <a:ext uri="{FF2B5EF4-FFF2-40B4-BE49-F238E27FC236}">
+                    <a16:creationId xmlns:a16="http://schemas.microsoft.com/office/drawing/2014/main" id="{2B5BD91C-E1FD-857D-5D3E-3A86A9CE84CA}"/>
+                  </a:ext>
+                </a:extLst>
+              </p:cNvPr>
+              <p:cNvPicPr>
+                <a:picLocks noChangeAspect="1"/>
+              </p:cNvPicPr>
+              <p:nvPr/>
+            </p:nvPicPr>
+            <p:blipFill>
+              <a:blip r:embed="rId3"/>
+              <a:stretch>
+                <a:fillRect/>
+              </a:stretch>
+            </p:blipFill>
+            <p:spPr>
+              <a:xfrm>
+                <a:off x="6976310" y="1957387"/>
+                <a:ext cx="1278690" cy="1868856"/>
+              </a:xfrm>
+              <a:prstGeom prst="rect">
+                <a:avLst/>
+              </a:prstGeom>
+            </p:spPr>
+          </p:pic>
+          <p:sp>
+            <p:nvSpPr>
+              <p:cNvPr id="9" name="TextBox 8">
+                <a:extLst>
+                  <a:ext uri="{FF2B5EF4-FFF2-40B4-BE49-F238E27FC236}">
+                    <a16:creationId xmlns:a16="http://schemas.microsoft.com/office/drawing/2014/main" id="{B93366B1-70CE-B1D6-0BF7-1D7953FA5FE1}"/>
+                  </a:ext>
+                </a:extLst>
+              </p:cNvPr>
+              <p:cNvSpPr txBox="1"/>
+              <p:nvPr/>
+            </p:nvSpPr>
+            <p:spPr>
+              <a:xfrm>
+                <a:off x="6976311" y="3826243"/>
+                <a:ext cx="1278690" cy="414005"/>
+              </a:xfrm>
+              <a:prstGeom prst="rect">
+                <a:avLst/>
+              </a:prstGeom>
+              <a:noFill/>
+            </p:spPr>
+            <p:txBody>
+              <a:bodyPr wrap="square" rtlCol="0">
+                <a:spAutoFit/>
+              </a:bodyPr>
+              <a:lstStyle/>
+              <a:p>
+                <a:r>
+                  <a:rPr lang="en-CN" dirty="0">
+                    <a:solidFill>
+                      <a:schemeClr val="bg2"/>
+                    </a:solidFill>
+                    <a:latin typeface="+mn-ea"/>
+                    <a:ea typeface="+mn-ea"/>
+                  </a:rPr>
+                  <a:t>bug</a:t>
+                </a:r>
+              </a:p>
+            </p:txBody>
+          </p:sp>
+        </p:grpSp>
+        <p:grpSp>
+          <p:nvGrpSpPr>
+            <p:cNvPr id="17" name="Group 16">
               <a:extLst>
                 <a:ext uri="{FF2B5EF4-FFF2-40B4-BE49-F238E27FC236}">
-                  <a16:creationId xmlns:a16="http://schemas.microsoft.com/office/drawing/2014/main" id="{B93366B1-70CE-B1D6-0BF7-1D7953FA5FE1}"/>
+                  <a16:creationId xmlns:a16="http://schemas.microsoft.com/office/drawing/2014/main" id="{B7FB21EB-0365-F3A9-6120-E29D0282212C}"/>
                 </a:ext>
               </a:extLst>
             </p:cNvPr>
-            <p:cNvSpPr txBox="1"/>
+            <p:cNvGrpSpPr/>
+            <p:nvPr/>
+          </p:nvGrpSpPr>
+          <p:grpSpPr>
+            <a:xfrm>
+              <a:off x="8904896" y="4340088"/>
+              <a:ext cx="1494590" cy="2056102"/>
+              <a:chOff x="6798510" y="4632763"/>
+              <a:chExt cx="1278690" cy="1762911"/>
+            </a:xfrm>
+          </p:grpSpPr>
+          <p:pic>
+            <p:nvPicPr>
+              <p:cNvPr id="15" name="Picture 14" descr="A yellow triangle sign with a exclamation mark&#10;&#10;AI-generated content may be incorrect.">
+                <a:extLst>
+                  <a:ext uri="{FF2B5EF4-FFF2-40B4-BE49-F238E27FC236}">
+                    <a16:creationId xmlns:a16="http://schemas.microsoft.com/office/drawing/2014/main" id="{0D0A852A-4DFE-A276-D829-3256A4793510}"/>
+                  </a:ext>
+                </a:extLst>
+              </p:cNvPr>
+              <p:cNvPicPr>
+                <a:picLocks noChangeAspect="1"/>
+              </p:cNvPicPr>
+              <p:nvPr/>
+            </p:nvPicPr>
+            <p:blipFill>
+              <a:blip r:embed="rId4"/>
+              <a:stretch>
+                <a:fillRect/>
+              </a:stretch>
+            </p:blipFill>
+            <p:spPr>
+              <a:xfrm>
+                <a:off x="6798510" y="4632763"/>
+                <a:ext cx="1278690" cy="1331969"/>
+              </a:xfrm>
+              <a:prstGeom prst="rect">
+                <a:avLst/>
+              </a:prstGeom>
+            </p:spPr>
+          </p:pic>
+          <p:sp>
+            <p:nvSpPr>
+              <p:cNvPr id="16" name="TextBox 15">
+                <a:extLst>
+                  <a:ext uri="{FF2B5EF4-FFF2-40B4-BE49-F238E27FC236}">
+                    <a16:creationId xmlns:a16="http://schemas.microsoft.com/office/drawing/2014/main" id="{67B1DCB3-5792-FEF1-11B9-3F7CBC07CB50}"/>
+                  </a:ext>
+                </a:extLst>
+              </p:cNvPr>
+              <p:cNvSpPr txBox="1"/>
+              <p:nvPr/>
+            </p:nvSpPr>
+            <p:spPr>
+              <a:xfrm>
+                <a:off x="6798510" y="5999840"/>
+                <a:ext cx="1278689" cy="395834"/>
+              </a:xfrm>
+              <a:prstGeom prst="rect">
+                <a:avLst/>
+              </a:prstGeom>
+              <a:noFill/>
+            </p:spPr>
+            <p:txBody>
+              <a:bodyPr wrap="square" rtlCol="0">
+                <a:spAutoFit/>
+              </a:bodyPr>
+              <a:lstStyle/>
+              <a:p>
+                <a:r>
+                  <a:rPr lang="en-CN" dirty="0">
+                    <a:solidFill>
+                      <a:schemeClr val="bg2"/>
+                    </a:solidFill>
+                    <a:latin typeface="+mn-ea"/>
+                    <a:ea typeface="+mn-ea"/>
+                  </a:rPr>
+                  <a:t>程序错误</a:t>
+                </a:r>
+              </a:p>
+            </p:txBody>
+          </p:sp>
+        </p:grpSp>
+        <p:sp>
+          <p:nvSpPr>
+            <p:cNvPr id="18" name="Right Arrow 17">
+              <a:extLst>
+                <a:ext uri="{FF2B5EF4-FFF2-40B4-BE49-F238E27FC236}">
+                  <a16:creationId xmlns:a16="http://schemas.microsoft.com/office/drawing/2014/main" id="{F9525BFB-571A-23E8-144E-DA888D169137}"/>
+                </a:ext>
+              </a:extLst>
+            </p:cNvPr>
+            <p:cNvSpPr/>
             <p:nvPr/>
           </p:nvSpPr>
           <p:spPr>
-            <a:xfrm>
-              <a:off x="6976311" y="3826243"/>
-              <a:ext cx="1278690" cy="461665"/>
+            <a:xfrm rot="5400000">
+              <a:off x="10310484" y="3794627"/>
+              <a:ext cx="931524" cy="457200"/>
             </a:xfrm>
-            <a:prstGeom prst="rect">
+            <a:prstGeom prst="rightArrow">
               <a:avLst/>
             </a:prstGeom>
-            <a:noFill/>
+            <a:solidFill>
+              <a:srgbClr val="7030A0"/>
+            </a:solidFill>
+            <a:ln w="19050">
+              <a:noFill/>
+            </a:ln>
           </p:spPr>
           <p:txBody>
-            <a:bodyPr wrap="square" rtlCol="0">
-              <a:spAutoFit/>
+            <a:bodyPr wrap="square" lIns="0" rtlCol="0" anchor="ctr">
+              <a:noAutofit/>
             </a:bodyPr>
             <a:lstStyle/>
             <a:p>
-              <a:r>
-                <a:rPr lang="en-CN" dirty="0">
-                  <a:solidFill>
-                    <a:schemeClr val="bg2"/>
-                  </a:solidFill>
-                  <a:latin typeface="+mn-ea"/>
-                  <a:ea typeface="+mn-ea"/>
-                </a:rPr>
-                <a:t>bug</a:t>
-              </a:r>
+              <a:pPr algn="l"/>
+              <a:endParaRPr lang="en-CN" b="1" dirty="0">
+                <a:solidFill>
+                  <a:srgbClr val="FF0000"/>
+                </a:solidFill>
+                <a:latin typeface="微软雅黑" pitchFamily="34" charset="-122"/>
+                <a:ea typeface="微软雅黑" pitchFamily="34" charset="-122"/>
+              </a:endParaRPr>
             </a:p>
           </p:txBody>
         </p:sp>
       </p:grpSp>
-      <p:grpSp>
-        <p:nvGrpSpPr>
-          <p:cNvPr id="17" name="Group 16">
-            <a:extLst>
-              <a:ext uri="{FF2B5EF4-FFF2-40B4-BE49-F238E27FC236}">
-                <a16:creationId xmlns:a16="http://schemas.microsoft.com/office/drawing/2014/main" id="{B7FB21EB-0365-F3A9-6120-E29D0282212C}"/>
-              </a:ext>
-            </a:extLst>
-          </p:cNvPr>
-          <p:cNvGrpSpPr/>
-          <p:nvPr/>
-        </p:nvGrpSpPr>
-        <p:grpSpPr>
-          <a:xfrm>
-            <a:off x="6531810" y="4405403"/>
-            <a:ext cx="1494590" cy="2056102"/>
-            <a:chOff x="6798510" y="4632763"/>
-            <a:chExt cx="1278690" cy="1762911"/>
-          </a:xfrm>
-        </p:grpSpPr>
-        <p:pic>
-          <p:nvPicPr>
-            <p:cNvPr id="15" name="Picture 14" descr="A yellow triangle sign with a exclamation mark&#10;&#10;AI-generated content may be incorrect.">
-              <a:extLst>
-                <a:ext uri="{FF2B5EF4-FFF2-40B4-BE49-F238E27FC236}">
-                  <a16:creationId xmlns:a16="http://schemas.microsoft.com/office/drawing/2014/main" id="{0D0A852A-4DFE-A276-D829-3256A4793510}"/>
-                </a:ext>
-              </a:extLst>
-            </p:cNvPr>
-            <p:cNvPicPr>
-              <a:picLocks noChangeAspect="1"/>
-            </p:cNvPicPr>
-            <p:nvPr/>
-          </p:nvPicPr>
-          <p:blipFill>
-            <a:blip r:embed="rId4"/>
-            <a:stretch>
-              <a:fillRect/>
-            </a:stretch>
-          </p:blipFill>
-          <p:spPr>
-            <a:xfrm>
-              <a:off x="6798510" y="4632763"/>
-              <a:ext cx="1278690" cy="1331969"/>
-            </a:xfrm>
-            <a:prstGeom prst="rect">
-              <a:avLst/>
-            </a:prstGeom>
-          </p:spPr>
-        </p:pic>
-        <p:sp>
-          <p:nvSpPr>
-            <p:cNvPr id="16" name="TextBox 15">
-              <a:extLst>
-                <a:ext uri="{FF2B5EF4-FFF2-40B4-BE49-F238E27FC236}">
-                  <a16:creationId xmlns:a16="http://schemas.microsoft.com/office/drawing/2014/main" id="{67B1DCB3-5792-FEF1-11B9-3F7CBC07CB50}"/>
-                </a:ext>
-              </a:extLst>
-            </p:cNvPr>
-            <p:cNvSpPr txBox="1"/>
-            <p:nvPr/>
-          </p:nvSpPr>
-          <p:spPr>
-            <a:xfrm>
-              <a:off x="6798510" y="5999840"/>
-              <a:ext cx="1278689" cy="395834"/>
-            </a:xfrm>
-            <a:prstGeom prst="rect">
-              <a:avLst/>
-            </a:prstGeom>
-            <a:noFill/>
-          </p:spPr>
-          <p:txBody>
-            <a:bodyPr wrap="square" rtlCol="0">
-              <a:spAutoFit/>
-            </a:bodyPr>
-            <a:lstStyle/>
-            <a:p>
-              <a:r>
-                <a:rPr lang="en-CN" dirty="0">
-                  <a:solidFill>
-                    <a:schemeClr val="bg2"/>
-                  </a:solidFill>
-                  <a:latin typeface="+mn-ea"/>
-                  <a:ea typeface="+mn-ea"/>
-                </a:rPr>
-                <a:t>程序错误</a:t>
-              </a:r>
-            </a:p>
-          </p:txBody>
-        </p:sp>
-      </p:grpSp>
-      <p:sp>
-        <p:nvSpPr>
-          <p:cNvPr id="18" name="Right Arrow 17">
-            <a:extLst>
-              <a:ext uri="{FF2B5EF4-FFF2-40B4-BE49-F238E27FC236}">
-                <a16:creationId xmlns:a16="http://schemas.microsoft.com/office/drawing/2014/main" id="{F9525BFB-571A-23E8-144E-DA888D169137}"/>
-              </a:ext>
-            </a:extLst>
-          </p:cNvPr>
-          <p:cNvSpPr/>
-          <p:nvPr/>
-        </p:nvSpPr>
-        <p:spPr>
-          <a:xfrm rot="5400000">
-            <a:off x="7825015" y="3802752"/>
-            <a:ext cx="1054100" cy="457200"/>
-          </a:xfrm>
-          <a:prstGeom prst="rightArrow">
-            <a:avLst/>
-          </a:prstGeom>
-          <a:solidFill>
-            <a:srgbClr val="7030A0"/>
-          </a:solidFill>
-          <a:ln w="19050">
-            <a:noFill/>
-          </a:ln>
-        </p:spPr>
-        <p:txBody>
-          <a:bodyPr wrap="square" lIns="0" rtlCol="0" anchor="ctr">
-            <a:noAutofit/>
-          </a:bodyPr>
-          <a:lstStyle/>
-          <a:p>
-            <a:pPr algn="l"/>
-            <a:endParaRPr lang="en-CN" b="1" dirty="0">
-              <a:solidFill>
-                <a:srgbClr val="FF0000"/>
-              </a:solidFill>
-              <a:latin typeface="微软雅黑" pitchFamily="34" charset="-122"/>
-              <a:ea typeface="微软雅黑" pitchFamily="34" charset="-122"/>
-            </a:endParaRPr>
-          </a:p>
-        </p:txBody>
-      </p:sp>
     </p:spTree>
     <p:extLst>
       <p:ext uri="{BB962C8B-B14F-4D97-AF65-F5344CB8AC3E}">
@@ -11743,7 +11644,7 @@
         </p:nvSpPr>
         <p:spPr>
           <a:xfrm>
-            <a:off x="0" y="8526"/>
+            <a:off x="1524001" y="8526"/>
             <a:ext cx="9013371" cy="792162"/>
           </a:xfrm>
         </p:spPr>
@@ -11782,8 +11683,8 @@
         </p:nvSpPr>
         <p:spPr>
           <a:xfrm>
-            <a:off x="372835" y="1034524"/>
-            <a:ext cx="3623406" cy="2889381"/>
+            <a:off x="429680" y="1034525"/>
+            <a:ext cx="5106007" cy="2923877"/>
           </a:xfrm>
           <a:prstGeom prst="rect">
             <a:avLst/>
@@ -11796,15 +11697,11 @@
           </a:bodyPr>
           <a:lstStyle/>
           <a:p>
-            <a:pPr algn="l">
-              <a:lnSpc>
-                <a:spcPct val="150000"/>
-              </a:lnSpc>
-            </a:pPr>
-            <a:r>
-              <a:rPr lang="en-US" altLang="zh-CN" sz="2800" b="1" dirty="0">
+            <a:pPr algn="l"/>
+            <a:r>
+              <a:rPr lang="en-US" altLang="zh-CN" sz="4000" b="1" dirty="0">
                 <a:solidFill>
-                  <a:schemeClr val="bg2"/>
+                  <a:schemeClr val="accent2"/>
                 </a:solidFill>
                 <a:latin typeface="+mn-ea"/>
                 <a:ea typeface="+mn-ea"/>
@@ -11812,32 +11709,27 @@
               <a:t>assert: </a:t>
             </a:r>
             <a:r>
-              <a:rPr lang="zh-CN" altLang="en-US" sz="2800" b="1" dirty="0">
+              <a:rPr lang="zh-CN" altLang="en-US" sz="4000" b="1" dirty="0">
                 <a:solidFill>
-                  <a:schemeClr val="bg2"/>
+                  <a:schemeClr val="accent2"/>
                 </a:solidFill>
                 <a:latin typeface="+mn-ea"/>
                 <a:ea typeface="+mn-ea"/>
               </a:rPr>
               <a:t>断言</a:t>
             </a:r>
-            <a:endParaRPr lang="en-US" altLang="zh-CN" sz="2800" b="1" i="0" dirty="0">
+            <a:endParaRPr lang="en-US" altLang="zh-CN" sz="4000" b="1" dirty="0">
               <a:solidFill>
-                <a:schemeClr val="bg2"/>
+                <a:schemeClr val="accent2"/>
               </a:solidFill>
-              <a:effectLst/>
               <a:latin typeface="+mn-ea"/>
               <a:ea typeface="+mn-ea"/>
             </a:endParaRPr>
           </a:p>
           <a:p>
-            <a:pPr algn="l">
-              <a:lnSpc>
-                <a:spcPct val="150000"/>
-              </a:lnSpc>
-            </a:pPr>
-            <a:r>
-              <a:rPr lang="zh-CN" altLang="en-US" dirty="0">
+            <a:pPr algn="l"/>
+            <a:r>
+              <a:rPr lang="zh-CN" altLang="en-US" sz="3200" dirty="0">
                 <a:solidFill>
                   <a:schemeClr val="bg2"/>
                 </a:solidFill>
@@ -11846,7 +11738,7 @@
               </a:rPr>
               <a:t>作用：</a:t>
             </a:r>
-            <a:endParaRPr lang="en-US" altLang="zh-CN" dirty="0">
+            <a:endParaRPr lang="en-US" altLang="zh-CN" sz="3200" dirty="0">
               <a:solidFill>
                 <a:schemeClr val="bg2"/>
               </a:solidFill>
@@ -11855,13 +11747,9 @@
             </a:endParaRPr>
           </a:p>
           <a:p>
-            <a:pPr algn="l">
-              <a:lnSpc>
-                <a:spcPct val="150000"/>
-              </a:lnSpc>
-            </a:pPr>
-            <a:r>
-              <a:rPr lang="en-US" altLang="zh-CN" dirty="0">
+            <a:pPr algn="l"/>
+            <a:r>
+              <a:rPr lang="en-US" altLang="zh-CN" sz="3200" dirty="0">
                 <a:solidFill>
                   <a:schemeClr val="bg2"/>
                 </a:solidFill>
@@ -11871,7 +11759,7 @@
               <a:t>1.</a:t>
             </a:r>
             <a:r>
-              <a:rPr lang="zh-CN" altLang="en-US" dirty="0">
+              <a:rPr lang="zh-CN" altLang="en-US" sz="3200" dirty="0">
                 <a:solidFill>
                   <a:schemeClr val="bg2"/>
                 </a:solidFill>
@@ -11882,13 +11770,9 @@
             </a:r>
           </a:p>
           <a:p>
-            <a:pPr algn="l">
-              <a:lnSpc>
-                <a:spcPct val="150000"/>
-              </a:lnSpc>
-            </a:pPr>
-            <a:r>
-              <a:rPr lang="en-US" altLang="zh-CN" dirty="0">
+            <a:pPr algn="l"/>
+            <a:r>
+              <a:rPr lang="en-US" altLang="zh-CN" sz="3200" dirty="0">
                 <a:solidFill>
                   <a:schemeClr val="bg2"/>
                 </a:solidFill>
@@ -11898,7 +11782,7 @@
               <a:t>2.</a:t>
             </a:r>
             <a:r>
-              <a:rPr lang="zh-CN" altLang="en-US" dirty="0">
+              <a:rPr lang="zh-CN" altLang="en-US" sz="3200" dirty="0">
                 <a:solidFill>
                   <a:schemeClr val="bg2"/>
                 </a:solidFill>
@@ -11907,7 +11791,7 @@
               </a:rPr>
               <a:t> 快速定位程序故障。</a:t>
             </a:r>
-            <a:endParaRPr lang="en-US" altLang="zh-CN" sz="2500" dirty="0">
+            <a:endParaRPr lang="en-US" altLang="zh-CN" sz="3200" dirty="0">
               <a:solidFill>
                 <a:schemeClr val="bg2"/>
               </a:solidFill>
@@ -11932,28 +11816,28 @@
           <p:nvPr>
             <p:extLst>
               <p:ext uri="{D42A27DB-BD31-4B8C-83A1-F6EECF244321}">
-                <p14:modId xmlns:p14="http://schemas.microsoft.com/office/powerpoint/2010/main" val="1263502232"/>
+                <p14:modId xmlns:p14="http://schemas.microsoft.com/office/powerpoint/2010/main" val="253094384"/>
               </p:ext>
             </p:extLst>
           </p:nvPr>
         </p:nvGraphicFramePr>
         <p:xfrm>
-          <a:off x="4457700" y="1034524"/>
-          <a:ext cx="4555671" cy="5569477"/>
+          <a:off x="5602362" y="883031"/>
+          <a:ext cx="6542013" cy="5940683"/>
         </p:xfrm>
         <a:graphic>
           <a:graphicData uri="http://schemas.openxmlformats.org/drawingml/2006/table">
             <a:tbl>
               <a:tblPr/>
               <a:tblGrid>
-                <a:gridCol w="1253190">
+                <a:gridCol w="1726606">
                   <a:extLst>
                     <a:ext uri="{9D8B030D-6E8A-4147-A177-3AD203B41FA5}">
                       <a16:colId xmlns:a16="http://schemas.microsoft.com/office/drawing/2014/main" val="358579845"/>
                     </a:ext>
                   </a:extLst>
                 </a:gridCol>
-                <a:gridCol w="3302481">
+                <a:gridCol w="4815407">
                   <a:extLst>
                     <a:ext uri="{9D8B030D-6E8A-4147-A177-3AD203B41FA5}">
                       <a16:colId xmlns:a16="http://schemas.microsoft.com/office/drawing/2014/main" val="1282577104"/>
@@ -11961,7 +11845,7 @@
                   </a:extLst>
                 </a:gridCol>
               </a:tblGrid>
-              <a:tr h="522167">
+              <a:tr h="650944">
                 <a:tc>
                   <a:txBody>
                     <a:bodyPr/>
@@ -11973,7 +11857,7 @@
                         </a:lnSpc>
                       </a:pPr>
                       <a:r>
-                        <a:rPr lang="zh-CN" altLang="en-US" sz="2100" b="1" dirty="0">
+                        <a:rPr lang="zh-CN" altLang="en-US" sz="2800" b="1" dirty="0">
                           <a:solidFill>
                             <a:schemeClr val="bg2"/>
                           </a:solidFill>
@@ -12036,7 +11920,7 @@
                         </a:lnSpc>
                       </a:pPr>
                       <a:r>
-                        <a:rPr lang="zh-CN" altLang="en-US" sz="2100" b="1">
+                        <a:rPr lang="zh-CN" altLang="en-US" sz="2800" b="1" dirty="0">
                           <a:solidFill>
                             <a:schemeClr val="bg2"/>
                           </a:solidFill>
@@ -12094,7 +11978,7 @@
                   </a:ext>
                 </a:extLst>
               </a:tr>
-              <a:tr h="1009462">
+              <a:tr h="794008">
                 <a:tc>
                   <a:txBody>
                     <a:bodyPr/>
@@ -12106,7 +11990,7 @@
                         </a:lnSpc>
                       </a:pPr>
                       <a:r>
-                        <a:rPr lang="zh-CN" altLang="en-US" sz="2100" dirty="0">
+                        <a:rPr lang="zh-CN" altLang="en-US" sz="2400" dirty="0">
                           <a:solidFill>
                             <a:schemeClr val="bg2"/>
                           </a:solidFill>
@@ -12169,7 +12053,7 @@
                         </a:lnSpc>
                       </a:pPr>
                       <a:r>
-                        <a:rPr lang="en-US" sz="2100" dirty="0">
+                        <a:rPr lang="en-US" sz="2400" dirty="0">
                           <a:solidFill>
                             <a:schemeClr val="bg2"/>
                           </a:solidFill>
@@ -12178,7 +12062,7 @@
                         <a:t>assert n &gt; 0, "n</a:t>
                       </a:r>
                       <a:r>
-                        <a:rPr lang="zh-CN" altLang="en-US" sz="2100" dirty="0">
+                        <a:rPr lang="zh-CN" altLang="en-US" sz="2400" dirty="0">
                           <a:solidFill>
                             <a:schemeClr val="bg2"/>
                           </a:solidFill>
@@ -12187,7 +12071,7 @@
                         <a:t>必须为正整数</a:t>
                       </a:r>
                       <a:r>
-                        <a:rPr lang="en-US" altLang="zh-CN" sz="2100" dirty="0">
+                        <a:rPr lang="en-US" altLang="zh-CN" sz="2400" dirty="0">
                           <a:solidFill>
                             <a:schemeClr val="bg2"/>
                           </a:solidFill>
@@ -12245,7 +12129,7 @@
                   </a:ext>
                 </a:extLst>
               </a:tr>
-              <a:tr h="1009462">
+              <a:tr h="1094404">
                 <a:tc>
                   <a:txBody>
                     <a:bodyPr/>
@@ -12257,7 +12141,7 @@
                         </a:lnSpc>
                       </a:pPr>
                       <a:r>
-                        <a:rPr lang="zh-CN" altLang="en-US" sz="2100" dirty="0">
+                        <a:rPr lang="zh-CN" altLang="en-US" sz="2400" dirty="0">
                           <a:solidFill>
                             <a:schemeClr val="bg2"/>
                           </a:solidFill>
@@ -12320,7 +12204,7 @@
                         </a:lnSpc>
                       </a:pPr>
                       <a:r>
-                        <a:rPr lang="en-US" sz="2100" dirty="0">
+                        <a:rPr lang="en-US" sz="2400" dirty="0">
                           <a:solidFill>
                             <a:schemeClr val="bg2"/>
                           </a:solidFill>
@@ -12329,7 +12213,7 @@
                         <a:t>assert </a:t>
                       </a:r>
                       <a:r>
-                        <a:rPr lang="en-US" sz="2100" dirty="0" err="1">
+                        <a:rPr lang="en-US" sz="2400" dirty="0" err="1">
                           <a:solidFill>
                             <a:schemeClr val="bg2"/>
                           </a:solidFill>
@@ -12338,7 +12222,7 @@
                         <a:t>isinstance</a:t>
                       </a:r>
                       <a:r>
-                        <a:rPr lang="en-US" sz="2100" dirty="0">
+                        <a:rPr lang="en-US" sz="2400" dirty="0">
                           <a:solidFill>
                             <a:schemeClr val="bg2"/>
                           </a:solidFill>
@@ -12347,7 +12231,7 @@
                         <a:t>(x, int), "</a:t>
                       </a:r>
                       <a:r>
-                        <a:rPr lang="zh-CN" altLang="en-US" sz="2100" dirty="0">
+                        <a:rPr lang="zh-CN" altLang="en-US" sz="2400" dirty="0">
                           <a:solidFill>
                             <a:schemeClr val="bg2"/>
                           </a:solidFill>
@@ -12356,7 +12240,7 @@
                         <a:t>需整数类型</a:t>
                       </a:r>
                       <a:r>
-                        <a:rPr lang="en-US" altLang="zh-CN" sz="2100" dirty="0">
+                        <a:rPr lang="en-US" altLang="zh-CN" sz="2400" dirty="0">
                           <a:solidFill>
                             <a:schemeClr val="bg2"/>
                           </a:solidFill>
@@ -12414,7 +12298,7 @@
                   </a:ext>
                 </a:extLst>
               </a:tr>
-              <a:tr h="1009462">
+              <a:tr h="1094404">
                 <a:tc>
                   <a:txBody>
                     <a:bodyPr/>
@@ -12426,7 +12310,7 @@
                         </a:lnSpc>
                       </a:pPr>
                       <a:r>
-                        <a:rPr lang="zh-CN" altLang="en-US" sz="2100">
+                        <a:rPr lang="zh-CN" altLang="en-US" sz="2400">
                           <a:solidFill>
                             <a:schemeClr val="bg2"/>
                           </a:solidFill>
@@ -12489,16 +12373,34 @@
                         </a:lnSpc>
                       </a:pPr>
                       <a:r>
-                        <a:rPr lang="en-US" sz="2100">
+                        <a:rPr lang="en-US" sz="2400" dirty="0">
                           <a:solidFill>
                             <a:schemeClr val="bg2"/>
                           </a:solidFill>
                           <a:effectLst/>
                         </a:rPr>
-                        <a:t>assert not self.locked, "</a:t>
+                        <a:t>assert not </a:t>
                       </a:r>
                       <a:r>
-                        <a:rPr lang="zh-CN" altLang="en-US" sz="2100">
+                        <a:rPr lang="en-US" sz="2400" dirty="0" err="1">
+                          <a:solidFill>
+                            <a:schemeClr val="bg2"/>
+                          </a:solidFill>
+                          <a:effectLst/>
+                        </a:rPr>
+                        <a:t>self.locked</a:t>
+                      </a:r>
+                      <a:r>
+                        <a:rPr lang="en-US" sz="2400" dirty="0">
+                          <a:solidFill>
+                            <a:schemeClr val="bg2"/>
+                          </a:solidFill>
+                          <a:effectLst/>
+                        </a:rPr>
+                        <a:t>, "</a:t>
+                      </a:r>
+                      <a:r>
+                        <a:rPr lang="zh-CN" altLang="en-US" sz="2400" dirty="0">
                           <a:solidFill>
                             <a:schemeClr val="bg2"/>
                           </a:solidFill>
@@ -12507,7 +12409,7 @@
                         <a:t>资源已锁定</a:t>
                       </a:r>
                       <a:r>
-                        <a:rPr lang="en-US" altLang="zh-CN" sz="2100">
+                        <a:rPr lang="en-US" altLang="zh-CN" sz="2400" dirty="0">
                           <a:solidFill>
                             <a:schemeClr val="bg2"/>
                           </a:solidFill>
@@ -12565,7 +12467,7 @@
                   </a:ext>
                 </a:extLst>
               </a:tr>
-              <a:tr h="1009462">
+              <a:tr h="1094404">
                 <a:tc>
                   <a:txBody>
                     <a:bodyPr/>
@@ -12577,7 +12479,7 @@
                         </a:lnSpc>
                       </a:pPr>
                       <a:r>
-                        <a:rPr lang="zh-CN" altLang="en-US" sz="2100" dirty="0">
+                        <a:rPr lang="zh-CN" altLang="en-US" sz="2400" dirty="0">
                           <a:solidFill>
                             <a:schemeClr val="bg2"/>
                           </a:solidFill>
@@ -12640,7 +12542,7 @@
                         </a:lnSpc>
                       </a:pPr>
                       <a:r>
-                        <a:rPr lang="en-US" sz="2100">
+                        <a:rPr lang="en-US" sz="2400" dirty="0">
                           <a:solidFill>
                             <a:schemeClr val="bg2"/>
                           </a:solidFill>
@@ -12649,7 +12551,7 @@
                         <a:t>assert result != None, "</a:t>
                       </a:r>
                       <a:r>
-                        <a:rPr lang="zh-CN" altLang="en-US" sz="2100">
+                        <a:rPr lang="zh-CN" altLang="en-US" sz="2400" dirty="0">
                           <a:solidFill>
                             <a:schemeClr val="bg2"/>
                           </a:solidFill>
@@ -12658,7 +12560,7 @@
                         <a:t>函数返回</a:t>
                       </a:r>
                       <a:r>
-                        <a:rPr lang="en-US" sz="2100">
+                        <a:rPr lang="en-US" sz="2400" dirty="0">
                           <a:solidFill>
                             <a:schemeClr val="bg2"/>
                           </a:solidFill>
@@ -12716,7 +12618,7 @@
                   </a:ext>
                 </a:extLst>
               </a:tr>
-              <a:tr h="1009462">
+              <a:tr h="1094404">
                 <a:tc>
                   <a:txBody>
                     <a:bodyPr/>
@@ -12728,7 +12630,7 @@
                         </a:lnSpc>
                       </a:pPr>
                       <a:r>
-                        <a:rPr lang="zh-CN" altLang="en-US" sz="2100" dirty="0">
+                        <a:rPr lang="zh-CN" altLang="en-US" sz="2400" dirty="0">
                           <a:solidFill>
                             <a:schemeClr val="bg2"/>
                           </a:solidFill>
@@ -12791,7 +12693,7 @@
                         </a:lnSpc>
                       </a:pPr>
                       <a:r>
-                        <a:rPr lang="en-US" sz="2100" dirty="0">
+                        <a:rPr lang="en-US" sz="2400" dirty="0">
                           <a:solidFill>
                             <a:schemeClr val="bg2"/>
                           </a:solidFill>
@@ -12800,7 +12702,7 @@
                         <a:t>assert MAX_SIZE == 100, "</a:t>
                       </a:r>
                       <a:r>
-                        <a:rPr lang="zh-CN" altLang="en-US" sz="2100" dirty="0">
+                        <a:rPr lang="zh-CN" altLang="en-US" sz="2400" dirty="0">
                           <a:solidFill>
                             <a:schemeClr val="bg2"/>
                           </a:solidFill>
@@ -12809,7 +12711,7 @@
                         <a:t>常量值被修改</a:t>
                       </a:r>
                       <a:r>
-                        <a:rPr lang="en-US" altLang="zh-CN" sz="2100" dirty="0">
+                        <a:rPr lang="en-US" altLang="zh-CN" sz="2400" dirty="0">
                           <a:solidFill>
                             <a:schemeClr val="bg2"/>
                           </a:solidFill>
@@ -12893,8 +12795,8 @@
         </p:blipFill>
         <p:spPr>
           <a:xfrm>
-            <a:off x="79829" y="4279899"/>
-            <a:ext cx="4276271" cy="1994035"/>
+            <a:off x="372530" y="4192239"/>
+            <a:ext cx="5106007" cy="2380943"/>
           </a:xfrm>
           <a:prstGeom prst="rect">
             <a:avLst/>
@@ -12958,8 +12860,8 @@
         </p:nvSpPr>
         <p:spPr>
           <a:xfrm>
-            <a:off x="0" y="8526"/>
-            <a:ext cx="9013371" cy="792162"/>
+            <a:off x="210457" y="8526"/>
+            <a:ext cx="11879943" cy="792162"/>
           </a:xfrm>
         </p:spPr>
         <p:txBody>
@@ -12997,8 +12899,8 @@
         </p:nvSpPr>
         <p:spPr>
           <a:xfrm>
-            <a:off x="215900" y="1072159"/>
-            <a:ext cx="8712200" cy="3822650"/>
+            <a:off x="276224" y="935571"/>
+            <a:ext cx="10601325" cy="4683526"/>
           </a:xfrm>
           <a:prstGeom prst="rect">
             <a:avLst/>
@@ -13017,7 +12919,7 @@
               </a:lnSpc>
             </a:pPr>
             <a:r>
-              <a:rPr lang="en-US" sz="2600" b="1" dirty="0" err="1">
+              <a:rPr lang="en-US" sz="3200" b="1" dirty="0" err="1">
                 <a:solidFill>
                   <a:schemeClr val="bg2"/>
                 </a:solidFill>
@@ -13027,7 +12929,7 @@
               <a:t>异常定义</a:t>
             </a:r>
             <a:r>
-              <a:rPr lang="zh-CN" altLang="en-US" sz="2600" dirty="0">
+              <a:rPr lang="zh-CN" altLang="en-US" sz="3200" dirty="0">
                 <a:solidFill>
                   <a:schemeClr val="bg2"/>
                 </a:solidFill>
@@ -13036,7 +12938,7 @@
               </a:rPr>
               <a:t>：程序运行时的错误事件（如文件不存在）</a:t>
             </a:r>
-            <a:endParaRPr lang="en-US" altLang="zh-CN" sz="2600" dirty="0">
+            <a:endParaRPr lang="en-US" altLang="zh-CN" sz="3200" dirty="0">
               <a:solidFill>
                 <a:schemeClr val="bg2"/>
               </a:solidFill>
@@ -13051,7 +12953,7 @@
               </a:lnSpc>
             </a:pPr>
             <a:r>
-              <a:rPr lang="zh-CN" altLang="en-US" sz="2600" b="1" dirty="0">
+              <a:rPr lang="zh-CN" altLang="en-US" sz="3200" b="1" dirty="0">
                 <a:solidFill>
                   <a:schemeClr val="bg2"/>
                 </a:solidFill>
@@ -13061,7 +12963,7 @@
               <a:t>异常处理作用</a:t>
             </a:r>
             <a:r>
-              <a:rPr lang="zh-CN" altLang="en-US" sz="2600" dirty="0">
+              <a:rPr lang="zh-CN" altLang="en-US" sz="3200" dirty="0">
                 <a:solidFill>
                   <a:schemeClr val="bg2"/>
                 </a:solidFill>
@@ -13070,7 +12972,7 @@
               </a:rPr>
               <a:t>：让程序运行更稳健。</a:t>
             </a:r>
-            <a:endParaRPr lang="en-US" altLang="zh-CN" sz="2600" dirty="0">
+            <a:endParaRPr lang="en-US" altLang="zh-CN" sz="3200" dirty="0">
               <a:solidFill>
                 <a:schemeClr val="bg2"/>
               </a:solidFill>
@@ -13085,7 +12987,7 @@
               </a:lnSpc>
             </a:pPr>
             <a:r>
-              <a:rPr lang="zh-CN" altLang="en-US" sz="2600" b="1" dirty="0">
+              <a:rPr lang="zh-CN" altLang="en-US" sz="3200" b="1" dirty="0">
                 <a:solidFill>
                   <a:schemeClr val="bg2"/>
                 </a:solidFill>
@@ -13095,7 +12997,7 @@
               <a:t>程序错误类型</a:t>
             </a:r>
             <a:r>
-              <a:rPr lang="zh-CN" altLang="en-US" sz="2600" dirty="0">
+              <a:rPr lang="zh-CN" altLang="en-US" sz="3200" dirty="0">
                 <a:solidFill>
                   <a:schemeClr val="bg2"/>
                 </a:solidFill>
@@ -13105,7 +13007,7 @@
               <a:t>：（</a:t>
             </a:r>
             <a:r>
-              <a:rPr lang="en-US" altLang="zh-CN" sz="2600" dirty="0">
+              <a:rPr lang="en-US" altLang="zh-CN" sz="3200" dirty="0">
                 <a:solidFill>
                   <a:schemeClr val="bg2"/>
                 </a:solidFill>
@@ -13115,7 +13017,7 @@
               <a:t>1</a:t>
             </a:r>
             <a:r>
-              <a:rPr lang="zh-CN" altLang="en-US" sz="2600" dirty="0">
+              <a:rPr lang="zh-CN" altLang="en-US" sz="3200" dirty="0">
                 <a:solidFill>
                   <a:schemeClr val="bg2"/>
                 </a:solidFill>
@@ -13125,7 +13027,7 @@
               <a:t>）代码语法错误；（</a:t>
             </a:r>
             <a:r>
-              <a:rPr lang="en-US" altLang="zh-CN" sz="2600" dirty="0">
+              <a:rPr lang="en-US" altLang="zh-CN" sz="3200" dirty="0">
                 <a:solidFill>
                   <a:schemeClr val="bg2"/>
                 </a:solidFill>
@@ -13135,7 +13037,7 @@
               <a:t>2</a:t>
             </a:r>
             <a:r>
-              <a:rPr lang="zh-CN" altLang="en-US" sz="2600" dirty="0">
+              <a:rPr lang="zh-CN" altLang="en-US" sz="3200" dirty="0">
                 <a:solidFill>
                   <a:schemeClr val="bg2"/>
                 </a:solidFill>
@@ -13144,7 +13046,7 @@
               </a:rPr>
               <a:t>）程序运行错误。</a:t>
             </a:r>
-            <a:endParaRPr lang="en-US" altLang="zh-CN" sz="2600" dirty="0">
+            <a:endParaRPr lang="en-US" altLang="zh-CN" sz="3200" dirty="0">
               <a:solidFill>
                 <a:schemeClr val="bg2"/>
               </a:solidFill>
@@ -13159,7 +13061,7 @@
               </a:lnSpc>
             </a:pPr>
             <a:r>
-              <a:rPr lang="zh-CN" altLang="en-US" sz="2600" b="1" dirty="0">
+              <a:rPr lang="zh-CN" altLang="en-US" sz="3200" b="1" dirty="0">
                 <a:solidFill>
                   <a:schemeClr val="bg2"/>
                 </a:solidFill>
@@ -13169,7 +13071,7 @@
               <a:t>异常类层次</a:t>
             </a:r>
             <a:r>
-              <a:rPr lang="zh-CN" altLang="en-US" sz="2600" dirty="0">
+              <a:rPr lang="zh-CN" altLang="en-US" sz="3200" dirty="0">
                 <a:solidFill>
                   <a:schemeClr val="bg2"/>
                 </a:solidFill>
@@ -13179,7 +13081,7 @@
               <a:t>：</a:t>
             </a:r>
             <a:r>
-              <a:rPr lang="en-US" sz="2600" dirty="0" err="1">
+              <a:rPr lang="en-US" sz="3200" dirty="0" err="1">
                 <a:solidFill>
                   <a:schemeClr val="bg2"/>
                 </a:solidFill>
@@ -13189,7 +13091,7 @@
               <a:t>BaseException</a:t>
             </a:r>
             <a:r>
-              <a:rPr lang="en-US" sz="2600" dirty="0">
+              <a:rPr lang="en-US" sz="3200" dirty="0">
                 <a:solidFill>
                   <a:schemeClr val="bg2"/>
                 </a:solidFill>
@@ -13199,7 +13101,7 @@
               <a:t> → Exception → </a:t>
             </a:r>
             <a:r>
-              <a:rPr lang="zh-CN" altLang="en-US" sz="2600" dirty="0">
+              <a:rPr lang="zh-CN" altLang="en-US" sz="3200" dirty="0">
                 <a:solidFill>
                   <a:schemeClr val="bg2"/>
                 </a:solidFill>
@@ -13208,7 +13110,7 @@
               </a:rPr>
               <a:t>子类</a:t>
             </a:r>
-            <a:endParaRPr lang="en-US" altLang="zh-CN" sz="2600" dirty="0">
+            <a:endParaRPr lang="en-US" altLang="zh-CN" sz="3200" dirty="0">
               <a:solidFill>
                 <a:schemeClr val="bg2"/>
               </a:solidFill>
@@ -13223,7 +13125,7 @@
               </a:lnSpc>
             </a:pPr>
             <a:r>
-              <a:rPr lang="zh-CN" altLang="en-US" sz="2600" b="1" dirty="0">
+              <a:rPr lang="zh-CN" altLang="en-US" sz="3200" b="1" dirty="0">
                 <a:solidFill>
                   <a:schemeClr val="bg2"/>
                 </a:solidFill>
@@ -13233,7 +13135,7 @@
               <a:t>基础语法</a:t>
             </a:r>
             <a:r>
-              <a:rPr lang="zh-CN" altLang="en-US" sz="2600" dirty="0">
+              <a:rPr lang="zh-CN" altLang="en-US" sz="3200" dirty="0">
                 <a:solidFill>
                   <a:schemeClr val="bg2"/>
                 </a:solidFill>
@@ -13243,7 +13145,7 @@
               <a:t>： </a:t>
             </a:r>
             <a:r>
-              <a:rPr lang="en-US" altLang="zh-CN" sz="2600" dirty="0">
+              <a:rPr lang="en-US" altLang="zh-CN" sz="3200" dirty="0">
                 <a:solidFill>
                   <a:schemeClr val="bg2"/>
                 </a:solidFill>
@@ -13252,7 +13154,7 @@
               </a:rPr>
               <a:t>try-except</a:t>
             </a:r>
-            <a:endParaRPr lang="en-CN" sz="2600" dirty="0">
+            <a:endParaRPr lang="en-CN" sz="3200" dirty="0">
               <a:solidFill>
                 <a:schemeClr val="bg2"/>
               </a:solidFill>
@@ -13262,96 +13164,134 @@
           </a:p>
         </p:txBody>
       </p:sp>
-      <p:pic>
-        <p:nvPicPr>
-          <p:cNvPr id="6" name="Picture 5" descr="A black background with white text and green text&#10;&#10;AI-generated content may be incorrect.">
+      <p:grpSp>
+        <p:nvGrpSpPr>
+          <p:cNvPr id="2" name="组合 1">
             <a:extLst>
               <a:ext uri="{FF2B5EF4-FFF2-40B4-BE49-F238E27FC236}">
-                <a16:creationId xmlns:a16="http://schemas.microsoft.com/office/drawing/2014/main" id="{C872820F-E35C-53C7-4222-9656D5EC7A7D}"/>
+                <a16:creationId xmlns:a16="http://schemas.microsoft.com/office/drawing/2014/main" id="{ED177B11-1156-F1A6-0381-12F461D5152A}"/>
               </a:ext>
             </a:extLst>
           </p:cNvPr>
-          <p:cNvPicPr>
-            <a:picLocks noChangeAspect="1"/>
-          </p:cNvPicPr>
+          <p:cNvGrpSpPr/>
           <p:nvPr/>
-        </p:nvPicPr>
-        <p:blipFill>
-          <a:blip r:embed="rId3"/>
-          <a:stretch>
-            <a:fillRect/>
-          </a:stretch>
-        </p:blipFill>
-        <p:spPr>
+        </p:nvGrpSpPr>
+        <p:grpSpPr>
           <a:xfrm>
-            <a:off x="4330535" y="4970224"/>
-            <a:ext cx="3823144" cy="1532176"/>
+            <a:off x="5048250" y="4888556"/>
+            <a:ext cx="6936468" cy="1881089"/>
+            <a:chOff x="3909601" y="4658167"/>
+            <a:chExt cx="5768078" cy="1532176"/>
           </a:xfrm>
-          <a:prstGeom prst="rect">
-            <a:avLst/>
-          </a:prstGeom>
-        </p:spPr>
-      </p:pic>
-      <p:sp>
-        <p:nvSpPr>
-          <p:cNvPr id="7" name="TextBox 6">
-            <a:extLst>
-              <a:ext uri="{FF2B5EF4-FFF2-40B4-BE49-F238E27FC236}">
-                <a16:creationId xmlns:a16="http://schemas.microsoft.com/office/drawing/2014/main" id="{1DDF56E2-F06D-FCC1-4ABB-7D3884DFE383}"/>
-              </a:ext>
-            </a:extLst>
-          </p:cNvPr>
-          <p:cNvSpPr txBox="1"/>
-          <p:nvPr/>
-        </p:nvSpPr>
-        <p:spPr>
-          <a:xfrm>
-            <a:off x="4330535" y="4494699"/>
-            <a:ext cx="3823144" cy="400110"/>
-          </a:xfrm>
-          <a:prstGeom prst="rect">
-            <a:avLst/>
-          </a:prstGeom>
-          <a:noFill/>
-        </p:spPr>
-        <p:txBody>
-          <a:bodyPr wrap="square">
-            <a:spAutoFit/>
-          </a:bodyPr>
-          <a:lstStyle/>
-          <a:p>
-            <a:r>
-              <a:rPr lang="zh-CN" altLang="en-US" sz="2000" b="1" i="0" dirty="0">
+        </p:grpSpPr>
+        <p:pic>
+          <p:nvPicPr>
+            <p:cNvPr id="6" name="Picture 5" descr="A black background with white text and green text&#10;&#10;AI-generated content may be incorrect.">
+              <a:extLst>
+                <a:ext uri="{FF2B5EF4-FFF2-40B4-BE49-F238E27FC236}">
+                  <a16:creationId xmlns:a16="http://schemas.microsoft.com/office/drawing/2014/main" id="{C872820F-E35C-53C7-4222-9656D5EC7A7D}"/>
+                </a:ext>
+              </a:extLst>
+            </p:cNvPr>
+            <p:cNvPicPr>
+              <a:picLocks noChangeAspect="1"/>
+            </p:cNvPicPr>
+            <p:nvPr/>
+          </p:nvPicPr>
+          <p:blipFill>
+            <a:blip r:embed="rId3"/>
+            <a:stretch>
+              <a:fillRect/>
+            </a:stretch>
+          </p:blipFill>
+          <p:spPr>
+            <a:xfrm>
+              <a:off x="5854535" y="4658167"/>
+              <a:ext cx="3823144" cy="1532176"/>
+            </a:xfrm>
+            <a:prstGeom prst="rect">
+              <a:avLst/>
+            </a:prstGeom>
+          </p:spPr>
+        </p:pic>
+        <p:sp>
+          <p:nvSpPr>
+            <p:cNvPr id="7" name="TextBox 6">
+              <a:extLst>
+                <a:ext uri="{FF2B5EF4-FFF2-40B4-BE49-F238E27FC236}">
+                  <a16:creationId xmlns:a16="http://schemas.microsoft.com/office/drawing/2014/main" id="{1DDF56E2-F06D-FCC1-4ABB-7D3884DFE383}"/>
+                </a:ext>
+              </a:extLst>
+            </p:cNvPr>
+            <p:cNvSpPr txBox="1"/>
+            <p:nvPr/>
+          </p:nvSpPr>
+          <p:spPr>
+            <a:xfrm>
+              <a:off x="3909601" y="5010618"/>
+              <a:ext cx="1952855" cy="827273"/>
+            </a:xfrm>
+            <a:prstGeom prst="rect">
+              <a:avLst/>
+            </a:prstGeom>
+            <a:noFill/>
+          </p:spPr>
+          <p:txBody>
+            <a:bodyPr wrap="square">
+              <a:spAutoFit/>
+            </a:bodyPr>
+            <a:lstStyle/>
+            <a:p>
+              <a:r>
+                <a:rPr lang="zh-CN" altLang="en-US" b="1" dirty="0">
+                  <a:solidFill>
+                    <a:schemeClr val="bg2"/>
+                  </a:solidFill>
+                  <a:latin typeface="+mj-ea"/>
+                  <a:ea typeface="+mj-ea"/>
+                </a:rPr>
+                <a:t>示例</a:t>
+              </a:r>
+              <a:r>
+                <a:rPr lang="zh-CN" altLang="en-US" dirty="0">
+                  <a:solidFill>
+                    <a:schemeClr val="bg2"/>
+                  </a:solidFill>
+                  <a:latin typeface="+mj-ea"/>
+                  <a:ea typeface="+mj-ea"/>
+                </a:rPr>
+                <a:t>：</a:t>
+              </a:r>
+              <a:endParaRPr lang="en-US" altLang="zh-CN" dirty="0">
                 <a:solidFill>
                   <a:schemeClr val="bg2"/>
                 </a:solidFill>
-                <a:effectLst/>
                 <a:latin typeface="+mj-ea"/>
                 <a:ea typeface="+mj-ea"/>
-              </a:rPr>
-              <a:t>示例</a:t>
-            </a:r>
-            <a:r>
-              <a:rPr lang="zh-CN" altLang="en-US" sz="2000" b="0" i="0" dirty="0">
+              </a:endParaRPr>
+            </a:p>
+            <a:p>
+              <a:r>
+                <a:rPr lang="zh-CN" altLang="en-US" dirty="0">
+                  <a:solidFill>
+                    <a:schemeClr val="bg2"/>
+                  </a:solidFill>
+                  <a:latin typeface="+mj-ea"/>
+                  <a:ea typeface="+mj-ea"/>
+                </a:rPr>
+                <a:t>处理除零错误</a:t>
+              </a:r>
+              <a:endParaRPr lang="en-CN" dirty="0">
                 <a:solidFill>
                   <a:schemeClr val="bg2"/>
                 </a:solidFill>
-                <a:effectLst/>
                 <a:latin typeface="+mj-ea"/>
                 <a:ea typeface="+mj-ea"/>
-              </a:rPr>
-              <a:t>：处理除零错误</a:t>
-            </a:r>
-            <a:endParaRPr lang="en-CN" sz="2000" dirty="0">
-              <a:solidFill>
-                <a:schemeClr val="bg2"/>
-              </a:solidFill>
-              <a:latin typeface="+mj-ea"/>
-              <a:ea typeface="+mj-ea"/>
-            </a:endParaRPr>
-          </a:p>
-        </p:txBody>
-      </p:sp>
+              </a:endParaRPr>
+            </a:p>
+          </p:txBody>
+        </p:sp>
+      </p:grpSp>
     </p:spTree>
     <p:extLst>
       <p:ext uri="{BB962C8B-B14F-4D97-AF65-F5344CB8AC3E}">
@@ -13409,8 +13349,8 @@
         </p:nvSpPr>
         <p:spPr>
           <a:xfrm>
-            <a:off x="0" y="8526"/>
-            <a:ext cx="9013371" cy="792162"/>
+            <a:off x="1" y="8526"/>
+            <a:ext cx="10537372" cy="792162"/>
           </a:xfrm>
         </p:spPr>
         <p:txBody>
@@ -13448,8 +13388,8 @@
         </p:nvSpPr>
         <p:spPr>
           <a:xfrm>
-            <a:off x="420165" y="988151"/>
-            <a:ext cx="8022210" cy="584775"/>
+            <a:off x="406400" y="988152"/>
+            <a:ext cx="9559975" cy="584775"/>
           </a:xfrm>
           <a:prstGeom prst="rect">
             <a:avLst/>
@@ -13505,8 +13445,8 @@
         </p:blipFill>
         <p:spPr>
           <a:xfrm>
-            <a:off x="4466284" y="2056298"/>
-            <a:ext cx="4420499" cy="1625931"/>
+            <a:off x="6469256" y="1572927"/>
+            <a:ext cx="5045118" cy="1855676"/>
           </a:xfrm>
           <a:prstGeom prst="rect">
             <a:avLst/>
@@ -13528,28 +13468,28 @@
           <p:nvPr>
             <p:extLst>
               <p:ext uri="{D42A27DB-BD31-4B8C-83A1-F6EECF244321}">
-                <p14:modId xmlns:p14="http://schemas.microsoft.com/office/powerpoint/2010/main" val="3777679654"/>
+                <p14:modId xmlns:p14="http://schemas.microsoft.com/office/powerpoint/2010/main" val="4039357428"/>
               </p:ext>
             </p:extLst>
           </p:nvPr>
         </p:nvGraphicFramePr>
         <p:xfrm>
-          <a:off x="205181" y="1805543"/>
-          <a:ext cx="4201719" cy="4632959"/>
+          <a:off x="531752" y="1572927"/>
+          <a:ext cx="5045117" cy="5035616"/>
         </p:xfrm>
         <a:graphic>
           <a:graphicData uri="http://schemas.openxmlformats.org/drawingml/2006/table">
             <a:tbl>
               <a:tblPr/>
               <a:tblGrid>
-                <a:gridCol w="2334819">
+                <a:gridCol w="2803480">
                   <a:extLst>
                     <a:ext uri="{9D8B030D-6E8A-4147-A177-3AD203B41FA5}">
                       <a16:colId xmlns:a16="http://schemas.microsoft.com/office/drawing/2014/main" val="3326156905"/>
                     </a:ext>
                   </a:extLst>
                 </a:gridCol>
-                <a:gridCol w="1866900">
+                <a:gridCol w="2241637">
                   <a:extLst>
                     <a:ext uri="{9D8B030D-6E8A-4147-A177-3AD203B41FA5}">
                       <a16:colId xmlns:a16="http://schemas.microsoft.com/office/drawing/2014/main" val="1453689696"/>
@@ -13557,7 +13497,7 @@
                   </a:extLst>
                 </a:gridCol>
               </a:tblGrid>
-              <a:tr h="590168">
+              <a:tr h="532969">
                 <a:tc>
                   <a:txBody>
                     <a:bodyPr/>
@@ -13565,7 +13505,7 @@
                     <a:p>
                       <a:pPr algn="ctr"/>
                       <a:r>
-                        <a:rPr lang="zh-CN" altLang="en-US" sz="2000" b="1">
+                        <a:rPr lang="zh-CN" altLang="en-US" sz="2800" b="1">
                           <a:solidFill>
                             <a:schemeClr val="bg2"/>
                           </a:solidFill>
@@ -13624,7 +13564,7 @@
                     <a:p>
                       <a:pPr algn="ctr"/>
                       <a:r>
-                        <a:rPr lang="zh-CN" altLang="en-US" sz="2000" b="1">
+                        <a:rPr lang="zh-CN" altLang="en-US" sz="2800" b="1">
                           <a:solidFill>
                             <a:schemeClr val="bg2"/>
                           </a:solidFill>
@@ -13682,7 +13622,7 @@
                   </a:ext>
                 </a:extLst>
               </a:tr>
-              <a:tr h="757429">
+              <a:tr h="725851">
                 <a:tc>
                   <a:txBody>
                     <a:bodyPr/>
@@ -13690,7 +13630,7 @@
                     <a:p>
                       <a:pPr algn="ctr"/>
                       <a:r>
-                        <a:rPr lang="en-US" sz="2000" dirty="0" err="1">
+                        <a:rPr lang="en-US" sz="2400" dirty="0" err="1">
                           <a:solidFill>
                             <a:schemeClr val="bg2"/>
                           </a:solidFill>
@@ -13698,7 +13638,7 @@
                         </a:rPr>
                         <a:t>ZeroDivisionError</a:t>
                       </a:r>
-                      <a:endParaRPr lang="en-US" sz="2000" dirty="0">
+                      <a:endParaRPr lang="en-US" sz="2400" dirty="0">
                         <a:solidFill>
                           <a:schemeClr val="bg2"/>
                         </a:solidFill>
@@ -13755,7 +13695,7 @@
                     <a:p>
                       <a:pPr algn="ctr"/>
                       <a:r>
-                        <a:rPr lang="zh-CN" altLang="en-US" sz="2000" dirty="0">
+                        <a:rPr lang="zh-CN" altLang="en-US" sz="2400" dirty="0">
                           <a:solidFill>
                             <a:schemeClr val="bg2"/>
                           </a:solidFill>
@@ -13813,7 +13753,7 @@
                   </a:ext>
                 </a:extLst>
               </a:tr>
-              <a:tr h="757429">
+              <a:tr h="801173">
                 <a:tc>
                   <a:txBody>
                     <a:bodyPr/>
@@ -13821,7 +13761,7 @@
                     <a:p>
                       <a:pPr algn="ctr"/>
                       <a:r>
-                        <a:rPr lang="en-US" sz="2000">
+                        <a:rPr lang="en-US" sz="2400" dirty="0" err="1">
                           <a:solidFill>
                             <a:schemeClr val="bg2"/>
                           </a:solidFill>
@@ -13829,6 +13769,12 @@
                         </a:rPr>
                         <a:t>FileNotFoundError</a:t>
                       </a:r>
+                      <a:endParaRPr lang="en-US" sz="2400" dirty="0">
+                        <a:solidFill>
+                          <a:schemeClr val="bg2"/>
+                        </a:solidFill>
+                        <a:effectLst/>
+                      </a:endParaRPr>
                     </a:p>
                   </a:txBody>
                   <a:tcPr anchor="ctr">
@@ -13880,7 +13826,7 @@
                     <a:p>
                       <a:pPr algn="ctr"/>
                       <a:r>
-                        <a:rPr lang="zh-CN" altLang="en-US" sz="2000">
+                        <a:rPr lang="zh-CN" altLang="en-US" sz="2400">
                           <a:solidFill>
                             <a:schemeClr val="bg2"/>
                           </a:solidFill>
@@ -13938,7 +13884,7 @@
                   </a:ext>
                 </a:extLst>
               </a:tr>
-              <a:tr h="757429">
+              <a:tr h="1053655">
                 <a:tc>
                   <a:txBody>
                     <a:bodyPr/>
@@ -13946,7 +13892,7 @@
                     <a:p>
                       <a:pPr algn="ctr"/>
                       <a:r>
-                        <a:rPr lang="en-US" sz="2000" dirty="0" err="1">
+                        <a:rPr lang="en-US" sz="2400" dirty="0" err="1">
                           <a:solidFill>
                             <a:schemeClr val="bg2"/>
                           </a:solidFill>
@@ -13954,7 +13900,7 @@
                         </a:rPr>
                         <a:t>ValueError</a:t>
                       </a:r>
-                      <a:endParaRPr lang="en-US" sz="2000" dirty="0">
+                      <a:endParaRPr lang="en-US" sz="2400" dirty="0">
                         <a:solidFill>
                           <a:schemeClr val="bg2"/>
                         </a:solidFill>
@@ -14011,7 +13957,7 @@
                     <a:p>
                       <a:pPr algn="ctr"/>
                       <a:r>
-                        <a:rPr lang="zh-CN" altLang="en-US" sz="2000">
+                        <a:rPr lang="zh-CN" altLang="en-US" sz="2400">
                           <a:solidFill>
                             <a:schemeClr val="bg2"/>
                           </a:solidFill>
@@ -14020,7 +13966,7 @@
                         <a:t>无效参数（如</a:t>
                       </a:r>
                       <a:r>
-                        <a:rPr lang="en-US" sz="2000">
+                        <a:rPr lang="en-US" sz="2400">
                           <a:solidFill>
                             <a:schemeClr val="bg2"/>
                           </a:solidFill>
@@ -14078,7 +14024,7 @@
                   </a:ext>
                 </a:extLst>
               </a:tr>
-              <a:tr h="590168">
+              <a:tr h="725851">
                 <a:tc>
                   <a:txBody>
                     <a:bodyPr/>
@@ -14086,7 +14032,7 @@
                     <a:p>
                       <a:pPr algn="ctr"/>
                       <a:r>
-                        <a:rPr lang="en-US" sz="2000">
+                        <a:rPr lang="en-US" sz="2400">
                           <a:solidFill>
                             <a:schemeClr val="bg2"/>
                           </a:solidFill>
@@ -14145,7 +14091,7 @@
                     <a:p>
                       <a:pPr algn="ctr"/>
                       <a:r>
-                        <a:rPr lang="zh-CN" altLang="en-US" sz="2000">
+                        <a:rPr lang="zh-CN" altLang="en-US" sz="2400" dirty="0">
                           <a:solidFill>
                             <a:schemeClr val="bg2"/>
                           </a:solidFill>
@@ -14203,7 +14149,7 @@
                   </a:ext>
                 </a:extLst>
               </a:tr>
-              <a:tr h="590168">
+              <a:tr h="725851">
                 <a:tc>
                   <a:txBody>
                     <a:bodyPr/>
@@ -14211,7 +14157,7 @@
                     <a:p>
                       <a:pPr algn="ctr"/>
                       <a:r>
-                        <a:rPr lang="en-US" sz="2000" dirty="0" err="1">
+                        <a:rPr lang="en-US" sz="2400" dirty="0" err="1">
                           <a:solidFill>
                             <a:schemeClr val="bg2"/>
                           </a:solidFill>
@@ -14219,7 +14165,7 @@
                         </a:rPr>
                         <a:t>KeyError</a:t>
                       </a:r>
-                      <a:endParaRPr lang="en-US" sz="2000" dirty="0">
+                      <a:endParaRPr lang="en-US" sz="2400" dirty="0">
                         <a:solidFill>
                           <a:schemeClr val="bg2"/>
                         </a:solidFill>
@@ -14276,7 +14222,7 @@
                     <a:p>
                       <a:pPr algn="ctr"/>
                       <a:r>
-                        <a:rPr lang="zh-CN" altLang="en-US" sz="2000" dirty="0">
+                        <a:rPr lang="zh-CN" altLang="en-US" sz="2400" dirty="0">
                           <a:solidFill>
                             <a:schemeClr val="bg2"/>
                           </a:solidFill>
@@ -14334,7 +14280,7 @@
                   </a:ext>
                 </a:extLst>
               </a:tr>
-              <a:tr h="590168">
+              <a:tr h="470266">
                 <a:tc>
                   <a:txBody>
                     <a:bodyPr/>
@@ -14342,7 +14288,7 @@
                     <a:p>
                       <a:pPr algn="ctr"/>
                       <a:r>
-                        <a:rPr lang="en-US" sz="2000" dirty="0" err="1">
+                        <a:rPr lang="en-US" sz="2400" dirty="0" err="1">
                           <a:solidFill>
                             <a:schemeClr val="bg2"/>
                           </a:solidFill>
@@ -14350,7 +14296,7 @@
                         </a:rPr>
                         <a:t>TypeError</a:t>
                       </a:r>
-                      <a:endParaRPr lang="en-US" sz="2000" dirty="0">
+                      <a:endParaRPr lang="en-US" sz="2400" dirty="0">
                         <a:solidFill>
                           <a:schemeClr val="bg2"/>
                         </a:solidFill>
@@ -14407,7 +14353,7 @@
                     <a:p>
                       <a:pPr algn="ctr"/>
                       <a:r>
-                        <a:rPr lang="zh-CN" altLang="en-US" sz="2000" dirty="0">
+                        <a:rPr lang="zh-CN" altLang="en-US" sz="2400" dirty="0">
                           <a:solidFill>
                             <a:schemeClr val="bg2"/>
                           </a:solidFill>
@@ -14491,8 +14437,8 @@
         </p:blipFill>
         <p:spPr>
           <a:xfrm>
-            <a:off x="4466283" y="4347470"/>
-            <a:ext cx="4420499" cy="2302343"/>
+            <a:off x="6469256" y="4024131"/>
+            <a:ext cx="5045118" cy="2627665"/>
           </a:xfrm>
           <a:prstGeom prst="rect">
             <a:avLst/>
@@ -14513,7 +14459,7 @@
         </p:nvSpPr>
         <p:spPr>
           <a:xfrm>
-            <a:off x="4466283" y="3922745"/>
+            <a:off x="6469256" y="3599405"/>
             <a:ext cx="4420499" cy="400110"/>
           </a:xfrm>
           <a:prstGeom prst="rect">
@@ -14528,17 +14474,6 @@
           <a:lstStyle/>
           <a:p>
             <a:r>
-              <a:rPr lang="zh-CN" altLang="en-US" sz="2000" b="1" i="0" dirty="0">
-                <a:solidFill>
-                  <a:schemeClr val="bg2"/>
-                </a:solidFill>
-                <a:effectLst/>
-                <a:latin typeface="+mj-ea"/>
-                <a:ea typeface="+mj-ea"/>
-              </a:rPr>
-              <a:t>处理</a:t>
-            </a:r>
-            <a:r>
               <a:rPr lang="zh-CN" altLang="en-US" sz="2000" b="1" dirty="0">
                 <a:solidFill>
                   <a:schemeClr val="bg2"/>
@@ -14546,7 +14481,7 @@
                 <a:latin typeface="+mj-ea"/>
                 <a:ea typeface="+mj-ea"/>
               </a:rPr>
-              <a:t>多个异常</a:t>
+              <a:t>处理多个异常</a:t>
             </a:r>
             <a:endParaRPr lang="en-CN" sz="2000" b="1" dirty="0">
               <a:solidFill>
@@ -14603,8 +14538,8 @@
         </p:nvSpPr>
         <p:spPr>
           <a:xfrm>
-            <a:off x="0" y="8526"/>
-            <a:ext cx="9013371" cy="792162"/>
+            <a:off x="1" y="8526"/>
+            <a:ext cx="10537372" cy="792162"/>
           </a:xfrm>
         </p:spPr>
         <p:txBody>
@@ -14612,49 +14547,33 @@
           <a:lstStyle/>
           <a:p>
             <a:r>
-              <a:rPr lang="zh-CN" altLang="en-US">
+              <a:rPr lang="zh-CN" altLang="en-US" sz="4000" dirty="0">
                 <a:latin typeface="+mn-ea"/>
               </a:rPr>
-              <a:t>二、</a:t>
-            </a:r>
-            <a:r>
-              <a:rPr lang="zh-CN" altLang="en-US" sz="3600" b="1">
-                <a:latin typeface="微软雅黑" pitchFamily="34" charset="-122"/>
-                <a:ea typeface="微软雅黑" pitchFamily="34" charset="-122"/>
+              <a:t>第</a:t>
+            </a:r>
+            <a:r>
+              <a:rPr lang="en-US" altLang="zh-CN" sz="4000" dirty="0">
+                <a:latin typeface="+mn-ea"/>
               </a:rPr>
-              <a:t>开源桌面</a:t>
-            </a:r>
-            <a:r>
-              <a:rPr lang="en-US" altLang="zh-CN" sz="3600" b="1">
-                <a:latin typeface="微软雅黑" pitchFamily="34" charset="-122"/>
-                <a:ea typeface="微软雅黑" pitchFamily="34" charset="-122"/>
+              <a:t>5</a:t>
+            </a:r>
+            <a:r>
+              <a:rPr lang="zh-CN" altLang="en-US" sz="4000" dirty="0">
+                <a:latin typeface="+mn-ea"/>
               </a:rPr>
-              <a:t>GIS</a:t>
-            </a:r>
-            <a:r>
-              <a:rPr lang="zh-CN" altLang="en-US" sz="3600" b="1">
-                <a:latin typeface="微软雅黑" pitchFamily="34" charset="-122"/>
-                <a:ea typeface="微软雅黑" pitchFamily="34" charset="-122"/>
-              </a:rPr>
-              <a:t>软件</a:t>
-            </a:r>
-            <a:r>
-              <a:rPr lang="zh-CN" altLang="en-US">
-                <a:latin typeface="微软雅黑" pitchFamily="34" charset="-122"/>
-                <a:ea typeface="微软雅黑" pitchFamily="34" charset="-122"/>
-              </a:rPr>
-              <a:t>软件简介</a:t>
-            </a:r>
-            <a:endParaRPr lang="zh-CN" altLang="en-US"/>
+              <a:t>章、文件操作与异常处理</a:t>
+            </a:r>
+            <a:endParaRPr lang="zh-CN" altLang="en-US" sz="4000" dirty="0"/>
           </a:p>
         </p:txBody>
       </p:sp>
       <p:sp>
         <p:nvSpPr>
-          <p:cNvPr id="11" name="TextBox 10">
+          <p:cNvPr id="4" name="TextBox 10">
             <a:extLst>
               <a:ext uri="{FF2B5EF4-FFF2-40B4-BE49-F238E27FC236}">
-                <a16:creationId xmlns:a16="http://schemas.microsoft.com/office/drawing/2014/main" id="{53A7E693-8098-76C4-CD5D-47166ABEB164}"/>
+                <a16:creationId xmlns:a16="http://schemas.microsoft.com/office/drawing/2014/main" id="{DBE2EB52-1153-547D-4DDB-F105FCA1059C}"/>
               </a:ext>
             </a:extLst>
           </p:cNvPr>
@@ -14663,8 +14582,8 @@
         </p:nvSpPr>
         <p:spPr>
           <a:xfrm>
-            <a:off x="414554" y="1128372"/>
-            <a:ext cx="8314891" cy="743986"/>
+            <a:off x="552734" y="879377"/>
+            <a:ext cx="9984639" cy="825419"/>
           </a:xfrm>
           <a:prstGeom prst="rect">
             <a:avLst/>
@@ -14683,16 +14602,36 @@
               </a:lnSpc>
             </a:pPr>
             <a:r>
-              <a:rPr lang="zh-CN" altLang="en-US" sz="3200" b="1">
+              <a:rPr lang="zh-CN" altLang="en-US" sz="3600" b="1" dirty="0">
                 <a:solidFill>
                   <a:srgbClr val="333333"/>
                 </a:solidFill>
                 <a:latin typeface="+mn-ea"/>
                 <a:ea typeface="+mn-ea"/>
               </a:rPr>
-              <a:t>课后练习</a:t>
-            </a:r>
-            <a:endParaRPr lang="en-US" altLang="zh-CN" sz="3200" b="1">
+              <a:t>章节实验</a:t>
+            </a:r>
+            <a:r>
+              <a:rPr lang="en-US" altLang="zh-CN" sz="3600" b="1" dirty="0">
+                <a:solidFill>
+                  <a:srgbClr val="333333"/>
+                </a:solidFill>
+                <a:latin typeface="+mn-ea"/>
+                <a:ea typeface="+mn-ea"/>
+              </a:rPr>
+              <a:t>-</a:t>
+            </a:r>
+            <a:r>
+              <a:rPr lang="zh-CN" altLang="en-US" sz="3600" b="1" dirty="0">
+                <a:solidFill>
+                  <a:srgbClr val="333333"/>
+                </a:solidFill>
+                <a:latin typeface="+mn-ea"/>
+                <a:ea typeface="+mn-ea"/>
+              </a:rPr>
+              <a:t>文件操作练习</a:t>
+            </a:r>
+            <a:endParaRPr lang="en-US" altLang="zh-CN" sz="3600" b="1" dirty="0">
               <a:solidFill>
                 <a:srgbClr val="333333"/>
               </a:solidFill>
@@ -14704,10 +14643,10 @@
       </p:sp>
       <p:sp>
         <p:nvSpPr>
-          <p:cNvPr id="13" name="TextBox 12">
+          <p:cNvPr id="6" name="TextBox 12">
             <a:extLst>
               <a:ext uri="{FF2B5EF4-FFF2-40B4-BE49-F238E27FC236}">
-                <a16:creationId xmlns:a16="http://schemas.microsoft.com/office/drawing/2014/main" id="{303BC878-BC57-D350-27A3-F03AE48213AC}"/>
+                <a16:creationId xmlns:a16="http://schemas.microsoft.com/office/drawing/2014/main" id="{68615743-0F76-1E7B-8513-381292D6BC62}"/>
               </a:ext>
             </a:extLst>
           </p:cNvPr>
@@ -14716,8 +14655,8 @@
         </p:nvSpPr>
         <p:spPr>
           <a:xfrm>
-            <a:off x="641130" y="1783013"/>
-            <a:ext cx="7740869" cy="1344407"/>
+            <a:off x="552734" y="1583631"/>
+            <a:ext cx="11143398" cy="5237268"/>
           </a:xfrm>
           <a:prstGeom prst="rect">
             <a:avLst/>
@@ -14732,65 +14671,318 @@
           <a:p>
             <a:pPr algn="just">
               <a:lnSpc>
-                <a:spcPct val="200000"/>
+                <a:spcPct val="150000"/>
               </a:lnSpc>
             </a:pPr>
             <a:r>
-              <a:rPr lang="zh-CN" altLang="en-US" sz="2200" dirty="0">
+              <a:rPr lang="zh-CN" altLang="en-US" sz="3000" b="1" dirty="0">
                 <a:solidFill>
-                  <a:srgbClr val="333333"/>
+                  <a:srgbClr val="FF0000"/>
                 </a:solidFill>
-                <a:latin typeface="+mn-ea"/>
+                <a:latin typeface="Times New Roman" panose="02020603050405020304" pitchFamily="18" charset="0"/>
                 <a:ea typeface="+mn-ea"/>
+                <a:cs typeface="Times New Roman" panose="02020603050405020304" pitchFamily="18" charset="0"/>
               </a:rPr>
-              <a:t>练习利用</a:t>
-            </a:r>
-            <a:r>
-              <a:rPr lang="en-US" altLang="zh-CN" sz="2200" dirty="0" err="1">
+              <a:t>实验目标：</a:t>
+            </a:r>
+            <a:endParaRPr lang="en-US" altLang="zh-CN" sz="3000" b="1" dirty="0">
+              <a:solidFill>
+                <a:srgbClr val="FF0000"/>
+              </a:solidFill>
+              <a:latin typeface="Times New Roman" panose="02020603050405020304" pitchFamily="18" charset="0"/>
+              <a:ea typeface="+mn-ea"/>
+              <a:cs typeface="Times New Roman" panose="02020603050405020304" pitchFamily="18" charset="0"/>
+            </a:endParaRPr>
+          </a:p>
+          <a:p>
+            <a:pPr algn="just">
+              <a:lnSpc>
+                <a:spcPct val="150000"/>
+              </a:lnSpc>
+            </a:pPr>
+            <a:r>
+              <a:rPr lang="zh-CN" altLang="en-US" sz="2600" dirty="0">
                 <a:solidFill>
-                  <a:srgbClr val="333333"/>
+                  <a:schemeClr val="bg2"/>
                 </a:solidFill>
-                <a:latin typeface="+mn-ea"/>
+                <a:latin typeface="Times New Roman" panose="02020603050405020304" pitchFamily="18" charset="0"/>
                 <a:ea typeface="+mn-ea"/>
+                <a:cs typeface="Times New Roman" panose="02020603050405020304" pitchFamily="18" charset="0"/>
               </a:rPr>
-              <a:t>miniconda</a:t>
-            </a:r>
-            <a:r>
-              <a:rPr lang="zh-CN" altLang="en-US" sz="2200" dirty="0">
+              <a:t>掌握</a:t>
+            </a:r>
+            <a:r>
+              <a:rPr lang="en-US" altLang="zh-CN" sz="2600" dirty="0">
                 <a:solidFill>
-                  <a:srgbClr val="333333"/>
+                  <a:schemeClr val="bg2"/>
                 </a:solidFill>
-                <a:latin typeface="+mn-ea"/>
+                <a:latin typeface="Times New Roman" panose="02020603050405020304" pitchFamily="18" charset="0"/>
                 <a:ea typeface="+mn-ea"/>
+                <a:cs typeface="Times New Roman" panose="02020603050405020304" pitchFamily="18" charset="0"/>
               </a:rPr>
-              <a:t>开源软件管理包进行</a:t>
-            </a:r>
-            <a:r>
-              <a:rPr lang="en-US" altLang="zh-CN" sz="2200" dirty="0">
+              <a:t>Python</a:t>
+            </a:r>
+            <a:r>
+              <a:rPr lang="zh-CN" altLang="en-US" sz="2600" dirty="0">
                 <a:solidFill>
-                  <a:srgbClr val="333333"/>
+                  <a:schemeClr val="bg2"/>
                 </a:solidFill>
-                <a:latin typeface="+mn-ea"/>
+                <a:latin typeface="Times New Roman" panose="02020603050405020304" pitchFamily="18" charset="0"/>
                 <a:ea typeface="+mn-ea"/>
+                <a:cs typeface="Times New Roman" panose="02020603050405020304" pitchFamily="18" charset="0"/>
               </a:rPr>
-              <a:t>python</a:t>
-            </a:r>
-            <a:r>
-              <a:rPr lang="zh-CN" altLang="en-US" sz="2200" dirty="0">
+              <a:t>编程中文件操作以及程序运行路径设置</a:t>
+            </a:r>
+            <a:endParaRPr lang="en-US" altLang="zh-CN" sz="2600" dirty="0">
+              <a:solidFill>
+                <a:schemeClr val="bg2"/>
+              </a:solidFill>
+              <a:latin typeface="Times New Roman" panose="02020603050405020304" pitchFamily="18" charset="0"/>
+              <a:ea typeface="+mn-ea"/>
+              <a:cs typeface="Times New Roman" panose="02020603050405020304" pitchFamily="18" charset="0"/>
+            </a:endParaRPr>
+          </a:p>
+          <a:p>
+            <a:pPr algn="just">
+              <a:lnSpc>
+                <a:spcPct val="150000"/>
+              </a:lnSpc>
+            </a:pPr>
+            <a:r>
+              <a:rPr lang="zh-CN" altLang="en-US" sz="3000" b="1" dirty="0">
                 <a:solidFill>
-                  <a:srgbClr val="333333"/>
+                  <a:srgbClr val="FF0000"/>
                 </a:solidFill>
-                <a:latin typeface="+mn-ea"/>
+                <a:latin typeface="Times New Roman" panose="02020603050405020304" pitchFamily="18" charset="0"/>
                 <a:ea typeface="+mn-ea"/>
+                <a:cs typeface="Times New Roman" panose="02020603050405020304" pitchFamily="18" charset="0"/>
               </a:rPr>
-              <a:t>开发环境配置。</a:t>
-            </a:r>
-            <a:endParaRPr lang="en-US" altLang="zh-CN" sz="2200" dirty="0">
+              <a:t>实验内容及要求：</a:t>
+            </a:r>
+            <a:endParaRPr lang="en-US" altLang="zh-CN" sz="3000" b="1" dirty="0">
               <a:solidFill>
-                <a:srgbClr val="333333"/>
+                <a:srgbClr val="FF0000"/>
               </a:solidFill>
-              <a:latin typeface="+mn-ea"/>
+              <a:latin typeface="Times New Roman" panose="02020603050405020304" pitchFamily="18" charset="0"/>
               <a:ea typeface="+mn-ea"/>
+              <a:cs typeface="Times New Roman" panose="02020603050405020304" pitchFamily="18" charset="0"/>
+            </a:endParaRPr>
+          </a:p>
+          <a:p>
+            <a:pPr algn="just">
+              <a:lnSpc>
+                <a:spcPct val="150000"/>
+              </a:lnSpc>
+            </a:pPr>
+            <a:r>
+              <a:rPr lang="zh-CN" altLang="en-US" sz="2600" dirty="0">
+                <a:solidFill>
+                  <a:schemeClr val="bg2"/>
+                </a:solidFill>
+                <a:latin typeface="Times New Roman" panose="02020603050405020304" pitchFamily="18" charset="0"/>
+                <a:ea typeface="+mn-ea"/>
+                <a:cs typeface="Times New Roman" panose="02020603050405020304" pitchFamily="18" charset="0"/>
+              </a:rPr>
+              <a:t>（</a:t>
+            </a:r>
+            <a:r>
+              <a:rPr lang="en-US" altLang="zh-CN" sz="2600" dirty="0">
+                <a:solidFill>
+                  <a:schemeClr val="bg2"/>
+                </a:solidFill>
+                <a:latin typeface="Times New Roman" panose="02020603050405020304" pitchFamily="18" charset="0"/>
+                <a:ea typeface="+mn-ea"/>
+                <a:cs typeface="Times New Roman" panose="02020603050405020304" pitchFamily="18" charset="0"/>
+              </a:rPr>
+              <a:t>1</a:t>
+            </a:r>
+            <a:r>
+              <a:rPr lang="zh-CN" altLang="en-US" sz="2600" dirty="0">
+                <a:solidFill>
+                  <a:schemeClr val="bg2"/>
+                </a:solidFill>
+                <a:latin typeface="Times New Roman" panose="02020603050405020304" pitchFamily="18" charset="0"/>
+                <a:ea typeface="+mn-ea"/>
+                <a:cs typeface="Times New Roman" panose="02020603050405020304" pitchFamily="18" charset="0"/>
+              </a:rPr>
+              <a:t>）分别利用命令行工具和</a:t>
+            </a:r>
+            <a:r>
+              <a:rPr lang="en-US" altLang="zh-CN" sz="2600" dirty="0">
+                <a:solidFill>
+                  <a:schemeClr val="bg2"/>
+                </a:solidFill>
+                <a:latin typeface="Times New Roman" panose="02020603050405020304" pitchFamily="18" charset="0"/>
+                <a:ea typeface="+mn-ea"/>
+                <a:cs typeface="Times New Roman" panose="02020603050405020304" pitchFamily="18" charset="0"/>
+              </a:rPr>
+              <a:t>Python </a:t>
+            </a:r>
+            <a:r>
+              <a:rPr lang="en-US" altLang="zh-CN" sz="2600" dirty="0" err="1">
+                <a:solidFill>
+                  <a:schemeClr val="bg2"/>
+                </a:solidFill>
+                <a:latin typeface="Times New Roman" panose="02020603050405020304" pitchFamily="18" charset="0"/>
+                <a:ea typeface="+mn-ea"/>
+                <a:cs typeface="Times New Roman" panose="02020603050405020304" pitchFamily="18" charset="0"/>
+              </a:rPr>
+              <a:t>os</a:t>
+            </a:r>
+            <a:r>
+              <a:rPr lang="zh-CN" altLang="en-US" sz="2600" dirty="0">
+                <a:solidFill>
+                  <a:schemeClr val="bg2"/>
+                </a:solidFill>
+                <a:latin typeface="Times New Roman" panose="02020603050405020304" pitchFamily="18" charset="0"/>
+                <a:ea typeface="+mn-ea"/>
+                <a:cs typeface="Times New Roman" panose="02020603050405020304" pitchFamily="18" charset="0"/>
+              </a:rPr>
+              <a:t>模块进行文件查询，路径切换，以及文件创建，在计算机指定目录下创建若干</a:t>
+            </a:r>
+            <a:r>
+              <a:rPr lang="en-US" altLang="zh-CN" sz="2600" dirty="0">
+                <a:solidFill>
+                  <a:schemeClr val="bg2"/>
+                </a:solidFill>
+                <a:latin typeface="Times New Roman" panose="02020603050405020304" pitchFamily="18" charset="0"/>
+                <a:ea typeface="+mn-ea"/>
+                <a:cs typeface="Times New Roman" panose="02020603050405020304" pitchFamily="18" charset="0"/>
+              </a:rPr>
+              <a:t>.txt</a:t>
+            </a:r>
+            <a:r>
+              <a:rPr lang="zh-CN" altLang="en-US" sz="2600" dirty="0">
+                <a:solidFill>
+                  <a:schemeClr val="bg2"/>
+                </a:solidFill>
+                <a:latin typeface="Times New Roman" panose="02020603050405020304" pitchFamily="18" charset="0"/>
+                <a:ea typeface="+mn-ea"/>
+                <a:cs typeface="Times New Roman" panose="02020603050405020304" pitchFamily="18" charset="0"/>
+              </a:rPr>
+              <a:t>和</a:t>
+            </a:r>
+            <a:r>
+              <a:rPr lang="en-US" altLang="zh-CN" sz="2600" dirty="0">
+                <a:solidFill>
+                  <a:schemeClr val="bg2"/>
+                </a:solidFill>
+                <a:latin typeface="Times New Roman" panose="02020603050405020304" pitchFamily="18" charset="0"/>
+                <a:ea typeface="+mn-ea"/>
+                <a:cs typeface="Times New Roman" panose="02020603050405020304" pitchFamily="18" charset="0"/>
+              </a:rPr>
+              <a:t>.</a:t>
+            </a:r>
+            <a:r>
+              <a:rPr lang="en-US" altLang="zh-CN" sz="2600" dirty="0" err="1">
+                <a:solidFill>
+                  <a:schemeClr val="bg2"/>
+                </a:solidFill>
+                <a:latin typeface="Times New Roman" panose="02020603050405020304" pitchFamily="18" charset="0"/>
+                <a:ea typeface="+mn-ea"/>
+                <a:cs typeface="Times New Roman" panose="02020603050405020304" pitchFamily="18" charset="0"/>
+              </a:rPr>
+              <a:t>ipynb</a:t>
+            </a:r>
+            <a:r>
+              <a:rPr lang="zh-CN" altLang="en-US" sz="2600" dirty="0">
+                <a:solidFill>
+                  <a:schemeClr val="bg2"/>
+                </a:solidFill>
+                <a:latin typeface="Times New Roman" panose="02020603050405020304" pitchFamily="18" charset="0"/>
+                <a:ea typeface="+mn-ea"/>
+                <a:cs typeface="Times New Roman" panose="02020603050405020304" pitchFamily="18" charset="0"/>
+              </a:rPr>
+              <a:t>文件。</a:t>
+            </a:r>
+            <a:endParaRPr lang="en-US" altLang="zh-CN" sz="2600" dirty="0">
+              <a:solidFill>
+                <a:schemeClr val="bg2"/>
+              </a:solidFill>
+              <a:latin typeface="Times New Roman" panose="02020603050405020304" pitchFamily="18" charset="0"/>
+              <a:ea typeface="+mn-ea"/>
+              <a:cs typeface="Times New Roman" panose="02020603050405020304" pitchFamily="18" charset="0"/>
+            </a:endParaRPr>
+          </a:p>
+          <a:p>
+            <a:pPr algn="just">
+              <a:lnSpc>
+                <a:spcPct val="150000"/>
+              </a:lnSpc>
+            </a:pPr>
+            <a:r>
+              <a:rPr lang="zh-CN" altLang="en-US" sz="2600" dirty="0">
+                <a:solidFill>
+                  <a:schemeClr val="bg2"/>
+                </a:solidFill>
+                <a:latin typeface="Times New Roman" panose="02020603050405020304" pitchFamily="18" charset="0"/>
+                <a:ea typeface="+mn-ea"/>
+                <a:cs typeface="Times New Roman" panose="02020603050405020304" pitchFamily="18" charset="0"/>
+              </a:rPr>
+              <a:t>（</a:t>
+            </a:r>
+            <a:r>
+              <a:rPr lang="en-US" altLang="zh-CN" sz="2600" dirty="0">
+                <a:solidFill>
+                  <a:schemeClr val="bg2"/>
+                </a:solidFill>
+                <a:latin typeface="Times New Roman" panose="02020603050405020304" pitchFamily="18" charset="0"/>
+                <a:ea typeface="+mn-ea"/>
+                <a:cs typeface="Times New Roman" panose="02020603050405020304" pitchFamily="18" charset="0"/>
+              </a:rPr>
+              <a:t>2</a:t>
+            </a:r>
+            <a:r>
+              <a:rPr lang="zh-CN" altLang="en-US" sz="2600" dirty="0">
+                <a:solidFill>
+                  <a:schemeClr val="bg2"/>
+                </a:solidFill>
+                <a:latin typeface="Times New Roman" panose="02020603050405020304" pitchFamily="18" charset="0"/>
+                <a:ea typeface="+mn-ea"/>
+                <a:cs typeface="Times New Roman" panose="02020603050405020304" pitchFamily="18" charset="0"/>
+              </a:rPr>
+              <a:t>）配置</a:t>
+            </a:r>
+            <a:r>
+              <a:rPr lang="en-US" altLang="zh-CN" sz="2600" dirty="0">
+                <a:solidFill>
+                  <a:schemeClr val="bg2"/>
+                </a:solidFill>
+                <a:latin typeface="Times New Roman" panose="02020603050405020304" pitchFamily="18" charset="0"/>
+                <a:ea typeface="+mn-ea"/>
+                <a:cs typeface="Times New Roman" panose="02020603050405020304" pitchFamily="18" charset="0"/>
+              </a:rPr>
+              <a:t>.</a:t>
+            </a:r>
+            <a:r>
+              <a:rPr lang="en-US" altLang="zh-CN" sz="2600" dirty="0" err="1">
+                <a:solidFill>
+                  <a:schemeClr val="bg2"/>
+                </a:solidFill>
+                <a:latin typeface="Times New Roman" panose="02020603050405020304" pitchFamily="18" charset="0"/>
+                <a:ea typeface="+mn-ea"/>
+                <a:cs typeface="Times New Roman" panose="02020603050405020304" pitchFamily="18" charset="0"/>
+              </a:rPr>
+              <a:t>ipynb</a:t>
+            </a:r>
+            <a:r>
+              <a:rPr lang="zh-CN" altLang="en-US" sz="2600" dirty="0">
+                <a:solidFill>
+                  <a:schemeClr val="bg2"/>
+                </a:solidFill>
+                <a:latin typeface="Times New Roman" panose="02020603050405020304" pitchFamily="18" charset="0"/>
+                <a:ea typeface="+mn-ea"/>
+                <a:cs typeface="Times New Roman" panose="02020603050405020304" pitchFamily="18" charset="0"/>
+              </a:rPr>
+              <a:t>文件运行路径，分别采用相对路径和绝对路径读入计算机中同一个文件。</a:t>
+            </a:r>
+            <a:endParaRPr lang="en-US" altLang="zh-CN" sz="2600" dirty="0">
+              <a:solidFill>
+                <a:schemeClr val="bg2"/>
+              </a:solidFill>
+              <a:latin typeface="Times New Roman" panose="02020603050405020304" pitchFamily="18" charset="0"/>
+              <a:ea typeface="+mn-ea"/>
+              <a:cs typeface="Times New Roman" panose="02020603050405020304" pitchFamily="18" charset="0"/>
             </a:endParaRPr>
           </a:p>
         </p:txBody>
@@ -14798,7 +14990,7 @@
     </p:spTree>
     <p:extLst>
       <p:ext uri="{BB962C8B-B14F-4D97-AF65-F5344CB8AC3E}">
-        <p14:creationId xmlns:p14="http://schemas.microsoft.com/office/powerpoint/2010/main" val="1125183986"/>
+        <p14:creationId xmlns:p14="http://schemas.microsoft.com/office/powerpoint/2010/main" val="4207004688"/>
       </p:ext>
     </p:extLst>
   </p:cSld>
@@ -14856,7 +15048,7 @@
           <a:bodyPr wrap="none" anchor="ctr"/>
           <a:lstStyle/>
           <a:p>
-            <a:pPr eaLnBrk="1" fontAlgn="auto" hangingPunct="1">
+            <a:pPr fontAlgn="auto">
               <a:spcBef>
                 <a:spcPts val="0"/>
               </a:spcBef>
@@ -14887,7 +15079,7 @@
         </p:nvGrpSpPr>
         <p:grpSpPr>
           <a:xfrm>
-            <a:off x="2130680" y="3789501"/>
+            <a:off x="1908663" y="3818531"/>
             <a:ext cx="6403721" cy="717997"/>
             <a:chOff x="2121801" y="3511390"/>
             <a:chExt cx="5718901" cy="576000"/>
@@ -14938,7 +15130,7 @@
             <a:bodyPr rtlCol="0" anchor="ctr"/>
             <a:lstStyle/>
             <a:p>
-              <a:pPr algn="ctr" eaLnBrk="1" fontAlgn="auto" hangingPunct="1">
+              <a:pPr fontAlgn="auto">
                 <a:spcBef>
                   <a:spcPts val="0"/>
                 </a:spcBef>
@@ -14947,7 +15139,7 @@
                 </a:spcAft>
               </a:pPr>
               <a:r>
-                <a:rPr lang="zh-CN" altLang="en-US" sz="3200" b="1">
+                <a:rPr lang="zh-CN" altLang="en-US" sz="3600" b="1">
                   <a:solidFill>
                     <a:schemeClr val="accent1"/>
                   </a:solidFill>
@@ -14967,8 +15159,8 @@
           </p:nvSpPr>
           <p:spPr>
             <a:xfrm>
-              <a:off x="2777899" y="3560440"/>
-              <a:ext cx="5062803" cy="469125"/>
+              <a:off x="2938446" y="3535749"/>
+              <a:ext cx="4902256" cy="518507"/>
             </a:xfrm>
             <a:prstGeom prst="rect">
               <a:avLst/>
@@ -14989,7 +15181,7 @@
                 </a:spcAft>
               </a:pPr>
               <a:r>
-                <a:rPr lang="zh-CN" altLang="en-CN" sz="3200" b="1" dirty="0">
+                <a:rPr lang="zh-CN" altLang="en-CN" sz="3600" b="1" dirty="0">
                   <a:solidFill>
                     <a:schemeClr val="accent1"/>
                   </a:solidFill>
@@ -15002,7 +15194,7 @@
                 <a:t>异常</a:t>
               </a:r>
               <a:r>
-                <a:rPr lang="zh-CN" altLang="en-US" sz="3200" b="1" dirty="0">
+                <a:rPr lang="zh-CN" altLang="en-US" sz="3600" b="1" dirty="0">
                   <a:solidFill>
                     <a:schemeClr val="accent1"/>
                   </a:solidFill>
@@ -15014,7 +15206,7 @@
                 </a:rPr>
                 <a:t>处理</a:t>
               </a:r>
-              <a:endParaRPr lang="en-US" altLang="zh-CN" sz="3200" b="1" dirty="0">
+              <a:endParaRPr lang="en-US" altLang="zh-CN" sz="3600" b="1" dirty="0">
                 <a:solidFill>
                   <a:schemeClr val="accent1"/>
                 </a:solidFill>
@@ -15036,7 +15228,7 @@
         </p:nvSpPr>
         <p:spPr>
           <a:xfrm>
-            <a:off x="7172373" y="260648"/>
+            <a:off x="8696373" y="260648"/>
             <a:ext cx="1608134" cy="923330"/>
           </a:xfrm>
           <a:prstGeom prst="rect">
@@ -15050,7 +15242,7 @@
           </a:bodyPr>
           <a:lstStyle/>
           <a:p>
-            <a:pPr algn="r" eaLnBrk="1" fontAlgn="auto" hangingPunct="1">
+            <a:pPr algn="r" fontAlgn="auto">
               <a:spcBef>
                 <a:spcPts val="0"/>
               </a:spcBef>
@@ -15092,7 +15284,7 @@
         </p:nvGrpSpPr>
         <p:grpSpPr>
           <a:xfrm>
-            <a:off x="2130680" y="2503235"/>
+            <a:off x="1908663" y="2532264"/>
             <a:ext cx="6649827" cy="772176"/>
             <a:chOff x="2121802" y="2115450"/>
             <a:chExt cx="5221533" cy="576000"/>
@@ -15149,7 +15341,7 @@
             <a:bodyPr rtlCol="0" anchor="ctr"/>
             <a:lstStyle/>
             <a:p>
-              <a:pPr algn="ctr" eaLnBrk="1" fontAlgn="auto" hangingPunct="1">
+              <a:pPr fontAlgn="auto">
                 <a:spcBef>
                   <a:spcPts val="0"/>
                 </a:spcBef>
@@ -15158,7 +15350,7 @@
                 </a:spcAft>
               </a:pPr>
               <a:r>
-                <a:rPr lang="zh-CN" altLang="en-US" sz="3200" b="1">
+                <a:rPr lang="zh-CN" altLang="en-US" sz="3600" b="1">
                   <a:solidFill>
                     <a:schemeClr val="accent1"/>
                   </a:solidFill>
@@ -15184,8 +15376,8 @@
           </p:nvSpPr>
           <p:spPr>
             <a:xfrm>
-              <a:off x="2697802" y="2173516"/>
-              <a:ext cx="4645533" cy="436209"/>
+              <a:off x="2839829" y="2150557"/>
+              <a:ext cx="4503506" cy="482127"/>
             </a:xfrm>
             <a:prstGeom prst="rect">
               <a:avLst/>
@@ -15197,7 +15389,7 @@
             </a:bodyPr>
             <a:lstStyle/>
             <a:p>
-              <a:pPr algn="l" eaLnBrk="1" fontAlgn="auto" hangingPunct="1">
+              <a:pPr algn="l" fontAlgn="auto">
                 <a:spcBef>
                   <a:spcPts val="0"/>
                 </a:spcBef>
@@ -15206,7 +15398,7 @@
                 </a:spcAft>
               </a:pPr>
               <a:r>
-                <a:rPr lang="zh-CN" altLang="en-US" sz="3200" b="1" dirty="0">
+                <a:rPr lang="zh-CN" altLang="en-US" sz="3600" b="1" dirty="0">
                   <a:solidFill>
                     <a:schemeClr val="accent1"/>
                   </a:solidFill>
@@ -15264,7 +15456,7 @@
         <p:spPr>
           <a:xfrm>
             <a:off x="0" y="3471863"/>
-            <a:ext cx="9144000" cy="1543050"/>
+            <a:ext cx="12192000" cy="1543050"/>
           </a:xfrm>
           <a:prstGeom prst="rect">
             <a:avLst/>
@@ -15301,8 +15493,8 @@
         </p:nvSpPr>
         <p:spPr>
           <a:xfrm>
-            <a:off x="189064" y="3868892"/>
-            <a:ext cx="8753057" cy="707886"/>
+            <a:off x="254222" y="3868892"/>
+            <a:ext cx="11670743" cy="769441"/>
           </a:xfrm>
           <a:prstGeom prst="rect">
             <a:avLst/>
@@ -15323,7 +15515,7 @@
               </a:spcAft>
             </a:pPr>
             <a:r>
-              <a:rPr lang="zh-CN" altLang="en-US" sz="4000" b="1" dirty="0">
+              <a:rPr lang="zh-CN" altLang="en-US" sz="4400" b="1" dirty="0">
                 <a:latin typeface="微软雅黑" pitchFamily="34" charset="-122"/>
                 <a:ea typeface="微软雅黑" pitchFamily="34" charset="-122"/>
               </a:rPr>
@@ -15341,7 +15533,7 @@
         <p:spPr>
           <a:xfrm>
             <a:off x="0" y="5014912"/>
-            <a:ext cx="9144000" cy="72000"/>
+            <a:ext cx="12192000" cy="72000"/>
           </a:xfrm>
           <a:prstGeom prst="rect">
             <a:avLst/>
@@ -15367,6 +15559,42 @@
               <a:latin typeface="微软雅黑" pitchFamily="34" charset="-122"/>
               <a:ea typeface="微软雅黑" pitchFamily="34" charset="-122"/>
             </a:endParaRPr>
+          </a:p>
+        </p:txBody>
+      </p:sp>
+      <p:sp>
+        <p:nvSpPr>
+          <p:cNvPr id="2" name="标题 2">
+            <a:extLst>
+              <a:ext uri="{FF2B5EF4-FFF2-40B4-BE49-F238E27FC236}">
+                <a16:creationId xmlns:a16="http://schemas.microsoft.com/office/drawing/2014/main" id="{B7F2176A-350B-B49E-5F85-B93436247B04}"/>
+              </a:ext>
+            </a:extLst>
+          </p:cNvPr>
+          <p:cNvSpPr>
+            <a:spLocks noGrp="1"/>
+          </p:cNvSpPr>
+          <p:nvPr>
+            <p:ph type="title"/>
+          </p:nvPr>
+        </p:nvSpPr>
+        <p:spPr>
+          <a:xfrm>
+            <a:off x="1" y="8526"/>
+            <a:ext cx="6712856" cy="792162"/>
+          </a:xfrm>
+        </p:spPr>
+        <p:txBody>
+          <a:bodyPr/>
+          <a:lstStyle/>
+          <a:p>
+            <a:r>
+              <a:rPr lang="zh-CN" altLang="en-US" dirty="0">
+                <a:latin typeface="+mn-ea"/>
+              </a:rPr>
+              <a:t>第五章、文件操作与异常处理</a:t>
+            </a:r>
+            <a:endParaRPr lang="zh-CN" altLang="en-US" dirty="0"/>
           </a:p>
         </p:txBody>
       </p:sp>
@@ -15415,8 +15643,8 @@
         </p:nvSpPr>
         <p:spPr>
           <a:xfrm>
-            <a:off x="0" y="8526"/>
-            <a:ext cx="9013371" cy="792162"/>
+            <a:off x="1" y="8526"/>
+            <a:ext cx="10537372" cy="792162"/>
           </a:xfrm>
         </p:spPr>
         <p:txBody>
@@ -15454,8 +15682,8 @@
         </p:nvSpPr>
         <p:spPr>
           <a:xfrm>
-            <a:off x="495580" y="931590"/>
-            <a:ext cx="8022210" cy="3966599"/>
+            <a:off x="348343" y="931591"/>
+            <a:ext cx="11357428" cy="5402313"/>
           </a:xfrm>
           <a:prstGeom prst="rect">
             <a:avLst/>
@@ -15474,7 +15702,7 @@
               </a:lnSpc>
             </a:pPr>
             <a:r>
-              <a:rPr lang="zh-CN" altLang="en-US" sz="3200" b="1" dirty="0">
+              <a:rPr lang="zh-CN" altLang="en-US" sz="3600" b="1" dirty="0">
                 <a:solidFill>
                   <a:srgbClr val="333333"/>
                 </a:solidFill>
@@ -15483,7 +15711,7 @@
               </a:rPr>
               <a:t>文件操作的意义</a:t>
             </a:r>
-            <a:endParaRPr lang="en-US" altLang="zh-CN" sz="3200" b="1" dirty="0">
+            <a:endParaRPr lang="en-US" altLang="zh-CN" sz="3600" b="1" dirty="0">
               <a:solidFill>
                 <a:srgbClr val="333333"/>
               </a:solidFill>
@@ -15499,16 +15727,82 @@
               <a:buAutoNum type="arabicPeriod"/>
             </a:pPr>
             <a:r>
-              <a:rPr lang="zh-CN" altLang="en-US" dirty="0">
+              <a:rPr lang="zh-CN" altLang="en-US" sz="2800" dirty="0">
                 <a:solidFill>
                   <a:srgbClr val="333333"/>
                 </a:solidFill>
                 <a:latin typeface="+mn-ea"/>
                 <a:ea typeface="+mn-ea"/>
               </a:rPr>
-              <a:t>数据持久化</a:t>
-            </a:r>
-            <a:endParaRPr lang="en-US" altLang="zh-CN" dirty="0">
+              <a:t>数据持久化，便于长期存储</a:t>
+            </a:r>
+            <a:r>
+              <a:rPr lang="en-US" altLang="zh-CN" sz="2800" dirty="0">
+                <a:solidFill>
+                  <a:srgbClr val="333333"/>
+                </a:solidFill>
+                <a:latin typeface="+mn-ea"/>
+                <a:ea typeface="+mn-ea"/>
+              </a:rPr>
+              <a:t>;</a:t>
+            </a:r>
+          </a:p>
+          <a:p>
+            <a:pPr marL="457200" indent="-457200" algn="just">
+              <a:lnSpc>
+                <a:spcPct val="150000"/>
+              </a:lnSpc>
+              <a:buAutoNum type="arabicPeriod"/>
+            </a:pPr>
+            <a:r>
+              <a:rPr lang="zh-CN" altLang="en-US" sz="2800" dirty="0">
+                <a:solidFill>
+                  <a:srgbClr val="333333"/>
+                </a:solidFill>
+                <a:latin typeface="+mn-ea"/>
+                <a:ea typeface="+mn-ea"/>
+              </a:rPr>
+              <a:t>数据交换与共享，通过数据读写实现数据传递</a:t>
+            </a:r>
+            <a:r>
+              <a:rPr lang="en-US" altLang="zh-CN" sz="2800" dirty="0">
+                <a:solidFill>
+                  <a:srgbClr val="333333"/>
+                </a:solidFill>
+                <a:latin typeface="+mn-ea"/>
+                <a:ea typeface="+mn-ea"/>
+              </a:rPr>
+              <a:t>;</a:t>
+            </a:r>
+          </a:p>
+          <a:p>
+            <a:pPr marL="457200" indent="-457200" algn="just">
+              <a:lnSpc>
+                <a:spcPct val="150000"/>
+              </a:lnSpc>
+              <a:buAutoNum type="arabicPeriod"/>
+            </a:pPr>
+            <a:r>
+              <a:rPr lang="zh-CN" altLang="en-US" sz="2800" dirty="0">
+                <a:solidFill>
+                  <a:srgbClr val="333333"/>
+                </a:solidFill>
+                <a:latin typeface="+mn-ea"/>
+                <a:ea typeface="+mn-ea"/>
+              </a:rPr>
+              <a:t>大规模数据处理，文件操作可实现对多个文件的处理</a:t>
+            </a:r>
+            <a:r>
+              <a:rPr lang="en-US" altLang="zh-CN" sz="2800">
+                <a:solidFill>
+                  <a:srgbClr val="333333"/>
+                </a:solidFill>
+                <a:latin typeface="+mn-ea"/>
+                <a:ea typeface="+mn-ea"/>
+              </a:rPr>
+              <a:t>…</a:t>
+            </a:r>
+            <a:endParaRPr lang="en-US" altLang="zh-CN" sz="2800" dirty="0">
               <a:solidFill>
                 <a:srgbClr val="333333"/>
               </a:solidFill>
@@ -15517,38 +15811,13 @@
             </a:endParaRPr>
           </a:p>
           <a:p>
-            <a:pPr marL="457200" indent="-457200" algn="just">
-              <a:lnSpc>
-                <a:spcPct val="150000"/>
-              </a:lnSpc>
-              <a:buAutoNum type="arabicPeriod"/>
-            </a:pPr>
-            <a:r>
-              <a:rPr lang="zh-CN" altLang="en-US" dirty="0">
-                <a:solidFill>
-                  <a:srgbClr val="333333"/>
-                </a:solidFill>
-                <a:latin typeface="+mn-ea"/>
-                <a:ea typeface="+mn-ea"/>
-              </a:rPr>
-              <a:t>数据处理（日志分析、数据清洗等）</a:t>
-            </a:r>
-            <a:endParaRPr lang="en-US" altLang="zh-CN" dirty="0">
-              <a:solidFill>
-                <a:srgbClr val="333333"/>
-              </a:solidFill>
-              <a:latin typeface="+mn-ea"/>
-              <a:ea typeface="+mn-ea"/>
-            </a:endParaRPr>
-          </a:p>
-          <a:p>
             <a:pPr algn="just">
               <a:lnSpc>
                 <a:spcPct val="150000"/>
               </a:lnSpc>
             </a:pPr>
             <a:r>
-              <a:rPr lang="zh-CN" altLang="en-US" sz="3200" b="1" dirty="0">
+              <a:rPr lang="zh-CN" altLang="en-US" sz="3600" b="1" dirty="0">
                 <a:solidFill>
                   <a:srgbClr val="333333"/>
                 </a:solidFill>
@@ -15557,7 +15826,7 @@
               </a:rPr>
               <a:t>文件类型</a:t>
             </a:r>
-            <a:endParaRPr lang="en-US" altLang="zh-CN" sz="3200" b="1" dirty="0">
+            <a:endParaRPr lang="en-US" altLang="zh-CN" sz="3600" b="1" dirty="0">
               <a:solidFill>
                 <a:srgbClr val="333333"/>
               </a:solidFill>
@@ -15572,17 +15841,97 @@
               </a:lnSpc>
             </a:pPr>
             <a:r>
-              <a:rPr lang="zh-CN" altLang="en-US" dirty="0">
+              <a:rPr lang="zh-CN" altLang="en-US" sz="2800" dirty="0">
                 <a:solidFill>
                   <a:srgbClr val="333333"/>
                 </a:solidFill>
                 <a:latin typeface="+mn-ea"/>
                 <a:ea typeface="+mn-ea"/>
               </a:rPr>
-              <a:t>文本文件、以及二进制文件（如图片</a:t>
-            </a:r>
-            <a:r>
-              <a:rPr lang="en-US" altLang="zh-CN" dirty="0">
+              <a:t>文本文件</a:t>
+            </a:r>
+            <a:r>
+              <a:rPr lang="en-US" altLang="zh-CN" sz="2800" dirty="0">
+                <a:solidFill>
+                  <a:srgbClr val="333333"/>
+                </a:solidFill>
+                <a:latin typeface="+mn-ea"/>
+                <a:ea typeface="+mn-ea"/>
+              </a:rPr>
+              <a:t>(.txt)</a:t>
+            </a:r>
+            <a:r>
+              <a:rPr lang="zh-CN" altLang="en-US" sz="2800" dirty="0">
+                <a:solidFill>
+                  <a:srgbClr val="333333"/>
+                </a:solidFill>
+                <a:latin typeface="+mn-ea"/>
+                <a:ea typeface="+mn-ea"/>
+              </a:rPr>
+              <a:t>、代码文件</a:t>
+            </a:r>
+            <a:r>
+              <a:rPr lang="en-US" altLang="zh-CN" sz="2800" dirty="0">
+                <a:solidFill>
+                  <a:srgbClr val="333333"/>
+                </a:solidFill>
+                <a:latin typeface="+mn-ea"/>
+                <a:ea typeface="+mn-ea"/>
+              </a:rPr>
+              <a:t>(.</a:t>
+            </a:r>
+            <a:r>
+              <a:rPr lang="en-US" altLang="zh-CN" sz="2800" dirty="0" err="1">
+                <a:solidFill>
+                  <a:srgbClr val="333333"/>
+                </a:solidFill>
+                <a:latin typeface="+mn-ea"/>
+                <a:ea typeface="+mn-ea"/>
+              </a:rPr>
+              <a:t>py</a:t>
+            </a:r>
+            <a:r>
+              <a:rPr lang="en-US" altLang="zh-CN" sz="2800" dirty="0">
+                <a:solidFill>
+                  <a:srgbClr val="333333"/>
+                </a:solidFill>
+                <a:latin typeface="+mn-ea"/>
+                <a:ea typeface="+mn-ea"/>
+              </a:rPr>
+              <a:t>, .</a:t>
+            </a:r>
+            <a:r>
+              <a:rPr lang="en-US" altLang="zh-CN" sz="2800" dirty="0" err="1">
+                <a:solidFill>
+                  <a:srgbClr val="333333"/>
+                </a:solidFill>
+                <a:latin typeface="+mn-ea"/>
+                <a:ea typeface="+mn-ea"/>
+              </a:rPr>
+              <a:t>ipynb</a:t>
+            </a:r>
+            <a:r>
+              <a:rPr lang="en-US" altLang="zh-CN" sz="2800" dirty="0">
+                <a:solidFill>
+                  <a:srgbClr val="333333"/>
+                </a:solidFill>
+                <a:latin typeface="+mn-ea"/>
+                <a:ea typeface="+mn-ea"/>
+              </a:rPr>
+              <a:t>)</a:t>
+            </a:r>
+            <a:r>
+              <a:rPr lang="zh-CN" altLang="en-US" sz="2800" dirty="0">
+                <a:solidFill>
+                  <a:srgbClr val="333333"/>
+                </a:solidFill>
+                <a:latin typeface="+mn-ea"/>
+                <a:ea typeface="+mn-ea"/>
+              </a:rPr>
+              <a:t>、二进制文件（如图片</a:t>
+            </a:r>
+            <a:r>
+              <a:rPr lang="en-US" altLang="zh-CN" sz="2800" dirty="0">
                 <a:solidFill>
                   <a:srgbClr val="333333"/>
                 </a:solidFill>
@@ -15592,7 +15941,7 @@
               <a:t>/</a:t>
             </a:r>
             <a:r>
-              <a:rPr lang="zh-CN" altLang="en-US" dirty="0">
+              <a:rPr lang="zh-CN" altLang="en-US" sz="2800" dirty="0">
                 <a:solidFill>
                   <a:srgbClr val="333333"/>
                 </a:solidFill>
@@ -15601,7 +15950,7 @@
               </a:rPr>
               <a:t>视频）</a:t>
             </a:r>
-            <a:endParaRPr lang="en-US" altLang="zh-CN" dirty="0">
+            <a:endParaRPr lang="en-US" altLang="zh-CN" sz="2800" dirty="0">
               <a:solidFill>
                 <a:srgbClr val="333333"/>
               </a:solidFill>
@@ -15668,8 +16017,8 @@
         </p:nvSpPr>
         <p:spPr>
           <a:xfrm>
-            <a:off x="0" y="8526"/>
-            <a:ext cx="9013371" cy="792162"/>
+            <a:off x="1" y="8526"/>
+            <a:ext cx="10537372" cy="792162"/>
           </a:xfrm>
         </p:spPr>
         <p:txBody>
@@ -15707,8 +16056,8 @@
         </p:nvSpPr>
         <p:spPr>
           <a:xfrm>
-            <a:off x="294468" y="931590"/>
-            <a:ext cx="8223322" cy="646331"/>
+            <a:off x="87086" y="931591"/>
+            <a:ext cx="9954704" cy="646331"/>
           </a:xfrm>
           <a:prstGeom prst="rect">
             <a:avLst/>
@@ -15756,7 +16105,7 @@
         </p:nvGrpSpPr>
         <p:grpSpPr>
           <a:xfrm>
-            <a:off x="512411" y="2110185"/>
+            <a:off x="1196485" y="2204783"/>
             <a:ext cx="3429995" cy="4549040"/>
             <a:chOff x="212586" y="1647267"/>
             <a:chExt cx="4159644" cy="5099194"/>
@@ -16136,8 +16485,8 @@
           </p:nvSpPr>
           <p:spPr>
             <a:xfrm>
-              <a:off x="1974003" y="1775200"/>
-              <a:ext cx="284052" cy="523220"/>
+              <a:off x="1943790" y="1775200"/>
+              <a:ext cx="344478" cy="586497"/>
             </a:xfrm>
             <a:prstGeom prst="rect">
               <a:avLst/>
@@ -16664,8 +17013,8 @@
         </p:nvSpPr>
         <p:spPr>
           <a:xfrm>
-            <a:off x="0" y="1485586"/>
-            <a:ext cx="4784531" cy="581057"/>
+            <a:off x="254001" y="1485587"/>
+            <a:ext cx="6054532" cy="581057"/>
           </a:xfrm>
           <a:prstGeom prst="rect">
             <a:avLst/>
@@ -16711,7 +17060,7 @@
                 <a:latin typeface="+mj-ea"/>
                 <a:ea typeface="+mj-ea"/>
               </a:rPr>
-              <a:t>Macos</a:t>
+              <a:t>MacOs</a:t>
             </a:r>
             <a:r>
               <a:rPr lang="zh-CN" altLang="en-US" b="1" dirty="0">
@@ -16767,7 +17116,7 @@
         </p:nvSpPr>
         <p:spPr>
           <a:xfrm>
-            <a:off x="2446822" y="2196153"/>
+            <a:off x="3130896" y="2290752"/>
             <a:ext cx="1787955" cy="461665"/>
           </a:xfrm>
           <a:prstGeom prst="rect">
@@ -16809,8 +17158,8 @@
         </p:nvGrpSpPr>
         <p:grpSpPr>
           <a:xfrm>
-            <a:off x="4422487" y="2204783"/>
-            <a:ext cx="1993953" cy="3952769"/>
+            <a:off x="5958115" y="2229050"/>
+            <a:ext cx="2251478" cy="4048379"/>
             <a:chOff x="4335402" y="2161241"/>
             <a:chExt cx="1993953" cy="3952769"/>
           </a:xfrm>
@@ -17274,8 +17623,8 @@
         </p:nvGrpSpPr>
         <p:grpSpPr>
           <a:xfrm>
-            <a:off x="6629084" y="2204783"/>
-            <a:ext cx="2376702" cy="3952770"/>
+            <a:off x="8755095" y="2204783"/>
+            <a:ext cx="2448819" cy="4072646"/>
             <a:chOff x="6396855" y="2161241"/>
             <a:chExt cx="2376702" cy="3952770"/>
           </a:xfrm>
@@ -17887,7 +18236,7 @@
         </p:nvSpPr>
         <p:spPr>
           <a:xfrm>
-            <a:off x="4627236" y="1507311"/>
+            <a:off x="6151237" y="1507312"/>
             <a:ext cx="4784531" cy="581057"/>
           </a:xfrm>
           <a:prstGeom prst="rect">
@@ -17976,8 +18325,8 @@
         </p:nvSpPr>
         <p:spPr>
           <a:xfrm>
-            <a:off x="0" y="8526"/>
-            <a:ext cx="9013371" cy="792162"/>
+            <a:off x="1" y="8526"/>
+            <a:ext cx="10537372" cy="792162"/>
           </a:xfrm>
         </p:spPr>
         <p:txBody>
@@ -17985,19 +18334,19 @@
           <a:lstStyle/>
           <a:p>
             <a:r>
-              <a:rPr lang="zh-CN" altLang="en-US" dirty="0">
+              <a:rPr lang="zh-CN" altLang="en-US" sz="4000" dirty="0">
                 <a:latin typeface="+mn-ea"/>
               </a:rPr>
               <a:t>一、</a:t>
             </a:r>
             <a:r>
-              <a:rPr lang="zh-CN" altLang="en-US" dirty="0">
+              <a:rPr lang="zh-CN" altLang="en-US" sz="4000" dirty="0">
                 <a:latin typeface="微软雅黑" pitchFamily="34" charset="-122"/>
                 <a:ea typeface="微软雅黑" pitchFamily="34" charset="-122"/>
               </a:rPr>
               <a:t>文件操作</a:t>
             </a:r>
-            <a:endParaRPr lang="zh-CN" altLang="en-US" dirty="0"/>
+            <a:endParaRPr lang="zh-CN" altLang="en-US" sz="4000" dirty="0"/>
           </a:p>
         </p:txBody>
       </p:sp>
@@ -18015,8 +18364,8 @@
         </p:nvSpPr>
         <p:spPr>
           <a:xfrm>
-            <a:off x="362857" y="1062492"/>
-            <a:ext cx="8022210" cy="646331"/>
+            <a:off x="399142" y="1062493"/>
+            <a:ext cx="9509925" cy="646331"/>
           </a:xfrm>
           <a:prstGeom prst="rect">
             <a:avLst/>
@@ -18064,8 +18413,8 @@
         </p:nvSpPr>
         <p:spPr>
           <a:xfrm>
-            <a:off x="362857" y="1647267"/>
-            <a:ext cx="5530914" cy="4509696"/>
+            <a:off x="375034" y="1751456"/>
+            <a:ext cx="7837921" cy="5063759"/>
           </a:xfrm>
           <a:prstGeom prst="rect">
             <a:avLst/>
@@ -18101,7 +18450,7 @@
               </a:lnSpc>
             </a:pPr>
             <a:r>
-              <a:rPr lang="en-US" altLang="zh-CN" sz="2800" dirty="0">
+              <a:rPr lang="en-US" altLang="zh-CN" sz="3200" dirty="0">
                 <a:solidFill>
                   <a:schemeClr val="bg2"/>
                 </a:solidFill>
@@ -18111,7 +18460,7 @@
               <a:t>1. </a:t>
             </a:r>
             <a:r>
-              <a:rPr lang="zh-CN" altLang="en-US" sz="2800" dirty="0">
+              <a:rPr lang="zh-CN" altLang="en-US" sz="3200" dirty="0">
                 <a:solidFill>
                   <a:schemeClr val="bg2"/>
                 </a:solidFill>
@@ -18121,6 +18470,73 @@
               <a:t>绝对路径：以根目录为基准的路径</a:t>
             </a:r>
             <a:r>
+              <a:rPr lang="en-US" altLang="zh-CN" sz="3600" dirty="0">
+                <a:solidFill>
+                  <a:schemeClr val="bg2"/>
+                </a:solidFill>
+                <a:latin typeface="+mj-ea"/>
+                <a:ea typeface="+mj-ea"/>
+              </a:rPr>
+              <a:t>(</a:t>
+            </a:r>
+            <a:r>
+              <a:rPr lang="en-US" altLang="zh-CN" sz="2800" b="1" dirty="0">
+                <a:solidFill>
+                  <a:schemeClr val="accent2"/>
+                </a:solidFill>
+                <a:latin typeface="+mj-ea"/>
+                <a:ea typeface="+mj-ea"/>
+              </a:rPr>
+              <a:t>C:\</a:t>
+            </a:r>
+            <a:r>
+              <a:rPr lang="zh-CN" altLang="en-US" sz="2800" b="1" dirty="0">
+                <a:solidFill>
+                  <a:schemeClr val="accent2"/>
+                </a:solidFill>
+                <a:latin typeface="+mj-ea"/>
+                <a:ea typeface="+mj-ea"/>
+              </a:rPr>
+              <a:t>编程基础</a:t>
+            </a:r>
+            <a:r>
+              <a:rPr lang="en-US" altLang="zh-CN" sz="2800" b="1" dirty="0">
+                <a:solidFill>
+                  <a:schemeClr val="accent2"/>
+                </a:solidFill>
+                <a:latin typeface="+mj-ea"/>
+                <a:ea typeface="+mj-ea"/>
+              </a:rPr>
+              <a:t>\Data\</a:t>
+            </a:r>
+            <a:r>
+              <a:rPr lang="en-US" altLang="zh-CN" sz="2800" b="1" dirty="0" err="1">
+                <a:solidFill>
+                  <a:schemeClr val="accent2"/>
+                </a:solidFill>
+                <a:latin typeface="+mj-ea"/>
+                <a:ea typeface="+mj-ea"/>
+              </a:rPr>
+              <a:t>file.txt</a:t>
+            </a:r>
+            <a:r>
+              <a:rPr lang="en-US" altLang="zh-CN" sz="3600" dirty="0">
+                <a:solidFill>
+                  <a:schemeClr val="bg2"/>
+                </a:solidFill>
+                <a:latin typeface="+mj-ea"/>
+                <a:ea typeface="+mj-ea"/>
+              </a:rPr>
+              <a:t>)</a:t>
+            </a:r>
+          </a:p>
+          <a:p>
+            <a:pPr algn="l">
+              <a:lnSpc>
+                <a:spcPct val="150000"/>
+              </a:lnSpc>
+            </a:pPr>
+            <a:r>
               <a:rPr lang="en-US" altLang="zh-CN" sz="3200" dirty="0">
                 <a:solidFill>
                   <a:schemeClr val="bg2"/>
@@ -18128,40 +18544,50 @@
                 <a:latin typeface="+mj-ea"/>
                 <a:ea typeface="+mj-ea"/>
               </a:rPr>
-              <a:t>(</a:t>
-            </a:r>
-            <a:r>
-              <a:rPr lang="en-US" altLang="zh-CN" dirty="0">
+              <a:t>2.</a:t>
+            </a:r>
+            <a:r>
+              <a:rPr lang="zh-CN" altLang="en-US" sz="3200" dirty="0">
+                <a:solidFill>
+                  <a:schemeClr val="bg2"/>
+                </a:solidFill>
+                <a:latin typeface="+mj-ea"/>
+                <a:ea typeface="+mj-ea"/>
+              </a:rPr>
+              <a:t> </a:t>
+            </a:r>
+            <a:r>
+              <a:rPr lang="en-CN" sz="3200" dirty="0">
+                <a:solidFill>
+                  <a:schemeClr val="bg2"/>
+                </a:solidFill>
+                <a:latin typeface="+mj-ea"/>
+                <a:ea typeface="+mj-ea"/>
+              </a:rPr>
+              <a:t>相对路径: 以参考位置为基准的路径</a:t>
+            </a:r>
+            <a:r>
+              <a:rPr lang="zh-CN" altLang="en-US" sz="3200" dirty="0">
+                <a:solidFill>
+                  <a:schemeClr val="bg2"/>
+                </a:solidFill>
+                <a:latin typeface="+mj-ea"/>
+                <a:ea typeface="+mj-ea"/>
+              </a:rPr>
+              <a:t>（以“编程基础”文件夹为参考：</a:t>
+            </a:r>
+            <a:r>
+              <a:rPr lang="en-US" altLang="zh-CN" sz="2800" b="1" dirty="0">
                 <a:solidFill>
                   <a:schemeClr val="accent2"/>
                 </a:solidFill>
                 <a:latin typeface="+mj-ea"/>
                 <a:ea typeface="+mj-ea"/>
               </a:rPr>
-              <a:t>C:\</a:t>
-            </a:r>
-            <a:r>
-              <a:rPr lang="zh-CN" altLang="en-US" dirty="0">
-                <a:solidFill>
-                  <a:schemeClr val="accent2"/>
-                </a:solidFill>
-                <a:latin typeface="+mj-ea"/>
-                <a:ea typeface="+mj-ea"/>
-              </a:rPr>
-              <a:t>编程基础</a:t>
-            </a:r>
-            <a:r>
-              <a:rPr lang="en-US" altLang="zh-CN" dirty="0">
-                <a:solidFill>
-                  <a:schemeClr val="accent2"/>
-                </a:solidFill>
-                <a:latin typeface="+mj-ea"/>
-                <a:ea typeface="+mj-ea"/>
-              </a:rPr>
-              <a:t>\Data\</a:t>
-            </a:r>
-            <a:r>
-              <a:rPr lang="en-US" altLang="zh-CN" dirty="0" err="1">
+              <a:t>Data/</a:t>
+            </a:r>
+            <a:r>
+              <a:rPr lang="en-US" altLang="zh-CN" sz="2800" b="1" dirty="0" err="1">
                 <a:solidFill>
                   <a:schemeClr val="accent2"/>
                 </a:solidFill>
@@ -18171,74 +18597,37 @@
               <a:t>file.txt</a:t>
             </a:r>
             <a:r>
-              <a:rPr lang="en-US" altLang="zh-CN" sz="3200" dirty="0">
-                <a:solidFill>
-                  <a:schemeClr val="bg2"/>
-                </a:solidFill>
-                <a:latin typeface="+mj-ea"/>
-                <a:ea typeface="+mj-ea"/>
-              </a:rPr>
-              <a:t>)</a:t>
-            </a:r>
-          </a:p>
-          <a:p>
-            <a:pPr algn="l">
-              <a:lnSpc>
-                <a:spcPct val="150000"/>
-              </a:lnSpc>
-            </a:pPr>
-            <a:r>
-              <a:rPr lang="en-US" altLang="zh-CN" sz="2800" dirty="0">
-                <a:solidFill>
-                  <a:schemeClr val="bg2"/>
-                </a:solidFill>
-                <a:latin typeface="+mj-ea"/>
-                <a:ea typeface="+mj-ea"/>
-              </a:rPr>
-              <a:t>2.</a:t>
-            </a:r>
-            <a:r>
-              <a:rPr lang="zh-CN" altLang="en-US" sz="2800" dirty="0">
-                <a:solidFill>
-                  <a:schemeClr val="bg2"/>
-                </a:solidFill>
-                <a:latin typeface="+mj-ea"/>
-                <a:ea typeface="+mj-ea"/>
-              </a:rPr>
-              <a:t> </a:t>
-            </a:r>
-            <a:r>
-              <a:rPr lang="en-CN" sz="2800" dirty="0">
-                <a:solidFill>
-                  <a:schemeClr val="bg2"/>
-                </a:solidFill>
-                <a:latin typeface="+mj-ea"/>
-                <a:ea typeface="+mj-ea"/>
-              </a:rPr>
-              <a:t>相对路径: 以参考位置为基准的路径</a:t>
-            </a:r>
-            <a:r>
-              <a:rPr lang="zh-CN" altLang="en-US" sz="2800" dirty="0">
-                <a:solidFill>
-                  <a:schemeClr val="bg2"/>
-                </a:solidFill>
-                <a:latin typeface="+mj-ea"/>
-                <a:ea typeface="+mj-ea"/>
-              </a:rPr>
-              <a:t>（以“编程基础”文件夹为参考：</a:t>
-            </a:r>
-            <a:r>
-              <a:rPr lang="en-US" altLang="zh-CN" dirty="0">
+              <a:rPr lang="en-US" altLang="zh-CN" sz="2800" b="1" dirty="0">
                 <a:solidFill>
                   <a:schemeClr val="accent2"/>
                 </a:solidFill>
                 <a:latin typeface="+mj-ea"/>
                 <a:ea typeface="+mj-ea"/>
               </a:rPr>
-              <a:t>Data/</a:t>
-            </a:r>
-            <a:r>
-              <a:rPr lang="en-US" altLang="zh-CN" dirty="0" err="1">
+              <a:t> </a:t>
+            </a:r>
+            <a:r>
+              <a:rPr lang="zh-CN" altLang="en-US" sz="2800" b="1" dirty="0">
+                <a:solidFill>
+                  <a:schemeClr val="accent2"/>
+                </a:solidFill>
+                <a:latin typeface="+mj-ea"/>
+                <a:ea typeface="+mj-ea"/>
+              </a:rPr>
+              <a:t>或 </a:t>
+            </a:r>
+            <a:r>
+              <a:rPr lang="en-US" altLang="zh-CN" sz="2800" b="1" dirty="0">
+                <a:solidFill>
+                  <a:schemeClr val="accent2"/>
+                </a:solidFill>
+                <a:latin typeface="+mj-ea"/>
+                <a:ea typeface="+mj-ea"/>
+              </a:rPr>
+              <a:t>./ Data/</a:t>
+            </a:r>
+            <a:r>
+              <a:rPr lang="en-US" altLang="zh-CN" sz="2800" b="1" dirty="0" err="1">
                 <a:solidFill>
                   <a:schemeClr val="accent2"/>
                 </a:solidFill>
@@ -18248,7 +18637,7 @@
               <a:t>file.txt</a:t>
             </a:r>
             <a:r>
-              <a:rPr lang="en-US" altLang="zh-CN" dirty="0">
+              <a:rPr lang="en-US" altLang="zh-CN" sz="2800" b="1" dirty="0">
                 <a:solidFill>
                   <a:schemeClr val="accent2"/>
                 </a:solidFill>
@@ -18258,47 +18647,7 @@
               <a:t> </a:t>
             </a:r>
             <a:r>
-              <a:rPr lang="zh-CN" altLang="en-US" dirty="0">
-                <a:solidFill>
-                  <a:schemeClr val="accent2"/>
-                </a:solidFill>
-                <a:latin typeface="+mj-ea"/>
-                <a:ea typeface="+mj-ea"/>
-              </a:rPr>
-              <a:t>或 </a:t>
-            </a:r>
-            <a:r>
-              <a:rPr lang="en-US" altLang="zh-CN" dirty="0">
-                <a:solidFill>
-                  <a:schemeClr val="accent2"/>
-                </a:solidFill>
-                <a:latin typeface="+mj-ea"/>
-                <a:ea typeface="+mj-ea"/>
-              </a:rPr>
-              <a:t>./ Data/</a:t>
-            </a:r>
-            <a:r>
-              <a:rPr lang="en-US" altLang="zh-CN" dirty="0" err="1">
-                <a:solidFill>
-                  <a:schemeClr val="accent2"/>
-                </a:solidFill>
-                <a:latin typeface="+mj-ea"/>
-                <a:ea typeface="+mj-ea"/>
-              </a:rPr>
-              <a:t>file.txt</a:t>
-            </a:r>
-            <a:r>
-              <a:rPr lang="en-US" altLang="zh-CN" dirty="0">
-                <a:solidFill>
-                  <a:schemeClr val="accent2"/>
-                </a:solidFill>
-                <a:latin typeface="+mj-ea"/>
-                <a:ea typeface="+mj-ea"/>
-              </a:rPr>
-              <a:t> </a:t>
-            </a:r>
-            <a:r>
-              <a:rPr lang="zh-CN" altLang="en-US" dirty="0">
+              <a:rPr lang="zh-CN" altLang="en-US" sz="2800" dirty="0">
                 <a:solidFill>
                   <a:schemeClr val="accent2"/>
                 </a:solidFill>
@@ -18307,7 +18656,7 @@
               </a:rPr>
               <a:t>）</a:t>
             </a:r>
-            <a:endParaRPr lang="en-CN" dirty="0">
+            <a:endParaRPr lang="en-CN" sz="2800" dirty="0">
               <a:solidFill>
                 <a:schemeClr val="accent2"/>
               </a:solidFill>
@@ -18319,10 +18668,10 @@
       </p:sp>
       <p:grpSp>
         <p:nvGrpSpPr>
-          <p:cNvPr id="4" name="Group 3">
+          <p:cNvPr id="5" name="组合 4">
             <a:extLst>
               <a:ext uri="{FF2B5EF4-FFF2-40B4-BE49-F238E27FC236}">
-                <a16:creationId xmlns:a16="http://schemas.microsoft.com/office/drawing/2014/main" id="{4CA79477-53AB-DC3A-AAE2-3731D4BB1BD6}"/>
+                <a16:creationId xmlns:a16="http://schemas.microsoft.com/office/drawing/2014/main" id="{8CE02535-3906-8FD1-F888-DA83CF647882}"/>
               </a:ext>
             </a:extLst>
           </p:cNvPr>
@@ -18331,138 +18680,483 @@
         </p:nvGrpSpPr>
         <p:grpSpPr>
           <a:xfrm>
-            <a:off x="5875323" y="1647267"/>
-            <a:ext cx="3138048" cy="5122319"/>
-            <a:chOff x="4335402" y="2161241"/>
-            <a:chExt cx="1993953" cy="3952769"/>
+            <a:off x="8220214" y="1161040"/>
+            <a:ext cx="3526971" cy="5522789"/>
+            <a:chOff x="7399323" y="1647268"/>
+            <a:chExt cx="3138048" cy="5122319"/>
           </a:xfrm>
         </p:grpSpPr>
-        <p:pic>
-          <p:nvPicPr>
-            <p:cNvPr id="6" name="Picture 5" descr="A yellow folder with a white page&#10;&#10;AI-generated content may be incorrect.">
+        <p:grpSp>
+          <p:nvGrpSpPr>
+            <p:cNvPr id="4" name="Group 3">
               <a:extLst>
                 <a:ext uri="{FF2B5EF4-FFF2-40B4-BE49-F238E27FC236}">
-                  <a16:creationId xmlns:a16="http://schemas.microsoft.com/office/drawing/2014/main" id="{4BC03E18-5E6C-7584-DB65-F9722763681F}"/>
+                  <a16:creationId xmlns:a16="http://schemas.microsoft.com/office/drawing/2014/main" id="{4CA79477-53AB-DC3A-AAE2-3731D4BB1BD6}"/>
                 </a:ext>
               </a:extLst>
             </p:cNvPr>
-            <p:cNvPicPr>
-              <a:picLocks noChangeAspect="1"/>
-            </p:cNvPicPr>
+            <p:cNvGrpSpPr/>
             <p:nvPr/>
-          </p:nvPicPr>
-          <p:blipFill>
-            <a:blip r:embed="rId3"/>
-            <a:stretch>
-              <a:fillRect/>
-            </a:stretch>
-          </p:blipFill>
-          <p:spPr>
+          </p:nvGrpSpPr>
+          <p:grpSpPr>
             <a:xfrm>
-              <a:off x="5045080" y="2161241"/>
-              <a:ext cx="722587" cy="611124"/>
+              <a:off x="7399323" y="1647268"/>
+              <a:ext cx="3138048" cy="5122319"/>
+              <a:chOff x="4335402" y="2161241"/>
+              <a:chExt cx="1993953" cy="3952769"/>
             </a:xfrm>
-            <a:prstGeom prst="rect">
-              <a:avLst/>
-            </a:prstGeom>
-          </p:spPr>
-        </p:pic>
-        <p:pic>
-          <p:nvPicPr>
-            <p:cNvPr id="19" name="Picture 18" descr="A yellow folder with a white page&#10;&#10;AI-generated content may be incorrect.">
+          </p:grpSpPr>
+          <p:pic>
+            <p:nvPicPr>
+              <p:cNvPr id="6" name="Picture 5" descr="A yellow folder with a white page&#10;&#10;AI-generated content may be incorrect.">
+                <a:extLst>
+                  <a:ext uri="{FF2B5EF4-FFF2-40B4-BE49-F238E27FC236}">
+                    <a16:creationId xmlns:a16="http://schemas.microsoft.com/office/drawing/2014/main" id="{4BC03E18-5E6C-7584-DB65-F9722763681F}"/>
+                  </a:ext>
+                </a:extLst>
+              </p:cNvPr>
+              <p:cNvPicPr>
+                <a:picLocks noChangeAspect="1"/>
+              </p:cNvPicPr>
+              <p:nvPr/>
+            </p:nvPicPr>
+            <p:blipFill>
+              <a:blip r:embed="rId3"/>
+              <a:stretch>
+                <a:fillRect/>
+              </a:stretch>
+            </p:blipFill>
+            <p:spPr>
+              <a:xfrm>
+                <a:off x="5045080" y="2161241"/>
+                <a:ext cx="722587" cy="611124"/>
+              </a:xfrm>
+              <a:prstGeom prst="rect">
+                <a:avLst/>
+              </a:prstGeom>
+            </p:spPr>
+          </p:pic>
+          <p:pic>
+            <p:nvPicPr>
+              <p:cNvPr id="19" name="Picture 18" descr="A yellow folder with a white page&#10;&#10;AI-generated content may be incorrect.">
+                <a:extLst>
+                  <a:ext uri="{FF2B5EF4-FFF2-40B4-BE49-F238E27FC236}">
+                    <a16:creationId xmlns:a16="http://schemas.microsoft.com/office/drawing/2014/main" id="{7399CDB5-EDB8-1A29-B223-6554A0121699}"/>
+                  </a:ext>
+                </a:extLst>
+              </p:cNvPr>
+              <p:cNvPicPr>
+                <a:picLocks noChangeAspect="1"/>
+              </p:cNvPicPr>
+              <p:nvPr/>
+            </p:nvPicPr>
+            <p:blipFill>
+              <a:blip r:embed="rId3"/>
+              <a:stretch>
+                <a:fillRect/>
+              </a:stretch>
+            </p:blipFill>
+            <p:spPr>
+              <a:xfrm>
+                <a:off x="4509580" y="3171862"/>
+                <a:ext cx="722587" cy="611124"/>
+              </a:xfrm>
+              <a:prstGeom prst="rect">
+                <a:avLst/>
+              </a:prstGeom>
+            </p:spPr>
+          </p:pic>
+          <p:pic>
+            <p:nvPicPr>
+              <p:cNvPr id="22" name="Picture 21" descr="A yellow folder with a white page&#10;&#10;AI-generated content may be incorrect.">
+                <a:extLst>
+                  <a:ext uri="{FF2B5EF4-FFF2-40B4-BE49-F238E27FC236}">
+                    <a16:creationId xmlns:a16="http://schemas.microsoft.com/office/drawing/2014/main" id="{8A05EC4C-5D16-8F81-5E44-642576E6880B}"/>
+                  </a:ext>
+                </a:extLst>
+              </p:cNvPr>
+              <p:cNvPicPr>
+                <a:picLocks noChangeAspect="1"/>
+              </p:cNvPicPr>
+              <p:nvPr/>
+            </p:nvPicPr>
+            <p:blipFill>
+              <a:blip r:embed="rId3"/>
+              <a:stretch>
+                <a:fillRect/>
+              </a:stretch>
+            </p:blipFill>
+            <p:spPr>
+              <a:xfrm>
+                <a:off x="5606768" y="3214967"/>
+                <a:ext cx="722587" cy="611124"/>
+              </a:xfrm>
+              <a:prstGeom prst="rect">
+                <a:avLst/>
+              </a:prstGeom>
+            </p:spPr>
+          </p:pic>
+          <p:pic>
+            <p:nvPicPr>
+              <p:cNvPr id="23" name="Picture 22" descr="A yellow folder with a white page&#10;&#10;AI-generated content may be incorrect.">
+                <a:extLst>
+                  <a:ext uri="{FF2B5EF4-FFF2-40B4-BE49-F238E27FC236}">
+                    <a16:creationId xmlns:a16="http://schemas.microsoft.com/office/drawing/2014/main" id="{16E08C31-F105-CDFD-3A1E-3BC62B1ADD5E}"/>
+                  </a:ext>
+                </a:extLst>
+              </p:cNvPr>
+              <p:cNvPicPr>
+                <a:picLocks noChangeAspect="1"/>
+              </p:cNvPicPr>
+              <p:nvPr/>
+            </p:nvPicPr>
+            <p:blipFill>
+              <a:blip r:embed="rId3"/>
+              <a:stretch>
+                <a:fillRect/>
+              </a:stretch>
+            </p:blipFill>
+            <p:spPr>
+              <a:xfrm>
+                <a:off x="4335402" y="4132682"/>
+                <a:ext cx="722587" cy="611124"/>
+              </a:xfrm>
+              <a:prstGeom prst="rect">
+                <a:avLst/>
+              </a:prstGeom>
+            </p:spPr>
+          </p:pic>
+          <p:sp>
+            <p:nvSpPr>
+              <p:cNvPr id="25" name="TextBox 24">
+                <a:extLst>
+                  <a:ext uri="{FF2B5EF4-FFF2-40B4-BE49-F238E27FC236}">
+                    <a16:creationId xmlns:a16="http://schemas.microsoft.com/office/drawing/2014/main" id="{303850D0-5687-36F6-1825-E661A453F6AA}"/>
+                  </a:ext>
+                </a:extLst>
+              </p:cNvPr>
+              <p:cNvSpPr txBox="1"/>
+              <p:nvPr/>
+            </p:nvSpPr>
+            <p:spPr>
+              <a:xfrm>
+                <a:off x="5108855" y="2263027"/>
+                <a:ext cx="658812" cy="356256"/>
+              </a:xfrm>
+              <a:prstGeom prst="rect">
+                <a:avLst/>
+              </a:prstGeom>
+              <a:noFill/>
+            </p:spPr>
+            <p:txBody>
+              <a:bodyPr wrap="square" rtlCol="0">
+                <a:spAutoFit/>
+              </a:bodyPr>
+              <a:lstStyle/>
+              <a:p>
+                <a:r>
+                  <a:rPr lang="en-US" altLang="zh-CN" b="1" dirty="0">
+                    <a:solidFill>
+                      <a:schemeClr val="bg2"/>
+                    </a:solidFill>
+                  </a:rPr>
+                  <a:t>C:\</a:t>
+                </a:r>
+                <a:endParaRPr lang="en-CN" b="1" dirty="0">
+                  <a:solidFill>
+                    <a:schemeClr val="bg2"/>
+                  </a:solidFill>
+                </a:endParaRPr>
+              </a:p>
+            </p:txBody>
+          </p:sp>
+          <p:cxnSp>
+            <p:nvCxnSpPr>
+              <p:cNvPr id="26" name="Straight Connector 25">
+                <a:extLst>
+                  <a:ext uri="{FF2B5EF4-FFF2-40B4-BE49-F238E27FC236}">
+                    <a16:creationId xmlns:a16="http://schemas.microsoft.com/office/drawing/2014/main" id="{CD17690B-A9F9-DB88-B536-A6E2FCC73C02}"/>
+                  </a:ext>
+                </a:extLst>
+              </p:cNvPr>
+              <p:cNvCxnSpPr>
+                <a:cxnSpLocks/>
+                <a:stCxn id="6" idx="2"/>
+                <a:endCxn id="19" idx="0"/>
+              </p:cNvCxnSpPr>
+              <p:nvPr/>
+            </p:nvCxnSpPr>
+            <p:spPr bwMode="auto">
+              <a:xfrm flipH="1">
+                <a:off x="4870874" y="2772365"/>
+                <a:ext cx="535500" cy="399497"/>
+              </a:xfrm>
+              <a:prstGeom prst="line">
+                <a:avLst/>
+              </a:prstGeom>
+              <a:ln>
+                <a:headEnd type="none" w="med" len="med"/>
+                <a:tailEnd type="none" w="med" len="med"/>
+              </a:ln>
+            </p:spPr>
+            <p:style>
+              <a:lnRef idx="1">
+                <a:schemeClr val="dk1"/>
+              </a:lnRef>
+              <a:fillRef idx="0">
+                <a:schemeClr val="dk1"/>
+              </a:fillRef>
+              <a:effectRef idx="0">
+                <a:schemeClr val="dk1"/>
+              </a:effectRef>
+              <a:fontRef idx="minor">
+                <a:schemeClr val="tx1"/>
+              </a:fontRef>
+            </p:style>
+          </p:cxnSp>
+          <p:cxnSp>
+            <p:nvCxnSpPr>
+              <p:cNvPr id="28" name="Straight Connector 27">
+                <a:extLst>
+                  <a:ext uri="{FF2B5EF4-FFF2-40B4-BE49-F238E27FC236}">
+                    <a16:creationId xmlns:a16="http://schemas.microsoft.com/office/drawing/2014/main" id="{C936A1DE-1794-9F4D-3FD3-A2E6E583E98D}"/>
+                  </a:ext>
+                </a:extLst>
+              </p:cNvPr>
+              <p:cNvCxnSpPr>
+                <a:cxnSpLocks/>
+                <a:stCxn id="6" idx="2"/>
+                <a:endCxn id="22" idx="0"/>
+              </p:cNvCxnSpPr>
+              <p:nvPr/>
+            </p:nvCxnSpPr>
+            <p:spPr bwMode="auto">
+              <a:xfrm>
+                <a:off x="5406374" y="2772365"/>
+                <a:ext cx="561688" cy="442602"/>
+              </a:xfrm>
+              <a:prstGeom prst="line">
+                <a:avLst/>
+              </a:prstGeom>
+              <a:ln>
+                <a:headEnd type="none" w="med" len="med"/>
+                <a:tailEnd type="none" w="med" len="med"/>
+              </a:ln>
+            </p:spPr>
+            <p:style>
+              <a:lnRef idx="1">
+                <a:schemeClr val="dk1"/>
+              </a:lnRef>
+              <a:fillRef idx="0">
+                <a:schemeClr val="dk1"/>
+              </a:fillRef>
+              <a:effectRef idx="0">
+                <a:schemeClr val="dk1"/>
+              </a:effectRef>
+              <a:fontRef idx="minor">
+                <a:schemeClr val="tx1"/>
+              </a:fontRef>
+            </p:style>
+          </p:cxnSp>
+          <p:cxnSp>
+            <p:nvCxnSpPr>
+              <p:cNvPr id="29" name="Straight Connector 28">
+                <a:extLst>
+                  <a:ext uri="{FF2B5EF4-FFF2-40B4-BE49-F238E27FC236}">
+                    <a16:creationId xmlns:a16="http://schemas.microsoft.com/office/drawing/2014/main" id="{3B2734F3-08BA-D4FA-58B2-CA8B778211EB}"/>
+                  </a:ext>
+                </a:extLst>
+              </p:cNvPr>
+              <p:cNvCxnSpPr>
+                <a:cxnSpLocks/>
+                <a:stCxn id="19" idx="2"/>
+                <a:endCxn id="23" idx="0"/>
+              </p:cNvCxnSpPr>
+              <p:nvPr/>
+            </p:nvCxnSpPr>
+            <p:spPr bwMode="auto">
+              <a:xfrm flipH="1">
+                <a:off x="4696696" y="3782986"/>
+                <a:ext cx="174178" cy="349696"/>
+              </a:xfrm>
+              <a:prstGeom prst="line">
+                <a:avLst/>
+              </a:prstGeom>
+              <a:ln>
+                <a:headEnd type="none" w="med" len="med"/>
+                <a:tailEnd type="none" w="med" len="med"/>
+              </a:ln>
+            </p:spPr>
+            <p:style>
+              <a:lnRef idx="1">
+                <a:schemeClr val="dk1"/>
+              </a:lnRef>
+              <a:fillRef idx="0">
+                <a:schemeClr val="dk1"/>
+              </a:fillRef>
+              <a:effectRef idx="0">
+                <a:schemeClr val="dk1"/>
+              </a:effectRef>
+              <a:fontRef idx="minor">
+                <a:schemeClr val="tx1"/>
+              </a:fontRef>
+            </p:style>
+          </p:cxnSp>
+          <p:pic>
+            <p:nvPicPr>
+              <p:cNvPr id="31" name="Picture 30" descr="A white paper with black text&#10;&#10;AI-generated content may be incorrect.">
+                <a:extLst>
+                  <a:ext uri="{FF2B5EF4-FFF2-40B4-BE49-F238E27FC236}">
+                    <a16:creationId xmlns:a16="http://schemas.microsoft.com/office/drawing/2014/main" id="{BDF7AA1B-C519-31E1-0CAB-FE5EF0A529FA}"/>
+                  </a:ext>
+                </a:extLst>
+              </p:cNvPr>
+              <p:cNvPicPr>
+                <a:picLocks noChangeAspect="1"/>
+              </p:cNvPicPr>
+              <p:nvPr/>
+            </p:nvPicPr>
+            <p:blipFill>
+              <a:blip r:embed="rId4"/>
+              <a:stretch>
+                <a:fillRect/>
+              </a:stretch>
+            </p:blipFill>
+            <p:spPr>
+              <a:xfrm>
+                <a:off x="5023192" y="5071669"/>
+                <a:ext cx="680698" cy="1042341"/>
+              </a:xfrm>
+              <a:prstGeom prst="rect">
+                <a:avLst/>
+              </a:prstGeom>
+            </p:spPr>
+          </p:pic>
+          <p:cxnSp>
+            <p:nvCxnSpPr>
+              <p:cNvPr id="32" name="Straight Connector 31">
+                <a:extLst>
+                  <a:ext uri="{FF2B5EF4-FFF2-40B4-BE49-F238E27FC236}">
+                    <a16:creationId xmlns:a16="http://schemas.microsoft.com/office/drawing/2014/main" id="{817FB9AF-8C0E-83E4-8555-CF35A31E4E0E}"/>
+                  </a:ext>
+                </a:extLst>
+              </p:cNvPr>
+              <p:cNvCxnSpPr>
+                <a:cxnSpLocks/>
+                <a:stCxn id="23" idx="2"/>
+                <a:endCxn id="31" idx="0"/>
+              </p:cNvCxnSpPr>
+              <p:nvPr/>
+            </p:nvCxnSpPr>
+            <p:spPr bwMode="auto">
+              <a:xfrm>
+                <a:off x="4696696" y="4743806"/>
+                <a:ext cx="666845" cy="327863"/>
+              </a:xfrm>
+              <a:prstGeom prst="line">
+                <a:avLst/>
+              </a:prstGeom>
+              <a:ln>
+                <a:headEnd type="none" w="med" len="med"/>
+                <a:tailEnd type="none" w="med" len="med"/>
+              </a:ln>
+            </p:spPr>
+            <p:style>
+              <a:lnRef idx="1">
+                <a:schemeClr val="dk1"/>
+              </a:lnRef>
+              <a:fillRef idx="0">
+                <a:schemeClr val="dk1"/>
+              </a:fillRef>
+              <a:effectRef idx="0">
+                <a:schemeClr val="dk1"/>
+              </a:effectRef>
+              <a:fontRef idx="minor">
+                <a:schemeClr val="tx1"/>
+              </a:fontRef>
+            </p:style>
+          </p:cxnSp>
+          <p:pic>
+            <p:nvPicPr>
+              <p:cNvPr id="34" name="Picture 33" descr="A yellow folder with a white page&#10;&#10;AI-generated content may be incorrect.">
+                <a:extLst>
+                  <a:ext uri="{FF2B5EF4-FFF2-40B4-BE49-F238E27FC236}">
+                    <a16:creationId xmlns:a16="http://schemas.microsoft.com/office/drawing/2014/main" id="{888A1879-5A58-C8E1-0E53-CDA9CA6BC808}"/>
+                  </a:ext>
+                </a:extLst>
+              </p:cNvPr>
+              <p:cNvPicPr>
+                <a:picLocks noChangeAspect="1"/>
+              </p:cNvPicPr>
+              <p:nvPr/>
+            </p:nvPicPr>
+            <p:blipFill>
+              <a:blip r:embed="rId3"/>
+              <a:stretch>
+                <a:fillRect/>
+              </a:stretch>
+            </p:blipFill>
+            <p:spPr>
+              <a:xfrm>
+                <a:off x="5361383" y="4142810"/>
+                <a:ext cx="722587" cy="611124"/>
+              </a:xfrm>
+              <a:prstGeom prst="rect">
+                <a:avLst/>
+              </a:prstGeom>
+            </p:spPr>
+          </p:pic>
+          <p:cxnSp>
+            <p:nvCxnSpPr>
+              <p:cNvPr id="35" name="Straight Connector 34">
+                <a:extLst>
+                  <a:ext uri="{FF2B5EF4-FFF2-40B4-BE49-F238E27FC236}">
+                    <a16:creationId xmlns:a16="http://schemas.microsoft.com/office/drawing/2014/main" id="{B7E1F34E-9CAA-929D-7F45-0FAF2FF55E23}"/>
+                  </a:ext>
+                </a:extLst>
+              </p:cNvPr>
+              <p:cNvCxnSpPr>
+                <a:cxnSpLocks/>
+                <a:stCxn id="22" idx="2"/>
+                <a:endCxn id="34" idx="0"/>
+              </p:cNvCxnSpPr>
+              <p:nvPr/>
+            </p:nvCxnSpPr>
+            <p:spPr bwMode="auto">
+              <a:xfrm flipH="1">
+                <a:off x="5722677" y="3826091"/>
+                <a:ext cx="245385" cy="316719"/>
+              </a:xfrm>
+              <a:prstGeom prst="line">
+                <a:avLst/>
+              </a:prstGeom>
+              <a:ln>
+                <a:headEnd type="none" w="med" len="med"/>
+                <a:tailEnd type="none" w="med" len="med"/>
+              </a:ln>
+            </p:spPr>
+            <p:style>
+              <a:lnRef idx="1">
+                <a:schemeClr val="dk1"/>
+              </a:lnRef>
+              <a:fillRef idx="0">
+                <a:schemeClr val="dk1"/>
+              </a:fillRef>
+              <a:effectRef idx="0">
+                <a:schemeClr val="dk1"/>
+              </a:effectRef>
+              <a:fontRef idx="minor">
+                <a:schemeClr val="tx1"/>
+              </a:fontRef>
+            </p:style>
+          </p:cxnSp>
+        </p:grpSp>
+        <p:sp>
+          <p:nvSpPr>
+            <p:cNvPr id="37" name="TextBox 36">
               <a:extLst>
                 <a:ext uri="{FF2B5EF4-FFF2-40B4-BE49-F238E27FC236}">
-                  <a16:creationId xmlns:a16="http://schemas.microsoft.com/office/drawing/2014/main" id="{7399CDB5-EDB8-1A29-B223-6554A0121699}"/>
-                </a:ext>
-              </a:extLst>
-            </p:cNvPr>
-            <p:cNvPicPr>
-              <a:picLocks noChangeAspect="1"/>
-            </p:cNvPicPr>
-            <p:nvPr/>
-          </p:nvPicPr>
-          <p:blipFill>
-            <a:blip r:embed="rId3"/>
-            <a:stretch>
-              <a:fillRect/>
-            </a:stretch>
-          </p:blipFill>
-          <p:spPr>
-            <a:xfrm>
-              <a:off x="4509580" y="3171862"/>
-              <a:ext cx="722587" cy="611124"/>
-            </a:xfrm>
-            <a:prstGeom prst="rect">
-              <a:avLst/>
-            </a:prstGeom>
-          </p:spPr>
-        </p:pic>
-        <p:pic>
-          <p:nvPicPr>
-            <p:cNvPr id="22" name="Picture 21" descr="A yellow folder with a white page&#10;&#10;AI-generated content may be incorrect.">
-              <a:extLst>
-                <a:ext uri="{FF2B5EF4-FFF2-40B4-BE49-F238E27FC236}">
-                  <a16:creationId xmlns:a16="http://schemas.microsoft.com/office/drawing/2014/main" id="{8A05EC4C-5D16-8F81-5E44-642576E6880B}"/>
-                </a:ext>
-              </a:extLst>
-            </p:cNvPr>
-            <p:cNvPicPr>
-              <a:picLocks noChangeAspect="1"/>
-            </p:cNvPicPr>
-            <p:nvPr/>
-          </p:nvPicPr>
-          <p:blipFill>
-            <a:blip r:embed="rId3"/>
-            <a:stretch>
-              <a:fillRect/>
-            </a:stretch>
-          </p:blipFill>
-          <p:spPr>
-            <a:xfrm>
-              <a:off x="5606768" y="3214967"/>
-              <a:ext cx="722587" cy="611124"/>
-            </a:xfrm>
-            <a:prstGeom prst="rect">
-              <a:avLst/>
-            </a:prstGeom>
-          </p:spPr>
-        </p:pic>
-        <p:pic>
-          <p:nvPicPr>
-            <p:cNvPr id="23" name="Picture 22" descr="A yellow folder with a white page&#10;&#10;AI-generated content may be incorrect.">
-              <a:extLst>
-                <a:ext uri="{FF2B5EF4-FFF2-40B4-BE49-F238E27FC236}">
-                  <a16:creationId xmlns:a16="http://schemas.microsoft.com/office/drawing/2014/main" id="{16E08C31-F105-CDFD-3A1E-3BC62B1ADD5E}"/>
-                </a:ext>
-              </a:extLst>
-            </p:cNvPr>
-            <p:cNvPicPr>
-              <a:picLocks noChangeAspect="1"/>
-            </p:cNvPicPr>
-            <p:nvPr/>
-          </p:nvPicPr>
-          <p:blipFill>
-            <a:blip r:embed="rId3"/>
-            <a:stretch>
-              <a:fillRect/>
-            </a:stretch>
-          </p:blipFill>
-          <p:spPr>
-            <a:xfrm>
-              <a:off x="4335402" y="4132682"/>
-              <a:ext cx="722587" cy="611124"/>
-            </a:xfrm>
-            <a:prstGeom prst="rect">
-              <a:avLst/>
-            </a:prstGeom>
-          </p:spPr>
-        </p:pic>
-        <p:sp>
-          <p:nvSpPr>
-            <p:cNvPr id="25" name="TextBox 24">
-              <a:extLst>
-                <a:ext uri="{FF2B5EF4-FFF2-40B4-BE49-F238E27FC236}">
-                  <a16:creationId xmlns:a16="http://schemas.microsoft.com/office/drawing/2014/main" id="{303850D0-5687-36F6-1825-E661A453F6AA}"/>
+                  <a16:creationId xmlns:a16="http://schemas.microsoft.com/office/drawing/2014/main" id="{A20FE7D5-F6EB-515F-94B9-E1D23549364C}"/>
                 </a:ext>
               </a:extLst>
             </p:cNvPr>
@@ -18471,8 +19165,8 @@
           </p:nvSpPr>
           <p:spPr>
             <a:xfrm>
-              <a:off x="5108855" y="2263027"/>
-              <a:ext cx="658812" cy="356256"/>
+              <a:off x="7633803" y="3202242"/>
+              <a:ext cx="1257062" cy="371097"/>
             </a:xfrm>
             <a:prstGeom prst="rect">
               <a:avLst/>
@@ -18486,14 +19180,14 @@
             <a:lstStyle/>
             <a:p>
               <a:r>
-                <a:rPr lang="en-US" altLang="zh-CN" b="1" dirty="0">
+                <a:rPr lang="en-US" sz="2000" b="1" dirty="0">
                   <a:solidFill>
                     <a:schemeClr val="bg2"/>
                   </a:solidFill>
                 </a:rPr>
-                <a:t>C:\</a:t>
+                <a:t>编程基础</a:t>
               </a:r>
-              <a:endParaRPr lang="en-CN" b="1" dirty="0">
+              <a:endParaRPr lang="en-CN" sz="2000" b="1" dirty="0">
                 <a:solidFill>
                   <a:schemeClr val="bg2"/>
                 </a:solidFill>
@@ -18501,375 +19195,51 @@
             </a:p>
           </p:txBody>
         </p:sp>
-        <p:cxnSp>
-          <p:nvCxnSpPr>
-            <p:cNvPr id="26" name="Straight Connector 25">
+        <p:sp>
+          <p:nvSpPr>
+            <p:cNvPr id="38" name="TextBox 37">
               <a:extLst>
                 <a:ext uri="{FF2B5EF4-FFF2-40B4-BE49-F238E27FC236}">
-                  <a16:creationId xmlns:a16="http://schemas.microsoft.com/office/drawing/2014/main" id="{CD17690B-A9F9-DB88-B536-A6E2FCC73C02}"/>
+                  <a16:creationId xmlns:a16="http://schemas.microsoft.com/office/drawing/2014/main" id="{4E311725-FDF2-B205-3972-CBF1BEB94F14}"/>
                 </a:ext>
               </a:extLst>
             </p:cNvPr>
-            <p:cNvCxnSpPr>
-              <a:cxnSpLocks/>
-              <a:stCxn id="6" idx="2"/>
-              <a:endCxn id="19" idx="0"/>
-            </p:cNvCxnSpPr>
+            <p:cNvSpPr txBox="1"/>
             <p:nvPr/>
-          </p:nvCxnSpPr>
-          <p:spPr bwMode="auto">
-            <a:xfrm flipH="1">
-              <a:off x="4870874" y="2772365"/>
-              <a:ext cx="535500" cy="399497"/>
-            </a:xfrm>
-            <a:prstGeom prst="line">
-              <a:avLst/>
-            </a:prstGeom>
-            <a:ln>
-              <a:headEnd type="none" w="med" len="med"/>
-              <a:tailEnd type="none" w="med" len="med"/>
-            </a:ln>
-          </p:spPr>
-          <p:style>
-            <a:lnRef idx="1">
-              <a:schemeClr val="dk1"/>
-            </a:lnRef>
-            <a:fillRef idx="0">
-              <a:schemeClr val="dk1"/>
-            </a:fillRef>
-            <a:effectRef idx="0">
-              <a:schemeClr val="dk1"/>
-            </a:effectRef>
-            <a:fontRef idx="minor">
-              <a:schemeClr val="tx1"/>
-            </a:fontRef>
-          </p:style>
-        </p:cxnSp>
-        <p:cxnSp>
-          <p:nvCxnSpPr>
-            <p:cNvPr id="28" name="Straight Connector 27">
-              <a:extLst>
-                <a:ext uri="{FF2B5EF4-FFF2-40B4-BE49-F238E27FC236}">
-                  <a16:creationId xmlns:a16="http://schemas.microsoft.com/office/drawing/2014/main" id="{C936A1DE-1794-9F4D-3FD3-A2E6E583E98D}"/>
-                </a:ext>
-              </a:extLst>
-            </p:cNvPr>
-            <p:cNvCxnSpPr>
-              <a:cxnSpLocks/>
-              <a:stCxn id="6" idx="2"/>
-              <a:endCxn id="22" idx="0"/>
-            </p:cNvCxnSpPr>
-            <p:nvPr/>
-          </p:nvCxnSpPr>
-          <p:spPr bwMode="auto">
-            <a:xfrm>
-              <a:off x="5406374" y="2772365"/>
-              <a:ext cx="561688" cy="442602"/>
-            </a:xfrm>
-            <a:prstGeom prst="line">
-              <a:avLst/>
-            </a:prstGeom>
-            <a:ln>
-              <a:headEnd type="none" w="med" len="med"/>
-              <a:tailEnd type="none" w="med" len="med"/>
-            </a:ln>
-          </p:spPr>
-          <p:style>
-            <a:lnRef idx="1">
-              <a:schemeClr val="dk1"/>
-            </a:lnRef>
-            <a:fillRef idx="0">
-              <a:schemeClr val="dk1"/>
-            </a:fillRef>
-            <a:effectRef idx="0">
-              <a:schemeClr val="dk1"/>
-            </a:effectRef>
-            <a:fontRef idx="minor">
-              <a:schemeClr val="tx1"/>
-            </a:fontRef>
-          </p:style>
-        </p:cxnSp>
-        <p:cxnSp>
-          <p:nvCxnSpPr>
-            <p:cNvPr id="29" name="Straight Connector 28">
-              <a:extLst>
-                <a:ext uri="{FF2B5EF4-FFF2-40B4-BE49-F238E27FC236}">
-                  <a16:creationId xmlns:a16="http://schemas.microsoft.com/office/drawing/2014/main" id="{3B2734F3-08BA-D4FA-58B2-CA8B778211EB}"/>
-                </a:ext>
-              </a:extLst>
-            </p:cNvPr>
-            <p:cNvCxnSpPr>
-              <a:cxnSpLocks/>
-              <a:stCxn id="19" idx="2"/>
-              <a:endCxn id="23" idx="0"/>
-            </p:cNvCxnSpPr>
-            <p:nvPr/>
-          </p:nvCxnSpPr>
-          <p:spPr bwMode="auto">
-            <a:xfrm flipH="1">
-              <a:off x="4696696" y="3782986"/>
-              <a:ext cx="174178" cy="349696"/>
-            </a:xfrm>
-            <a:prstGeom prst="line">
-              <a:avLst/>
-            </a:prstGeom>
-            <a:ln>
-              <a:headEnd type="none" w="med" len="med"/>
-              <a:tailEnd type="none" w="med" len="med"/>
-            </a:ln>
-          </p:spPr>
-          <p:style>
-            <a:lnRef idx="1">
-              <a:schemeClr val="dk1"/>
-            </a:lnRef>
-            <a:fillRef idx="0">
-              <a:schemeClr val="dk1"/>
-            </a:fillRef>
-            <a:effectRef idx="0">
-              <a:schemeClr val="dk1"/>
-            </a:effectRef>
-            <a:fontRef idx="minor">
-              <a:schemeClr val="tx1"/>
-            </a:fontRef>
-          </p:style>
-        </p:cxnSp>
-        <p:pic>
-          <p:nvPicPr>
-            <p:cNvPr id="31" name="Picture 30" descr="A white paper with black text&#10;&#10;AI-generated content may be incorrect.">
-              <a:extLst>
-                <a:ext uri="{FF2B5EF4-FFF2-40B4-BE49-F238E27FC236}">
-                  <a16:creationId xmlns:a16="http://schemas.microsoft.com/office/drawing/2014/main" id="{BDF7AA1B-C519-31E1-0CAB-FE5EF0A529FA}"/>
-                </a:ext>
-              </a:extLst>
-            </p:cNvPr>
-            <p:cNvPicPr>
-              <a:picLocks noChangeAspect="1"/>
-            </p:cNvPicPr>
-            <p:nvPr/>
-          </p:nvPicPr>
-          <p:blipFill>
-            <a:blip r:embed="rId4"/>
-            <a:stretch>
-              <a:fillRect/>
-            </a:stretch>
-          </p:blipFill>
+          </p:nvSpPr>
           <p:spPr>
             <a:xfrm>
-              <a:off x="5023192" y="5071669"/>
-              <a:ext cx="680698" cy="1042341"/>
+              <a:off x="7440582" y="4404500"/>
+              <a:ext cx="1095937" cy="400110"/>
             </a:xfrm>
             <a:prstGeom prst="rect">
               <a:avLst/>
             </a:prstGeom>
+            <a:noFill/>
           </p:spPr>
-        </p:pic>
-        <p:cxnSp>
-          <p:nvCxnSpPr>
-            <p:cNvPr id="32" name="Straight Connector 31">
-              <a:extLst>
-                <a:ext uri="{FF2B5EF4-FFF2-40B4-BE49-F238E27FC236}">
-                  <a16:creationId xmlns:a16="http://schemas.microsoft.com/office/drawing/2014/main" id="{817FB9AF-8C0E-83E4-8555-CF35A31E4E0E}"/>
-                </a:ext>
-              </a:extLst>
-            </p:cNvPr>
-            <p:cNvCxnSpPr>
-              <a:cxnSpLocks/>
-              <a:stCxn id="23" idx="2"/>
-              <a:endCxn id="31" idx="0"/>
-            </p:cNvCxnSpPr>
-            <p:nvPr/>
-          </p:nvCxnSpPr>
-          <p:spPr bwMode="auto">
-            <a:xfrm>
-              <a:off x="4696696" y="4743806"/>
-              <a:ext cx="666845" cy="327863"/>
-            </a:xfrm>
-            <a:prstGeom prst="line">
-              <a:avLst/>
-            </a:prstGeom>
-            <a:ln>
-              <a:headEnd type="none" w="med" len="med"/>
-              <a:tailEnd type="none" w="med" len="med"/>
-            </a:ln>
-          </p:spPr>
-          <p:style>
-            <a:lnRef idx="1">
-              <a:schemeClr val="dk1"/>
-            </a:lnRef>
-            <a:fillRef idx="0">
-              <a:schemeClr val="dk1"/>
-            </a:fillRef>
-            <a:effectRef idx="0">
-              <a:schemeClr val="dk1"/>
-            </a:effectRef>
-            <a:fontRef idx="minor">
-              <a:schemeClr val="tx1"/>
-            </a:fontRef>
-          </p:style>
-        </p:cxnSp>
-        <p:pic>
-          <p:nvPicPr>
-            <p:cNvPr id="34" name="Picture 33" descr="A yellow folder with a white page&#10;&#10;AI-generated content may be incorrect.">
-              <a:extLst>
-                <a:ext uri="{FF2B5EF4-FFF2-40B4-BE49-F238E27FC236}">
-                  <a16:creationId xmlns:a16="http://schemas.microsoft.com/office/drawing/2014/main" id="{888A1879-5A58-C8E1-0E53-CDA9CA6BC808}"/>
-                </a:ext>
-              </a:extLst>
-            </p:cNvPr>
-            <p:cNvPicPr>
-              <a:picLocks noChangeAspect="1"/>
-            </p:cNvPicPr>
-            <p:nvPr/>
-          </p:nvPicPr>
-          <p:blipFill>
-            <a:blip r:embed="rId3"/>
-            <a:stretch>
-              <a:fillRect/>
-            </a:stretch>
-          </p:blipFill>
-          <p:spPr>
-            <a:xfrm>
-              <a:off x="5361383" y="4142810"/>
-              <a:ext cx="722587" cy="611124"/>
-            </a:xfrm>
-            <a:prstGeom prst="rect">
-              <a:avLst/>
-            </a:prstGeom>
-          </p:spPr>
-        </p:pic>
-        <p:cxnSp>
-          <p:nvCxnSpPr>
-            <p:cNvPr id="35" name="Straight Connector 34">
-              <a:extLst>
-                <a:ext uri="{FF2B5EF4-FFF2-40B4-BE49-F238E27FC236}">
-                  <a16:creationId xmlns:a16="http://schemas.microsoft.com/office/drawing/2014/main" id="{B7E1F34E-9CAA-929D-7F45-0FAF2FF55E23}"/>
-                </a:ext>
-              </a:extLst>
-            </p:cNvPr>
-            <p:cNvCxnSpPr>
-              <a:cxnSpLocks/>
-              <a:stCxn id="22" idx="2"/>
-              <a:endCxn id="34" idx="0"/>
-            </p:cNvCxnSpPr>
-            <p:nvPr/>
-          </p:nvCxnSpPr>
-          <p:spPr bwMode="auto">
-            <a:xfrm flipH="1">
-              <a:off x="5722677" y="3826091"/>
-              <a:ext cx="245385" cy="316719"/>
-            </a:xfrm>
-            <a:prstGeom prst="line">
-              <a:avLst/>
-            </a:prstGeom>
-            <a:ln>
-              <a:headEnd type="none" w="med" len="med"/>
-              <a:tailEnd type="none" w="med" len="med"/>
-            </a:ln>
-          </p:spPr>
-          <p:style>
-            <a:lnRef idx="1">
-              <a:schemeClr val="dk1"/>
-            </a:lnRef>
-            <a:fillRef idx="0">
-              <a:schemeClr val="dk1"/>
-            </a:fillRef>
-            <a:effectRef idx="0">
-              <a:schemeClr val="dk1"/>
-            </a:effectRef>
-            <a:fontRef idx="minor">
-              <a:schemeClr val="tx1"/>
-            </a:fontRef>
-          </p:style>
-        </p:cxnSp>
-      </p:grpSp>
-      <p:sp>
-        <p:nvSpPr>
-          <p:cNvPr id="37" name="TextBox 36">
-            <a:extLst>
-              <a:ext uri="{FF2B5EF4-FFF2-40B4-BE49-F238E27FC236}">
-                <a16:creationId xmlns:a16="http://schemas.microsoft.com/office/drawing/2014/main" id="{A20FE7D5-F6EB-515F-94B9-E1D23549364C}"/>
-              </a:ext>
-            </a:extLst>
-          </p:cNvPr>
-          <p:cNvSpPr txBox="1"/>
-          <p:nvPr/>
-        </p:nvSpPr>
-        <p:spPr>
-          <a:xfrm>
-            <a:off x="6174370" y="3020509"/>
-            <a:ext cx="1095937" cy="707886"/>
-          </a:xfrm>
-          <a:prstGeom prst="rect">
-            <a:avLst/>
-          </a:prstGeom>
-          <a:noFill/>
-        </p:spPr>
-        <p:txBody>
-          <a:bodyPr wrap="square" rtlCol="0">
-            <a:spAutoFit/>
-          </a:bodyPr>
-          <a:lstStyle/>
-          <a:p>
-            <a:r>
-              <a:rPr lang="en-US" sz="2000" b="1" dirty="0">
+          <p:txBody>
+            <a:bodyPr wrap="square" rtlCol="0">
+              <a:spAutoFit/>
+            </a:bodyPr>
+            <a:lstStyle/>
+            <a:p>
+              <a:r>
+                <a:rPr lang="en-US" sz="2000" b="1" dirty="0">
+                  <a:solidFill>
+                    <a:schemeClr val="bg2"/>
+                  </a:solidFill>
+                </a:rPr>
+                <a:t>Data</a:t>
+              </a:r>
+              <a:endParaRPr lang="en-CN" sz="2000" b="1" dirty="0">
                 <a:solidFill>
                   <a:schemeClr val="bg2"/>
                 </a:solidFill>
-              </a:rPr>
-              <a:t>编程基础</a:t>
-            </a:r>
-            <a:endParaRPr lang="en-CN" sz="2000" b="1" dirty="0">
-              <a:solidFill>
-                <a:schemeClr val="bg2"/>
-              </a:solidFill>
-            </a:endParaRPr>
-          </a:p>
-        </p:txBody>
-      </p:sp>
-      <p:sp>
-        <p:nvSpPr>
-          <p:cNvPr id="38" name="TextBox 37">
-            <a:extLst>
-              <a:ext uri="{FF2B5EF4-FFF2-40B4-BE49-F238E27FC236}">
-                <a16:creationId xmlns:a16="http://schemas.microsoft.com/office/drawing/2014/main" id="{4E311725-FDF2-B205-3972-CBF1BEB94F14}"/>
-              </a:ext>
-            </a:extLst>
-          </p:cNvPr>
-          <p:cNvSpPr txBox="1"/>
-          <p:nvPr/>
-        </p:nvSpPr>
-        <p:spPr>
-          <a:xfrm>
-            <a:off x="5916581" y="4404500"/>
-            <a:ext cx="1095937" cy="400110"/>
-          </a:xfrm>
-          <a:prstGeom prst="rect">
-            <a:avLst/>
-          </a:prstGeom>
-          <a:noFill/>
-        </p:spPr>
-        <p:txBody>
-          <a:bodyPr wrap="square" rtlCol="0">
-            <a:spAutoFit/>
-          </a:bodyPr>
-          <a:lstStyle/>
-          <a:p>
-            <a:r>
-              <a:rPr lang="en-US" sz="2000" b="1" dirty="0">
-                <a:solidFill>
-                  <a:schemeClr val="bg2"/>
-                </a:solidFill>
-              </a:rPr>
-              <a:t>Data</a:t>
-            </a:r>
-            <a:endParaRPr lang="en-CN" sz="2000" b="1" dirty="0">
-              <a:solidFill>
-                <a:schemeClr val="bg2"/>
-              </a:solidFill>
-            </a:endParaRPr>
-          </a:p>
-        </p:txBody>
-      </p:sp>
+              </a:endParaRPr>
+            </a:p>
+          </p:txBody>
+        </p:sp>
+      </p:grpSp>
     </p:spTree>
     <p:extLst>
       <p:ext uri="{BB962C8B-B14F-4D97-AF65-F5344CB8AC3E}">
@@ -18927,8 +19297,8 @@
         </p:nvSpPr>
         <p:spPr>
           <a:xfrm>
-            <a:off x="0" y="8526"/>
-            <a:ext cx="9013371" cy="792162"/>
+            <a:off x="1" y="8526"/>
+            <a:ext cx="10537372" cy="792162"/>
           </a:xfrm>
         </p:spPr>
         <p:txBody>
@@ -18966,8 +19336,8 @@
         </p:nvSpPr>
         <p:spPr>
           <a:xfrm>
-            <a:off x="495580" y="931590"/>
-            <a:ext cx="8022210" cy="584775"/>
+            <a:off x="217714" y="931591"/>
+            <a:ext cx="9824076" cy="584775"/>
           </a:xfrm>
           <a:prstGeom prst="rect">
             <a:avLst/>
@@ -19016,28 +19386,28 @@
           <p:nvPr>
             <p:extLst>
               <p:ext uri="{D42A27DB-BD31-4B8C-83A1-F6EECF244321}">
-                <p14:modId xmlns:p14="http://schemas.microsoft.com/office/powerpoint/2010/main" val="2655330616"/>
+                <p14:modId xmlns:p14="http://schemas.microsoft.com/office/powerpoint/2010/main" val="3356292107"/>
               </p:ext>
             </p:extLst>
           </p:nvPr>
         </p:nvGraphicFramePr>
         <p:xfrm>
-          <a:off x="2763569" y="1790709"/>
-          <a:ext cx="4407088" cy="1584960"/>
+          <a:off x="4585111" y="1717151"/>
+          <a:ext cx="5814376" cy="1828800"/>
         </p:xfrm>
         <a:graphic>
           <a:graphicData uri="http://schemas.openxmlformats.org/drawingml/2006/table">
             <a:tbl>
               <a:tblPr/>
               <a:tblGrid>
-                <a:gridCol w="1282480">
+                <a:gridCol w="1692006">
                   <a:extLst>
                     <a:ext uri="{9D8B030D-6E8A-4147-A177-3AD203B41FA5}">
                       <a16:colId xmlns:a16="http://schemas.microsoft.com/office/drawing/2014/main" val="1226408210"/>
                     </a:ext>
                   </a:extLst>
                 </a:gridCol>
-                <a:gridCol w="3124608">
+                <a:gridCol w="4122370">
                   <a:extLst>
                     <a:ext uri="{9D8B030D-6E8A-4147-A177-3AD203B41FA5}">
                       <a16:colId xmlns:a16="http://schemas.microsoft.com/office/drawing/2014/main" val="3028672628"/>
@@ -19045,7 +19415,7 @@
                   </a:extLst>
                 </a:gridCol>
               </a:tblGrid>
-              <a:tr h="345671">
+              <a:tr h="387839">
                 <a:tc>
                   <a:txBody>
                     <a:bodyPr/>
@@ -19053,7 +19423,7 @@
                     <a:p>
                       <a:pPr algn="ctr"/>
                       <a:r>
-                        <a:rPr lang="zh-CN" altLang="en-US" sz="2000" b="1">
+                        <a:rPr lang="zh-CN" altLang="en-US" sz="2400" b="1">
                           <a:solidFill>
                             <a:schemeClr val="bg2"/>
                           </a:solidFill>
@@ -19114,7 +19484,7 @@
                     <a:p>
                       <a:pPr algn="ctr"/>
                       <a:r>
-                        <a:rPr lang="zh-CN" altLang="en-US" sz="2000" b="1">
+                        <a:rPr lang="zh-CN" altLang="en-US" sz="2400" b="1">
                           <a:solidFill>
                             <a:schemeClr val="bg2"/>
                           </a:solidFill>
@@ -19174,7 +19544,7 @@
                   </a:ext>
                 </a:extLst>
               </a:tr>
-              <a:tr h="345671">
+              <a:tr h="387839">
                 <a:tc>
                   <a:txBody>
                     <a:bodyPr/>
@@ -19182,7 +19552,7 @@
                     <a:p>
                       <a:pPr algn="ctr"/>
                       <a:r>
-                        <a:rPr lang="en-US" sz="2000" dirty="0">
+                        <a:rPr lang="en-US" sz="2400" dirty="0">
                           <a:solidFill>
                             <a:schemeClr val="bg2"/>
                           </a:solidFill>
@@ -19243,7 +19613,7 @@
                     <a:p>
                       <a:pPr algn="ctr"/>
                       <a:r>
-                        <a:rPr lang="zh-CN" altLang="en-US" sz="2000" dirty="0">
+                        <a:rPr lang="zh-CN" altLang="en-US" sz="2400" dirty="0">
                           <a:solidFill>
                             <a:schemeClr val="bg2"/>
                           </a:solidFill>
@@ -19303,7 +19673,7 @@
                   </a:ext>
                 </a:extLst>
               </a:tr>
-              <a:tr h="345671">
+              <a:tr h="387839">
                 <a:tc>
                   <a:txBody>
                     <a:bodyPr/>
@@ -19311,7 +19681,7 @@
                     <a:p>
                       <a:pPr algn="ctr"/>
                       <a:r>
-                        <a:rPr lang="en-US" sz="2000" dirty="0">
+                        <a:rPr lang="en-US" sz="2400" dirty="0">
                           <a:solidFill>
                             <a:schemeClr val="bg2"/>
                           </a:solidFill>
@@ -19372,7 +19742,7 @@
                     <a:p>
                       <a:pPr algn="ctr"/>
                       <a:r>
-                        <a:rPr lang="zh-CN" altLang="en-US" sz="2000" dirty="0">
+                        <a:rPr lang="zh-CN" altLang="en-US" sz="2400" dirty="0">
                           <a:solidFill>
                             <a:schemeClr val="bg2"/>
                           </a:solidFill>
@@ -19432,7 +19802,7 @@
                   </a:ext>
                 </a:extLst>
               </a:tr>
-              <a:tr h="345671">
+              <a:tr h="387839">
                 <a:tc>
                   <a:txBody>
                     <a:bodyPr/>
@@ -19440,7 +19810,7 @@
                     <a:p>
                       <a:pPr algn="ctr"/>
                       <a:r>
-                        <a:rPr lang="en-US" sz="2000" dirty="0">
+                        <a:rPr lang="en-US" sz="2400" dirty="0">
                           <a:solidFill>
                             <a:schemeClr val="bg2"/>
                           </a:solidFill>
@@ -19501,7 +19871,7 @@
                     <a:p>
                       <a:pPr algn="ctr"/>
                       <a:r>
-                        <a:rPr lang="zh-CN" altLang="en-US" sz="2000" dirty="0">
+                        <a:rPr lang="zh-CN" altLang="en-US" sz="2400" dirty="0">
                           <a:solidFill>
                             <a:schemeClr val="bg2"/>
                           </a:solidFill>
@@ -19579,7 +19949,7 @@
         </p:nvGrpSpPr>
         <p:grpSpPr>
           <a:xfrm>
-            <a:off x="317522" y="3596750"/>
+            <a:off x="1098020" y="3788348"/>
             <a:ext cx="2366959" cy="1234479"/>
             <a:chOff x="218209" y="4202002"/>
             <a:chExt cx="2315336" cy="1092200"/>
@@ -19644,7 +20014,7 @@
           <p:spPr>
             <a:xfrm>
               <a:off x="328362" y="4517268"/>
-              <a:ext cx="2095030" cy="461665"/>
+              <a:ext cx="2095030" cy="408456"/>
             </a:xfrm>
             <a:prstGeom prst="rect">
               <a:avLst/>
@@ -19685,9 +20055,9 @@
         </p:nvGrpSpPr>
         <p:grpSpPr>
           <a:xfrm>
-            <a:off x="320437" y="5105825"/>
+            <a:off x="1098020" y="5214484"/>
             <a:ext cx="2366960" cy="1177061"/>
-            <a:chOff x="317523" y="5558986"/>
+            <a:chOff x="314672" y="5560687"/>
             <a:chExt cx="2315336" cy="1041400"/>
           </a:xfrm>
         </p:grpSpPr>
@@ -19705,7 +20075,7 @@
           </p:nvSpPr>
           <p:spPr>
             <a:xfrm>
-              <a:off x="317523" y="5558986"/>
+              <a:off x="314672" y="5560687"/>
               <a:ext cx="2315336" cy="1041400"/>
             </a:xfrm>
             <a:prstGeom prst="rect">
@@ -19749,7 +20119,7 @@
           </p:nvSpPr>
           <p:spPr>
             <a:xfrm>
-              <a:off x="332766" y="5667025"/>
+              <a:off x="332766" y="5731231"/>
               <a:ext cx="2297241" cy="735221"/>
             </a:xfrm>
             <a:prstGeom prst="rect">
@@ -19837,174 +20207,109 @@
           </p:txBody>
         </p:sp>
       </p:grpSp>
-      <p:grpSp>
-        <p:nvGrpSpPr>
-          <p:cNvPr id="11" name="Group 10">
+      <p:sp>
+        <p:nvSpPr>
+          <p:cNvPr id="5" name="TextBox 4">
             <a:extLst>
               <a:ext uri="{FF2B5EF4-FFF2-40B4-BE49-F238E27FC236}">
-                <a16:creationId xmlns:a16="http://schemas.microsoft.com/office/drawing/2014/main" id="{50C71145-A01C-BCAD-BDCF-449737A307CE}"/>
+                <a16:creationId xmlns:a16="http://schemas.microsoft.com/office/drawing/2014/main" id="{8B68AE6F-FE82-B526-1BC3-E305A77D933B}"/>
               </a:ext>
             </a:extLst>
           </p:cNvPr>
-          <p:cNvGrpSpPr/>
+          <p:cNvSpPr txBox="1"/>
           <p:nvPr/>
-        </p:nvGrpSpPr>
-        <p:grpSpPr>
+        </p:nvSpPr>
+        <p:spPr>
           <a:xfrm>
-            <a:off x="336020" y="1790709"/>
-            <a:ext cx="2296839" cy="1638291"/>
-            <a:chOff x="852055" y="1743076"/>
-            <a:chExt cx="2490335" cy="1638291"/>
+            <a:off x="638629" y="1937642"/>
+            <a:ext cx="3229427" cy="1169551"/>
           </a:xfrm>
-        </p:grpSpPr>
-        <p:sp>
-          <p:nvSpPr>
-            <p:cNvPr id="7" name="Rectangle 6">
-              <a:extLst>
-                <a:ext uri="{FF2B5EF4-FFF2-40B4-BE49-F238E27FC236}">
-                  <a16:creationId xmlns:a16="http://schemas.microsoft.com/office/drawing/2014/main" id="{B6278F62-21CF-99FF-ACC3-FC7BF73BBA87}"/>
-                </a:ext>
-              </a:extLst>
-            </p:cNvPr>
-            <p:cNvSpPr/>
-            <p:nvPr/>
-          </p:nvSpPr>
-          <p:spPr>
-            <a:xfrm>
-              <a:off x="852055" y="1743076"/>
-              <a:ext cx="2490335" cy="1638291"/>
-            </a:xfrm>
-            <a:prstGeom prst="rect">
-              <a:avLst/>
-            </a:prstGeom>
-            <a:solidFill>
-              <a:schemeClr val="accent6"/>
-            </a:solidFill>
-            <a:ln>
-              <a:noFill/>
-            </a:ln>
-          </p:spPr>
-          <p:txBody>
-            <a:bodyPr wrap="square" lIns="0" rtlCol="0" anchor="ctr">
-              <a:noAutofit/>
-            </a:bodyPr>
-            <a:lstStyle/>
-            <a:p>
-              <a:pPr algn="l"/>
-              <a:endParaRPr lang="en-CN" b="1" dirty="0">
-                <a:solidFill>
-                  <a:srgbClr val="FF0000"/>
-                </a:solidFill>
-                <a:latin typeface="微软雅黑" pitchFamily="34" charset="-122"/>
-                <a:ea typeface="微软雅黑" pitchFamily="34" charset="-122"/>
-              </a:endParaRPr>
-            </a:p>
-          </p:txBody>
-        </p:sp>
-        <p:sp>
-          <p:nvSpPr>
-            <p:cNvPr id="5" name="TextBox 4">
-              <a:extLst>
-                <a:ext uri="{FF2B5EF4-FFF2-40B4-BE49-F238E27FC236}">
-                  <a16:creationId xmlns:a16="http://schemas.microsoft.com/office/drawing/2014/main" id="{8B68AE6F-FE82-B526-1BC3-E305A77D933B}"/>
-                </a:ext>
-              </a:extLst>
-            </p:cNvPr>
-            <p:cNvSpPr txBox="1"/>
-            <p:nvPr/>
-          </p:nvSpPr>
-          <p:spPr>
-            <a:xfrm>
-              <a:off x="852055" y="2106718"/>
-              <a:ext cx="2490335" cy="1015663"/>
-            </a:xfrm>
-            <a:prstGeom prst="rect">
-              <a:avLst/>
-            </a:prstGeom>
+          <a:prstGeom prst="rect">
+            <a:avLst/>
+          </a:prstGeom>
+          <a:noFill/>
+          <a:ln>
             <a:noFill/>
-            <a:ln>
-              <a:noFill/>
-            </a:ln>
-          </p:spPr>
-          <p:txBody>
-            <a:bodyPr wrap="square" rtlCol="0">
-              <a:spAutoFit/>
-            </a:bodyPr>
-            <a:lstStyle/>
-            <a:p>
-              <a:r>
-                <a:rPr lang="en-US" b="1" dirty="0" err="1">
-                  <a:solidFill>
-                    <a:schemeClr val="accent2"/>
-                  </a:solidFill>
-                  <a:latin typeface="+mn-ea"/>
-                  <a:ea typeface="+mn-ea"/>
-                </a:rPr>
-                <a:t>主要方法</a:t>
-              </a:r>
-              <a:r>
-                <a:rPr lang="zh-CN" altLang="en-US" b="1" dirty="0">
-                  <a:solidFill>
-                    <a:schemeClr val="accent2"/>
-                  </a:solidFill>
-                  <a:latin typeface="+mn-ea"/>
-                  <a:ea typeface="+mn-ea"/>
-                </a:rPr>
-                <a:t>：</a:t>
-              </a:r>
-              <a:endParaRPr lang="en-US" altLang="zh-CN" b="1" dirty="0">
+          </a:ln>
+        </p:spPr>
+        <p:txBody>
+          <a:bodyPr wrap="square" rtlCol="0">
+            <a:spAutoFit/>
+          </a:bodyPr>
+          <a:lstStyle/>
+          <a:p>
+            <a:r>
+              <a:rPr lang="en-US" sz="2800" b="1" dirty="0" err="1">
                 <a:solidFill>
                   <a:schemeClr val="accent2"/>
                 </a:solidFill>
                 <a:latin typeface="+mn-ea"/>
                 <a:ea typeface="+mn-ea"/>
-              </a:endParaRPr>
-            </a:p>
-            <a:p>
-              <a:r>
-                <a:rPr lang="en-US" dirty="0">
-                  <a:solidFill>
-                    <a:schemeClr val="bg2"/>
-                  </a:solidFill>
-                  <a:latin typeface="+mn-ea"/>
-                  <a:ea typeface="+mn-ea"/>
-                </a:rPr>
-                <a:t>o</a:t>
-              </a:r>
-              <a:r>
-                <a:rPr lang="en-CN" dirty="0">
-                  <a:solidFill>
-                    <a:schemeClr val="bg2"/>
-                  </a:solidFill>
-                  <a:latin typeface="+mn-ea"/>
-                  <a:ea typeface="+mn-ea"/>
-                </a:rPr>
-                <a:t>pen()</a:t>
-              </a:r>
-              <a:r>
-                <a:rPr lang="zh-CN" altLang="en-US" dirty="0">
-                  <a:solidFill>
-                    <a:schemeClr val="bg2"/>
-                  </a:solidFill>
-                  <a:latin typeface="+mn-ea"/>
-                  <a:ea typeface="+mn-ea"/>
-                </a:rPr>
-                <a:t> </a:t>
-              </a:r>
-              <a:r>
-                <a:rPr lang="en-CN" dirty="0">
-                  <a:solidFill>
-                    <a:schemeClr val="bg2"/>
-                  </a:solidFill>
-                  <a:latin typeface="+mn-ea"/>
-                  <a:ea typeface="+mn-ea"/>
-                </a:rPr>
-                <a:t>.read()</a:t>
-              </a:r>
-            </a:p>
-          </p:txBody>
-        </p:sp>
-      </p:grpSp>
+              </a:rPr>
+              <a:t>主要方法</a:t>
+            </a:r>
+            <a:r>
+              <a:rPr lang="zh-CN" altLang="en-US" sz="2800" b="1" dirty="0">
+                <a:solidFill>
+                  <a:schemeClr val="accent2"/>
+                </a:solidFill>
+                <a:latin typeface="+mn-ea"/>
+                <a:ea typeface="+mn-ea"/>
+              </a:rPr>
+              <a:t>：</a:t>
+            </a:r>
+            <a:endParaRPr lang="en-US" altLang="zh-CN" sz="2800" b="1" dirty="0">
+              <a:solidFill>
+                <a:schemeClr val="accent2"/>
+              </a:solidFill>
+              <a:latin typeface="+mn-ea"/>
+              <a:ea typeface="+mn-ea"/>
+            </a:endParaRPr>
+          </a:p>
+          <a:p>
+            <a:r>
+              <a:rPr lang="en-US" sz="2800" dirty="0">
+                <a:solidFill>
+                  <a:schemeClr val="bg2"/>
+                </a:solidFill>
+                <a:latin typeface="+mn-ea"/>
+                <a:ea typeface="+mn-ea"/>
+              </a:rPr>
+              <a:t>o</a:t>
+            </a:r>
+            <a:r>
+              <a:rPr lang="en-CN" sz="2800" dirty="0">
+                <a:solidFill>
+                  <a:schemeClr val="bg2"/>
+                </a:solidFill>
+                <a:latin typeface="+mn-ea"/>
+                <a:ea typeface="+mn-ea"/>
+              </a:rPr>
+              <a:t>pen()</a:t>
+            </a:r>
+            <a:r>
+              <a:rPr lang="zh-CN" altLang="en-US" sz="2800" dirty="0">
+                <a:solidFill>
+                  <a:schemeClr val="bg2"/>
+                </a:solidFill>
+                <a:latin typeface="+mn-ea"/>
+                <a:ea typeface="+mn-ea"/>
+              </a:rPr>
+              <a:t> </a:t>
+            </a:r>
+            <a:r>
+              <a:rPr lang="en-CN" sz="2800" dirty="0">
+                <a:solidFill>
+                  <a:schemeClr val="bg2"/>
+                </a:solidFill>
+                <a:latin typeface="+mn-ea"/>
+                <a:ea typeface="+mn-ea"/>
+              </a:rPr>
+              <a:t>.read()</a:t>
+            </a:r>
+          </a:p>
+        </p:txBody>
+      </p:sp>
       <p:pic>
         <p:nvPicPr>
           <p:cNvPr id="17" name="Picture 16" descr="A black background with different colored text&#10;&#10;AI-generated content may be incorrect.">
@@ -20027,7 +20332,7 @@
         </p:blipFill>
         <p:spPr>
           <a:xfrm>
-            <a:off x="2743012" y="3596751"/>
+            <a:off x="4585111" y="3788348"/>
             <a:ext cx="3103344" cy="1234479"/>
           </a:xfrm>
           <a:prstGeom prst="rect">
@@ -20057,7 +20362,7 @@
         </p:blipFill>
         <p:spPr>
           <a:xfrm>
-            <a:off x="2763569" y="5105574"/>
+            <a:off x="4618574" y="5212309"/>
             <a:ext cx="5747449" cy="1179236"/>
           </a:xfrm>
           <a:prstGeom prst="rect">
@@ -20065,6 +20370,94 @@
           </a:prstGeom>
         </p:spPr>
       </p:pic>
+      <p:sp>
+        <p:nvSpPr>
+          <p:cNvPr id="6" name="箭头: 右 5">
+            <a:extLst>
+              <a:ext uri="{FF2B5EF4-FFF2-40B4-BE49-F238E27FC236}">
+                <a16:creationId xmlns:a16="http://schemas.microsoft.com/office/drawing/2014/main" id="{4F7F2A55-E2DA-90CB-9C8A-DE0FC1D6F1CD}"/>
+              </a:ext>
+            </a:extLst>
+          </p:cNvPr>
+          <p:cNvSpPr/>
+          <p:nvPr/>
+        </p:nvSpPr>
+        <p:spPr>
+          <a:xfrm>
+            <a:off x="3587131" y="4113199"/>
+            <a:ext cx="885371" cy="584775"/>
+          </a:xfrm>
+          <a:prstGeom prst="rightArrow">
+            <a:avLst/>
+          </a:prstGeom>
+          <a:noFill/>
+          <a:ln w="38100">
+            <a:solidFill>
+              <a:srgbClr val="00B050"/>
+            </a:solidFill>
+          </a:ln>
+        </p:spPr>
+        <p:txBody>
+          <a:bodyPr wrap="square" lIns="0" rtlCol="0" anchor="ctr">
+            <a:noAutofit/>
+          </a:bodyPr>
+          <a:lstStyle/>
+          <a:p>
+            <a:pPr algn="l"/>
+            <a:endParaRPr lang="zh-CN" altLang="en-US" b="1" dirty="0">
+              <a:solidFill>
+                <a:srgbClr val="FF0000"/>
+              </a:solidFill>
+              <a:latin typeface="微软雅黑" pitchFamily="34" charset="-122"/>
+              <a:ea typeface="微软雅黑" pitchFamily="34" charset="-122"/>
+            </a:endParaRPr>
+          </a:p>
+        </p:txBody>
+      </p:sp>
+      <p:sp>
+        <p:nvSpPr>
+          <p:cNvPr id="8" name="箭头: 右 7">
+            <a:extLst>
+              <a:ext uri="{FF2B5EF4-FFF2-40B4-BE49-F238E27FC236}">
+                <a16:creationId xmlns:a16="http://schemas.microsoft.com/office/drawing/2014/main" id="{5FF337BE-E3FF-4102-51E7-9AE5E37C2AD1}"/>
+              </a:ext>
+            </a:extLst>
+          </p:cNvPr>
+          <p:cNvSpPr/>
+          <p:nvPr/>
+        </p:nvSpPr>
+        <p:spPr>
+          <a:xfrm>
+            <a:off x="3599091" y="5530354"/>
+            <a:ext cx="885371" cy="584775"/>
+          </a:xfrm>
+          <a:prstGeom prst="rightArrow">
+            <a:avLst/>
+          </a:prstGeom>
+          <a:noFill/>
+          <a:ln w="38100">
+            <a:solidFill>
+              <a:srgbClr val="00B050"/>
+            </a:solidFill>
+          </a:ln>
+        </p:spPr>
+        <p:txBody>
+          <a:bodyPr wrap="square" lIns="0" rtlCol="0" anchor="ctr">
+            <a:noAutofit/>
+          </a:bodyPr>
+          <a:lstStyle/>
+          <a:p>
+            <a:pPr algn="l"/>
+            <a:endParaRPr lang="zh-CN" altLang="en-US" b="1" dirty="0">
+              <a:solidFill>
+                <a:srgbClr val="FF0000"/>
+              </a:solidFill>
+              <a:latin typeface="微软雅黑" pitchFamily="34" charset="-122"/>
+              <a:ea typeface="微软雅黑" pitchFamily="34" charset="-122"/>
+            </a:endParaRPr>
+          </a:p>
+        </p:txBody>
+      </p:sp>
     </p:spTree>
     <p:extLst>
       <p:ext uri="{BB962C8B-B14F-4D97-AF65-F5344CB8AC3E}">
@@ -20122,8 +20515,8 @@
         </p:nvSpPr>
         <p:spPr>
           <a:xfrm>
-            <a:off x="0" y="8526"/>
-            <a:ext cx="9013371" cy="792162"/>
+            <a:off x="1" y="8526"/>
+            <a:ext cx="6712856" cy="792162"/>
           </a:xfrm>
         </p:spPr>
         <p:txBody>
@@ -20161,8 +20554,8 @@
         </p:nvSpPr>
         <p:spPr>
           <a:xfrm>
-            <a:off x="495580" y="931590"/>
-            <a:ext cx="8022210" cy="584775"/>
+            <a:off x="166914" y="931591"/>
+            <a:ext cx="9874876" cy="584775"/>
           </a:xfrm>
           <a:prstGeom prst="rect">
             <a:avLst/>
@@ -20210,8 +20603,8 @@
         </p:nvSpPr>
         <p:spPr>
           <a:xfrm>
-            <a:off x="495578" y="1647267"/>
-            <a:ext cx="8394422" cy="3340145"/>
+            <a:off x="539123" y="1647268"/>
+            <a:ext cx="11014247" cy="2601546"/>
           </a:xfrm>
           <a:prstGeom prst="rect">
             <a:avLst/>
@@ -20230,6 +20623,70 @@
               </a:lnSpc>
             </a:pPr>
             <a:r>
+              <a:rPr lang="zh-CN" altLang="en-US" sz="3200" b="1" dirty="0">
+                <a:solidFill>
+                  <a:schemeClr val="bg2"/>
+                </a:solidFill>
+                <a:latin typeface="+mn-ea"/>
+                <a:ea typeface="+mn-ea"/>
+              </a:rPr>
+              <a:t>终端命令：</a:t>
+            </a:r>
+            <a:r>
+              <a:rPr lang="en-US" altLang="zh-CN" sz="3200" b="1" dirty="0" err="1">
+                <a:solidFill>
+                  <a:srgbClr val="FF0000"/>
+                </a:solidFill>
+                <a:latin typeface="+mn-ea"/>
+                <a:ea typeface="+mn-ea"/>
+              </a:rPr>
+              <a:t>pwd</a:t>
+            </a:r>
+            <a:r>
+              <a:rPr lang="en-US" altLang="zh-CN" sz="3200" b="1" dirty="0">
+                <a:solidFill>
+                  <a:srgbClr val="FF0000"/>
+                </a:solidFill>
+                <a:latin typeface="+mn-ea"/>
+                <a:ea typeface="+mn-ea"/>
+              </a:rPr>
+              <a:t>, ls</a:t>
+            </a:r>
+            <a:r>
+              <a:rPr lang="zh-CN" altLang="en-US" sz="3200" b="1" dirty="0">
+                <a:solidFill>
+                  <a:srgbClr val="FF0000"/>
+                </a:solidFill>
+                <a:latin typeface="+mn-ea"/>
+                <a:ea typeface="+mn-ea"/>
+              </a:rPr>
+              <a:t>，</a:t>
+            </a:r>
+            <a:r>
+              <a:rPr lang="en-US" altLang="zh-CN" sz="3200" b="1" dirty="0">
+                <a:solidFill>
+                  <a:srgbClr val="FF0000"/>
+                </a:solidFill>
+                <a:latin typeface="+mn-ea"/>
+                <a:ea typeface="+mn-ea"/>
+              </a:rPr>
+              <a:t>cd, cd.. new-item/touch, rm</a:t>
+            </a:r>
+            <a:endParaRPr lang="en-US" sz="3200" b="1" dirty="0">
+              <a:solidFill>
+                <a:srgbClr val="FF0000"/>
+              </a:solidFill>
+              <a:latin typeface="+mn-ea"/>
+              <a:ea typeface="+mn-ea"/>
+            </a:endParaRPr>
+          </a:p>
+          <a:p>
+            <a:pPr algn="just">
+              <a:lnSpc>
+                <a:spcPct val="150000"/>
+              </a:lnSpc>
+            </a:pPr>
+            <a:r>
               <a:rPr lang="en-US" sz="3200" b="1" dirty="0">
                 <a:solidFill>
                   <a:schemeClr val="bg2"/>
@@ -20237,7 +20694,7 @@
                 <a:latin typeface="+mn-ea"/>
                 <a:ea typeface="+mn-ea"/>
               </a:rPr>
-              <a:t>o</a:t>
+              <a:t>Python o</a:t>
             </a:r>
             <a:r>
               <a:rPr lang="en-CN" sz="3200" b="1" dirty="0">
@@ -20313,20 +20770,16 @@
               </a:rPr>
               <a:t>重命名文件</a:t>
             </a:r>
-            <a:endParaRPr lang="en-US" sz="2800" dirty="0">
-              <a:solidFill>
-                <a:schemeClr val="bg2"/>
-              </a:solidFill>
-              <a:latin typeface="+mn-ea"/>
-              <a:ea typeface="+mn-ea"/>
-            </a:endParaRPr>
-          </a:p>
-          <a:p>
-            <a:pPr algn="just">
-              <a:lnSpc>
-                <a:spcPct val="150000"/>
-              </a:lnSpc>
-            </a:pPr>
+            <a:r>
+              <a:rPr lang="zh-CN" altLang="en-US" sz="2800" dirty="0">
+                <a:solidFill>
+                  <a:schemeClr val="bg2"/>
+                </a:solidFill>
+                <a:latin typeface="+mn-ea"/>
+                <a:ea typeface="+mn-ea"/>
+              </a:rPr>
+              <a:t>；</a:t>
+            </a:r>
             <a:r>
               <a:rPr lang="en-US" sz="2800" dirty="0">
                 <a:solidFill>
@@ -20367,20 +20820,6 @@
               </a:rPr>
               <a:t>删除文件</a:t>
             </a:r>
-            <a:endParaRPr lang="en-US" sz="2800" dirty="0">
-              <a:solidFill>
-                <a:schemeClr val="bg2"/>
-              </a:solidFill>
-              <a:latin typeface="+mn-ea"/>
-              <a:ea typeface="+mn-ea"/>
-            </a:endParaRPr>
-          </a:p>
-          <a:p>
-            <a:pPr algn="just">
-              <a:lnSpc>
-                <a:spcPct val="150000"/>
-              </a:lnSpc>
-            </a:pPr>
             <a:r>
               <a:rPr lang="en-US" sz="2800" dirty="0">
                 <a:solidFill>
@@ -20389,7 +20828,7 @@
                 <a:latin typeface="+mn-ea"/>
                 <a:ea typeface="+mn-ea"/>
               </a:rPr>
-              <a:t>  …</a:t>
+              <a:t>…</a:t>
             </a:r>
             <a:endParaRPr lang="en-CN" sz="2800" dirty="0">
               <a:solidFill>
@@ -20423,8 +20862,8 @@
         </p:blipFill>
         <p:spPr>
           <a:xfrm>
-            <a:off x="377437" y="5118314"/>
-            <a:ext cx="8630703" cy="1278622"/>
+            <a:off x="379465" y="4453273"/>
+            <a:ext cx="11284359" cy="1671756"/>
           </a:xfrm>
           <a:prstGeom prst="rect">
             <a:avLst/>
@@ -20488,8 +20927,8 @@
         </p:nvSpPr>
         <p:spPr>
           <a:xfrm>
-            <a:off x="0" y="8526"/>
-            <a:ext cx="9013371" cy="792162"/>
+            <a:off x="1" y="8526"/>
+            <a:ext cx="10537372" cy="792162"/>
           </a:xfrm>
         </p:spPr>
         <p:txBody>
@@ -20527,8 +20966,8 @@
         </p:nvSpPr>
         <p:spPr>
           <a:xfrm>
-            <a:off x="495580" y="931590"/>
-            <a:ext cx="8022210" cy="584775"/>
+            <a:off x="283029" y="931591"/>
+            <a:ext cx="9758761" cy="584775"/>
           </a:xfrm>
           <a:prstGeom prst="rect">
             <a:avLst/>
@@ -20576,8 +21015,8 @@
         </p:nvSpPr>
         <p:spPr>
           <a:xfrm>
-            <a:off x="495578" y="1633592"/>
-            <a:ext cx="8254721" cy="1054135"/>
+            <a:off x="428173" y="1633593"/>
+            <a:ext cx="11357431" cy="1169551"/>
           </a:xfrm>
           <a:prstGeom prst="rect">
             <a:avLst/>
@@ -20592,7 +21031,7 @@
           <a:p>
             <a:pPr algn="just"/>
             <a:r>
-              <a:rPr lang="en-US" sz="2500" b="1" dirty="0">
+              <a:rPr lang="en-US" sz="2800" b="1" dirty="0">
                 <a:solidFill>
                   <a:schemeClr val="bg2"/>
                 </a:solidFill>
@@ -20602,7 +21041,7 @@
               <a:t>glob</a:t>
             </a:r>
             <a:r>
-              <a:rPr lang="en-CN" sz="2500" b="1" dirty="0">
+              <a:rPr lang="en-CN" sz="2800" b="1" dirty="0">
                 <a:solidFill>
                   <a:schemeClr val="bg2"/>
                 </a:solidFill>
@@ -20612,7 +21051,7 @@
               <a:t>模块</a:t>
             </a:r>
             <a:r>
-              <a:rPr lang="zh-CN" altLang="en-US" sz="2500" dirty="0">
+              <a:rPr lang="zh-CN" altLang="en-US" sz="2800" dirty="0">
                 <a:solidFill>
                   <a:schemeClr val="bg2"/>
                 </a:solidFill>
@@ -20621,7 +21060,7 @@
               </a:rPr>
               <a:t>：文件路径匹配模块</a:t>
             </a:r>
-            <a:endParaRPr lang="en-CN" sz="2500" dirty="0">
+            <a:endParaRPr lang="en-CN" sz="2800" dirty="0">
               <a:solidFill>
                 <a:schemeClr val="bg2"/>
               </a:solidFill>
@@ -20632,7 +21071,7 @@
           <a:p>
             <a:pPr algn="just"/>
             <a:r>
-              <a:rPr lang="en-CN" sz="2500" dirty="0">
+              <a:rPr lang="en-CN" sz="2800" dirty="0">
                 <a:solidFill>
                   <a:schemeClr val="bg2"/>
                 </a:solidFill>
@@ -20642,7 +21081,7 @@
               <a:t>通配符</a:t>
             </a:r>
             <a:r>
-              <a:rPr lang="zh-CN" altLang="en-US" sz="2500" dirty="0">
+              <a:rPr lang="zh-CN" altLang="en-US" sz="2800" dirty="0">
                 <a:solidFill>
                   <a:schemeClr val="bg2"/>
                 </a:solidFill>
@@ -20652,7 +21091,7 @@
               <a:t>：*（任意字符）、？（单个字符）、</a:t>
             </a:r>
             <a:r>
-              <a:rPr lang="en-US" altLang="zh-CN" sz="2500" dirty="0">
+              <a:rPr lang="en-US" altLang="zh-CN" sz="2800" dirty="0">
                 <a:solidFill>
                   <a:schemeClr val="bg2"/>
                 </a:solidFill>
@@ -20662,7 +21101,7 @@
               <a:t>[]</a:t>
             </a:r>
             <a:r>
-              <a:rPr lang="zh-CN" altLang="en-US" sz="2500" dirty="0">
+              <a:rPr lang="zh-CN" altLang="en-US" sz="2800" dirty="0">
                 <a:solidFill>
                   <a:schemeClr val="bg2"/>
                 </a:solidFill>
@@ -20671,7 +21110,7 @@
               </a:rPr>
               <a:t>（字符范围）</a:t>
             </a:r>
-            <a:endParaRPr lang="en-CN" sz="2500" dirty="0">
+            <a:endParaRPr lang="en-CN" sz="2800" dirty="0">
               <a:solidFill>
                 <a:schemeClr val="bg2"/>
               </a:solidFill>
@@ -20696,35 +21135,35 @@
           <p:nvPr>
             <p:extLst>
               <p:ext uri="{D42A27DB-BD31-4B8C-83A1-F6EECF244321}">
-                <p14:modId xmlns:p14="http://schemas.microsoft.com/office/powerpoint/2010/main" val="4048648863"/>
+                <p14:modId xmlns:p14="http://schemas.microsoft.com/office/powerpoint/2010/main" val="169066637"/>
               </p:ext>
             </p:extLst>
           </p:nvPr>
         </p:nvGraphicFramePr>
         <p:xfrm>
-          <a:off x="495579" y="2995454"/>
-          <a:ext cx="8022211" cy="3316446"/>
+          <a:off x="428173" y="3009968"/>
+          <a:ext cx="11357431" cy="3448890"/>
         </p:xfrm>
         <a:graphic>
           <a:graphicData uri="http://schemas.openxmlformats.org/drawingml/2006/table">
             <a:tbl>
               <a:tblPr/>
               <a:tblGrid>
-                <a:gridCol w="1373661">
+                <a:gridCol w="1407885">
                   <a:extLst>
                     <a:ext uri="{9D8B030D-6E8A-4147-A177-3AD203B41FA5}">
                       <a16:colId xmlns:a16="http://schemas.microsoft.com/office/drawing/2014/main" val="2348796459"/>
                     </a:ext>
                   </a:extLst>
                 </a:gridCol>
-                <a:gridCol w="2717947">
+                <a:gridCol w="4058855">
                   <a:extLst>
                     <a:ext uri="{9D8B030D-6E8A-4147-A177-3AD203B41FA5}">
                       <a16:colId xmlns:a16="http://schemas.microsoft.com/office/drawing/2014/main" val="3547002522"/>
                     </a:ext>
                   </a:extLst>
                 </a:gridCol>
-                <a:gridCol w="3930603">
+                <a:gridCol w="5890691">
                   <a:extLst>
                     <a:ext uri="{9D8B030D-6E8A-4147-A177-3AD203B41FA5}">
                       <a16:colId xmlns:a16="http://schemas.microsoft.com/office/drawing/2014/main" val="2363603393"/>
@@ -20732,7 +21171,7 @@
                   </a:extLst>
                 </a:gridCol>
               </a:tblGrid>
-              <a:tr h="758750">
+              <a:tr h="708481">
                 <a:tc>
                   <a:txBody>
                     <a:bodyPr/>
@@ -20740,7 +21179,7 @@
                     <a:p>
                       <a:pPr algn="ctr"/>
                       <a:r>
-                        <a:rPr lang="zh-CN" altLang="en-US" sz="2400" b="1">
+                        <a:rPr lang="zh-CN" altLang="en-US" sz="3000" b="1" dirty="0">
                           <a:solidFill>
                             <a:schemeClr val="bg2"/>
                           </a:solidFill>
@@ -20799,7 +21238,7 @@
                     <a:p>
                       <a:pPr algn="ctr"/>
                       <a:r>
-                        <a:rPr lang="zh-CN" altLang="en-US" sz="2400" b="1">
+                        <a:rPr lang="zh-CN" altLang="en-US" sz="3000" b="1">
                           <a:solidFill>
                             <a:schemeClr val="bg2"/>
                           </a:solidFill>
@@ -20858,7 +21297,7 @@
                     <a:p>
                       <a:pPr algn="ctr"/>
                       <a:r>
-                        <a:rPr lang="zh-CN" altLang="en-US" sz="2400" b="1">
+                        <a:rPr lang="zh-CN" altLang="en-US" sz="3000" b="1">
                           <a:solidFill>
                             <a:schemeClr val="bg2"/>
                           </a:solidFill>
@@ -20916,7 +21355,7 @@
                   </a:ext>
                 </a:extLst>
               </a:tr>
-              <a:tr h="793986">
+              <a:tr h="741383">
                 <a:tc>
                   <a:txBody>
                     <a:bodyPr/>
@@ -20924,7 +21363,7 @@
                     <a:p>
                       <a:pPr algn="ctr"/>
                       <a:r>
-                        <a:rPr lang="en-CN" sz="2400" dirty="0">
+                        <a:rPr lang="en-CN" sz="3000" dirty="0">
                           <a:solidFill>
                             <a:schemeClr val="bg2"/>
                           </a:solidFill>
@@ -20983,7 +21422,7 @@
                     <a:p>
                       <a:pPr algn="ctr"/>
                       <a:r>
-                        <a:rPr lang="zh-CN" altLang="en-US" sz="2400">
+                        <a:rPr lang="zh-CN" altLang="en-US" sz="3000" dirty="0">
                           <a:solidFill>
                             <a:schemeClr val="bg2"/>
                           </a:solidFill>
@@ -21042,7 +21481,7 @@
                     <a:p>
                       <a:pPr algn="ctr"/>
                       <a:r>
-                        <a:rPr lang="en-US" sz="2400">
+                        <a:rPr lang="en-US" sz="3000">
                           <a:solidFill>
                             <a:schemeClr val="bg2"/>
                           </a:solidFill>
@@ -21051,7 +21490,7 @@
                         <a:t>*.csv → </a:t>
                       </a:r>
                       <a:r>
-                        <a:rPr lang="zh-CN" altLang="en-US" sz="2400">
+                        <a:rPr lang="zh-CN" altLang="en-US" sz="3000">
                           <a:solidFill>
                             <a:schemeClr val="bg2"/>
                           </a:solidFill>
@@ -21060,7 +21499,7 @@
                         <a:t>所有</a:t>
                       </a:r>
                       <a:r>
-                        <a:rPr lang="en-US" sz="2400">
+                        <a:rPr lang="en-US" sz="3000">
                           <a:solidFill>
                             <a:schemeClr val="bg2"/>
                           </a:solidFill>
@@ -21069,7 +21508,7 @@
                         <a:t>CSV</a:t>
                       </a:r>
                       <a:r>
-                        <a:rPr lang="zh-CN" altLang="en-US" sz="2400">
+                        <a:rPr lang="zh-CN" altLang="en-US" sz="3000">
                           <a:solidFill>
                             <a:schemeClr val="bg2"/>
                           </a:solidFill>
@@ -21127,7 +21566,7 @@
                   </a:ext>
                 </a:extLst>
               </a:tr>
-              <a:tr h="881855">
+              <a:tr h="999513">
                 <a:tc>
                   <a:txBody>
                     <a:bodyPr/>
@@ -21135,7 +21574,7 @@
                     <a:p>
                       <a:pPr algn="ctr"/>
                       <a:r>
-                        <a:rPr lang="en-CN" sz="2400">
+                        <a:rPr lang="en-CN" sz="3000">
                           <a:solidFill>
                             <a:schemeClr val="bg2"/>
                           </a:solidFill>
@@ -21194,7 +21633,7 @@
                     <a:p>
                       <a:pPr algn="ctr"/>
                       <a:r>
-                        <a:rPr lang="zh-CN" altLang="en-US" sz="2400">
+                        <a:rPr lang="zh-CN" altLang="en-US" sz="3000" dirty="0">
                           <a:solidFill>
                             <a:schemeClr val="bg2"/>
                           </a:solidFill>
@@ -21253,13 +21692,31 @@
                     <a:p>
                       <a:pPr algn="ctr"/>
                       <a:r>
-                        <a:rPr lang="en-US" sz="2400">
+                        <a:rPr lang="en-US" sz="3000" dirty="0">
                           <a:solidFill>
                             <a:schemeClr val="bg2"/>
                           </a:solidFill>
                           <a:effectLst/>
                         </a:rPr>
-                        <a:t>image_??.png → image_01.png</a:t>
+                        <a:t>image_??.</a:t>
+                      </a:r>
+                      <a:r>
+                        <a:rPr lang="en-US" sz="3000" dirty="0" err="1">
+                          <a:solidFill>
+                            <a:schemeClr val="bg2"/>
+                          </a:solidFill>
+                          <a:effectLst/>
+                        </a:rPr>
+                        <a:t>png</a:t>
+                      </a:r>
+                      <a:r>
+                        <a:rPr lang="en-US" sz="3000" dirty="0">
+                          <a:solidFill>
+                            <a:schemeClr val="bg2"/>
+                          </a:solidFill>
+                          <a:effectLst/>
+                        </a:rPr>
+                        <a:t> → image_01.png</a:t>
                       </a:r>
                     </a:p>
                   </a:txBody>
@@ -21311,7 +21768,7 @@
                   </a:ext>
                 </a:extLst>
               </a:tr>
-              <a:tr h="881855">
+              <a:tr h="999513">
                 <a:tc>
                   <a:txBody>
                     <a:bodyPr/>
@@ -21319,7 +21776,7 @@
                     <a:p>
                       <a:pPr algn="ctr"/>
                       <a:r>
-                        <a:rPr lang="en-CN" sz="2400">
+                        <a:rPr lang="en-CN" sz="3000">
                           <a:solidFill>
                             <a:schemeClr val="bg2"/>
                           </a:solidFill>
@@ -21378,7 +21835,7 @@
                     <a:p>
                       <a:pPr algn="ctr"/>
                       <a:r>
-                        <a:rPr lang="zh-CN" altLang="en-US" sz="2400">
+                        <a:rPr lang="zh-CN" altLang="en-US" sz="3000">
                           <a:solidFill>
                             <a:schemeClr val="bg2"/>
                           </a:solidFill>
@@ -21437,7 +21894,7 @@
                     <a:p>
                       <a:pPr algn="ctr"/>
                       <a:r>
-                        <a:rPr lang="en-US" sz="2400" dirty="0">
+                        <a:rPr lang="en-US" sz="3000" dirty="0">
                           <a:solidFill>
                             <a:schemeClr val="bg2"/>
                           </a:solidFill>

--- a/第5章-文件操作与异常处理/第5章-文件操作与异常处理.pptx
+++ b/第5章-文件操作与异常处理/第5章-文件操作与异常处理.pptx
@@ -10808,7 +10808,7 @@
           <a:lstStyle/>
           <a:p>
             <a:pPr algn="l"/>
-            <a:endParaRPr lang="zh-CN" altLang="en-US" b="1">
+            <a:endParaRPr lang="zh-CN" altLang="en-US" sz="2800" b="1">
               <a:solidFill>
                 <a:srgbClr val="FF0000"/>
               </a:solidFill>
@@ -10827,7 +10827,7 @@
         <p:spPr>
           <a:xfrm>
             <a:off x="254222" y="3868892"/>
-            <a:ext cx="11670743" cy="707886"/>
+            <a:ext cx="11670743" cy="769441"/>
           </a:xfrm>
           <a:prstGeom prst="rect">
             <a:avLst/>
@@ -10848,7 +10848,7 @@
               </a:spcAft>
             </a:pPr>
             <a:r>
-              <a:rPr lang="zh-CN" altLang="en-US" sz="4000" b="1" dirty="0">
+              <a:rPr lang="zh-CN" altLang="en-US" sz="4400" b="1" dirty="0">
                 <a:latin typeface="微软雅黑" pitchFamily="34" charset="-122"/>
                 <a:ea typeface="微软雅黑" pitchFamily="34" charset="-122"/>
               </a:rPr>
@@ -11816,7 +11816,7 @@
           <p:nvPr>
             <p:extLst>
               <p:ext uri="{D42A27DB-BD31-4B8C-83A1-F6EECF244321}">
-                <p14:modId xmlns:p14="http://schemas.microsoft.com/office/powerpoint/2010/main" val="253094384"/>
+                <p14:modId xmlns:p14="http://schemas.microsoft.com/office/powerpoint/2010/main" val="249177721"/>
               </p:ext>
             </p:extLst>
           </p:nvPr>
@@ -11830,14 +11830,14 @@
             <a:tbl>
               <a:tblPr/>
               <a:tblGrid>
-                <a:gridCol w="1726606">
+                <a:gridCol w="1798977">
                   <a:extLst>
                     <a:ext uri="{9D8B030D-6E8A-4147-A177-3AD203B41FA5}">
                       <a16:colId xmlns:a16="http://schemas.microsoft.com/office/drawing/2014/main" val="358579845"/>
                     </a:ext>
                   </a:extLst>
                 </a:gridCol>
-                <a:gridCol w="4815407">
+                <a:gridCol w="4743036">
                   <a:extLst>
                     <a:ext uri="{9D8B030D-6E8A-4147-A177-3AD203B41FA5}">
                       <a16:colId xmlns:a16="http://schemas.microsoft.com/office/drawing/2014/main" val="1282577104"/>
@@ -12900,7 +12900,7 @@
         <p:spPr>
           <a:xfrm>
             <a:off x="276224" y="935571"/>
-            <a:ext cx="10601325" cy="4683526"/>
+            <a:ext cx="11708494" cy="4683526"/>
           </a:xfrm>
           <a:prstGeom prst="rect">
             <a:avLst/>
@@ -12963,6 +12963,17 @@
               <a:t>异常处理作用</a:t>
             </a:r>
             <a:r>
+              <a:rPr lang="zh-CN" altLang="en-US" sz="3200" b="1" dirty="0">
+                <a:solidFill>
+                  <a:schemeClr val="bg2"/>
+                </a:solidFill>
+                <a:latin typeface="+mn-ea"/>
+                <a:ea typeface="+mn-ea"/>
+                <a:sym typeface="Wingdings" panose="05000000000000000000" pitchFamily="2" charset="2"/>
+              </a:rPr>
+              <a:t>：</a:t>
+            </a:r>
+            <a:r>
               <a:rPr lang="zh-CN" altLang="en-US" sz="3200" dirty="0">
                 <a:solidFill>
                   <a:schemeClr val="bg2"/>
@@ -12970,7 +12981,7 @@
                 <a:latin typeface="+mn-ea"/>
                 <a:ea typeface="+mn-ea"/>
               </a:rPr>
-              <a:t>：让程序运行更稳健。</a:t>
+              <a:t>防止程序崩溃，增强代码可读性等。</a:t>
             </a:r>
             <a:endParaRPr lang="en-US" altLang="zh-CN" sz="3200" dirty="0">
               <a:solidFill>
@@ -13145,18 +13156,18 @@
               <a:t>： </a:t>
             </a:r>
             <a:r>
-              <a:rPr lang="en-US" altLang="zh-CN" sz="3200" dirty="0">
-                <a:solidFill>
-                  <a:schemeClr val="bg2"/>
+              <a:rPr lang="en-US" altLang="zh-CN" sz="3200" b="1" dirty="0">
+                <a:solidFill>
+                  <a:schemeClr val="accent2"/>
                 </a:solidFill>
                 <a:latin typeface="+mn-ea"/>
                 <a:ea typeface="+mn-ea"/>
               </a:rPr>
               <a:t>try-except</a:t>
             </a:r>
-            <a:endParaRPr lang="en-CN" sz="3200" dirty="0">
+            <a:endParaRPr lang="en-CN" sz="3200" b="1" dirty="0">
               <a:solidFill>
-                <a:schemeClr val="bg2"/>
+                <a:schemeClr val="accent2"/>
               </a:solidFill>
               <a:latin typeface="+mn-ea"/>
               <a:ea typeface="+mn-ea"/>
@@ -14032,7 +14043,7 @@
                     <a:p>
                       <a:pPr algn="ctr"/>
                       <a:r>
-                        <a:rPr lang="en-US" sz="2400">
+                        <a:rPr lang="en-US" sz="2400" dirty="0" err="1">
                           <a:solidFill>
                             <a:schemeClr val="bg2"/>
                           </a:solidFill>
@@ -14040,6 +14051,12 @@
                         </a:rPr>
                         <a:t>IndexError</a:t>
                       </a:r>
+                      <a:endParaRPr lang="en-US" sz="2400" dirty="0">
+                        <a:solidFill>
+                          <a:schemeClr val="bg2"/>
+                        </a:solidFill>
+                        <a:effectLst/>
+                      </a:endParaRPr>
                     </a:p>
                   </a:txBody>
                   <a:tcPr anchor="ctr">
@@ -14582,7 +14599,7 @@
         </p:nvSpPr>
         <p:spPr>
           <a:xfrm>
-            <a:off x="552734" y="879377"/>
+            <a:off x="552734" y="832995"/>
             <a:ext cx="9984639" cy="825419"/>
           </a:xfrm>
           <a:prstGeom prst="rect">
@@ -14609,7 +14626,7 @@
                 <a:latin typeface="+mn-ea"/>
                 <a:ea typeface="+mn-ea"/>
               </a:rPr>
-              <a:t>章节实验</a:t>
+              <a:t>第五章实验</a:t>
             </a:r>
             <a:r>
               <a:rPr lang="en-US" altLang="zh-CN" sz="3600" b="1" dirty="0">
@@ -14655,8 +14672,8 @@
         </p:nvSpPr>
         <p:spPr>
           <a:xfrm>
-            <a:off x="552734" y="1583631"/>
-            <a:ext cx="11143398" cy="5237268"/>
+            <a:off x="410817" y="1537249"/>
+            <a:ext cx="11285315" cy="5237268"/>
           </a:xfrm>
           <a:prstGeom prst="rect">
             <a:avLst/>
@@ -14974,7 +14991,62 @@
                 <a:ea typeface="+mn-ea"/>
                 <a:cs typeface="Times New Roman" panose="02020603050405020304" pitchFamily="18" charset="0"/>
               </a:rPr>
-              <a:t>文件运行路径，分别采用相对路径和绝对路径读入计算机中同一个文件。</a:t>
+              <a:t>文件运行路径（</a:t>
+            </a:r>
+            <a:r>
+              <a:rPr lang="en-US" altLang="zh-CN" sz="2600" dirty="0" err="1">
+                <a:solidFill>
+                  <a:schemeClr val="bg2"/>
+                </a:solidFill>
+                <a:latin typeface="Times New Roman" panose="02020603050405020304" pitchFamily="18" charset="0"/>
+                <a:ea typeface="+mn-ea"/>
+                <a:cs typeface="Times New Roman" panose="02020603050405020304" pitchFamily="18" charset="0"/>
+              </a:rPr>
+              <a:t>vscode</a:t>
+            </a:r>
+            <a:r>
+              <a:rPr lang="zh-CN" altLang="en-US" sz="2600" dirty="0">
+                <a:solidFill>
+                  <a:schemeClr val="bg2"/>
+                </a:solidFill>
+                <a:latin typeface="Times New Roman" panose="02020603050405020304" pitchFamily="18" charset="0"/>
+                <a:ea typeface="+mn-ea"/>
+                <a:cs typeface="Times New Roman" panose="02020603050405020304" pitchFamily="18" charset="0"/>
+              </a:rPr>
+              <a:t>设置</a:t>
+            </a:r>
+            <a:r>
+              <a:rPr lang="en-US" altLang="zh-CN" sz="2600" dirty="0">
+                <a:solidFill>
+                  <a:schemeClr val="bg2"/>
+                </a:solidFill>
+                <a:latin typeface="Times New Roman" panose="02020603050405020304" pitchFamily="18" charset="0"/>
+                <a:ea typeface="+mn-ea"/>
+                <a:cs typeface="Times New Roman" panose="02020603050405020304" pitchFamily="18" charset="0"/>
+              </a:rPr>
+              <a:t>/</a:t>
+            </a:r>
+            <a:r>
+              <a:rPr lang="en-US" altLang="zh-CN" sz="2600" dirty="0" err="1">
+                <a:solidFill>
+                  <a:schemeClr val="bg2"/>
+                </a:solidFill>
+                <a:latin typeface="Times New Roman" panose="02020603050405020304" pitchFamily="18" charset="0"/>
+                <a:ea typeface="+mn-ea"/>
+                <a:cs typeface="Times New Roman" panose="02020603050405020304" pitchFamily="18" charset="0"/>
+              </a:rPr>
+              <a:t>os</a:t>
+            </a:r>
+            <a:r>
+              <a:rPr lang="zh-CN" altLang="en-US" sz="2600" dirty="0">
+                <a:solidFill>
+                  <a:schemeClr val="bg2"/>
+                </a:solidFill>
+                <a:latin typeface="Times New Roman" panose="02020603050405020304" pitchFamily="18" charset="0"/>
+                <a:ea typeface="+mn-ea"/>
+                <a:cs typeface="Times New Roman" panose="02020603050405020304" pitchFamily="18" charset="0"/>
+              </a:rPr>
+              <a:t>模块设置），分别采用相对路径和绝对路径读入计算机中同一个文件。</a:t>
             </a:r>
             <a:endParaRPr lang="en-US" altLang="zh-CN" sz="2600" dirty="0">
               <a:solidFill>
@@ -15080,9 +15152,9 @@
         <p:grpSpPr>
           <a:xfrm>
             <a:off x="1908663" y="3818531"/>
-            <a:ext cx="6403721" cy="717997"/>
+            <a:ext cx="3365702" cy="717997"/>
             <a:chOff x="2121801" y="3511390"/>
-            <a:chExt cx="5718901" cy="576000"/>
+            <a:chExt cx="3005771" cy="576000"/>
           </a:xfrm>
         </p:grpSpPr>
         <p:sp>
@@ -15159,8 +15231,8 @@
           </p:nvSpPr>
           <p:spPr>
             <a:xfrm>
-              <a:off x="2938446" y="3535749"/>
-              <a:ext cx="4902256" cy="518507"/>
+              <a:off x="2938447" y="3535749"/>
+              <a:ext cx="2189125" cy="518507"/>
             </a:xfrm>
             <a:prstGeom prst="rect">
               <a:avLst/>
@@ -15285,9 +15357,9 @@
         <p:grpSpPr>
           <a:xfrm>
             <a:off x="1908663" y="2532264"/>
-            <a:ext cx="6649827" cy="772176"/>
+            <a:ext cx="3962051" cy="772176"/>
             <a:chOff x="2121802" y="2115450"/>
-            <a:chExt cx="5221533" cy="576000"/>
+            <a:chExt cx="3111055" cy="576000"/>
           </a:xfrm>
         </p:grpSpPr>
         <p:sp>
@@ -15376,8 +15448,8 @@
           </p:nvSpPr>
           <p:spPr>
             <a:xfrm>
-              <a:off x="2839829" y="2150557"/>
-              <a:ext cx="4503506" cy="482127"/>
+              <a:off x="2839830" y="2150557"/>
+              <a:ext cx="2393027" cy="482127"/>
             </a:xfrm>
             <a:prstGeom prst="rect">
               <a:avLst/>
@@ -15682,8 +15754,8 @@
         </p:nvSpPr>
         <p:spPr>
           <a:xfrm>
-            <a:off x="348343" y="931591"/>
-            <a:ext cx="11357428" cy="5402313"/>
+            <a:off x="483703" y="931591"/>
+            <a:ext cx="11222067" cy="5402313"/>
           </a:xfrm>
           <a:prstGeom prst="rect">
             <a:avLst/>
@@ -15793,7 +15865,7 @@
               <a:t>大规模数据处理，文件操作可实现对多个文件的处理</a:t>
             </a:r>
             <a:r>
-              <a:rPr lang="en-US" altLang="zh-CN" sz="2800">
+              <a:rPr lang="en-US" altLang="zh-CN" sz="2800" dirty="0">
                 <a:solidFill>
                   <a:srgbClr val="333333"/>
                 </a:solidFill>
@@ -15802,13 +15874,6 @@
               </a:rPr>
               <a:t>…</a:t>
             </a:r>
-            <a:endParaRPr lang="en-US" altLang="zh-CN" sz="2800" dirty="0">
-              <a:solidFill>
-                <a:srgbClr val="333333"/>
-              </a:solidFill>
-              <a:latin typeface="+mn-ea"/>
-              <a:ea typeface="+mn-ea"/>
-            </a:endParaRPr>
           </a:p>
           <a:p>
             <a:pPr algn="just">
@@ -18413,7 +18478,7 @@
         </p:nvSpPr>
         <p:spPr>
           <a:xfrm>
-            <a:off x="375034" y="1751456"/>
+            <a:off x="375034" y="1718326"/>
             <a:ext cx="7837921" cy="5063759"/>
           </a:xfrm>
           <a:prstGeom prst="rect">
@@ -18624,27 +18689,7 @@
                 <a:latin typeface="+mj-ea"/>
                 <a:ea typeface="+mj-ea"/>
               </a:rPr>
-              <a:t>./ Data/</a:t>
-            </a:r>
-            <a:r>
-              <a:rPr lang="en-US" altLang="zh-CN" sz="2800" b="1" dirty="0" err="1">
-                <a:solidFill>
-                  <a:schemeClr val="accent2"/>
-                </a:solidFill>
-                <a:latin typeface="+mj-ea"/>
-                <a:ea typeface="+mj-ea"/>
-              </a:rPr>
-              <a:t>file.txt</a:t>
-            </a:r>
-            <a:r>
-              <a:rPr lang="en-US" altLang="zh-CN" sz="2800" b="1" dirty="0">
-                <a:solidFill>
-                  <a:schemeClr val="accent2"/>
-                </a:solidFill>
-                <a:latin typeface="+mj-ea"/>
-                <a:ea typeface="+mj-ea"/>
-              </a:rPr>
-              <a:t> </a:t>
+              <a:t>./Data/file.txt </a:t>
             </a:r>
             <a:r>
               <a:rPr lang="zh-CN" altLang="en-US" sz="2800" dirty="0">
@@ -18680,7 +18725,7 @@
         </p:nvGrpSpPr>
         <p:grpSpPr>
           <a:xfrm>
-            <a:off x="8220214" y="1161040"/>
+            <a:off x="8238805" y="1161040"/>
             <a:ext cx="3526971" cy="5522789"/>
             <a:chOff x="7399323" y="1647268"/>
             <a:chExt cx="3138048" cy="5122319"/>
@@ -18841,7 +18886,7 @@
             <p:spPr>
               <a:xfrm>
                 <a:off x="5108855" y="2263027"/>
-                <a:ext cx="658812" cy="356256"/>
+                <a:ext cx="658812" cy="330423"/>
               </a:xfrm>
               <a:prstGeom prst="rect">
                 <a:avLst/>
@@ -18857,14 +18902,14 @@
                 <a:r>
                   <a:rPr lang="en-US" altLang="zh-CN" b="1" dirty="0">
                     <a:solidFill>
-                      <a:schemeClr val="bg2"/>
+                      <a:schemeClr val="bg1"/>
                     </a:solidFill>
                   </a:rPr>
                   <a:t>C:\</a:t>
                 </a:r>
                 <a:endParaRPr lang="en-CN" b="1" dirty="0">
                   <a:solidFill>
-                    <a:schemeClr val="bg2"/>
+                    <a:schemeClr val="bg1"/>
                   </a:solidFill>
                 </a:endParaRPr>
               </a:p>
@@ -19182,15 +19227,19 @@
               <a:r>
                 <a:rPr lang="en-US" sz="2000" b="1" dirty="0">
                   <a:solidFill>
-                    <a:schemeClr val="bg2"/>
+                    <a:schemeClr val="bg1"/>
                   </a:solidFill>
+                  <a:latin typeface="+mn-ea"/>
+                  <a:ea typeface="+mn-ea"/>
                 </a:rPr>
                 <a:t>编程基础</a:t>
               </a:r>
               <a:endParaRPr lang="en-CN" sz="2000" b="1" dirty="0">
                 <a:solidFill>
-                  <a:schemeClr val="bg2"/>
-                </a:solidFill>
+                  <a:schemeClr val="bg1"/>
+                </a:solidFill>
+                <a:latin typeface="+mn-ea"/>
+                <a:ea typeface="+mn-ea"/>
               </a:endParaRPr>
             </a:p>
           </p:txBody>
@@ -19210,7 +19259,7 @@
           <p:spPr>
             <a:xfrm>
               <a:off x="7440582" y="4404500"/>
-              <a:ext cx="1095937" cy="400110"/>
+              <a:ext cx="1095937" cy="371097"/>
             </a:xfrm>
             <a:prstGeom prst="rect">
               <a:avLst/>
@@ -19226,14 +19275,14 @@
               <a:r>
                 <a:rPr lang="en-US" sz="2000" b="1" dirty="0">
                   <a:solidFill>
-                    <a:schemeClr val="bg2"/>
+                    <a:schemeClr val="bg1"/>
                   </a:solidFill>
                 </a:rPr>
                 <a:t>Data</a:t>
               </a:r>
               <a:endParaRPr lang="en-CN" sz="2000" b="1" dirty="0">
                 <a:solidFill>
-                  <a:schemeClr val="bg2"/>
+                  <a:schemeClr val="bg1"/>
                 </a:solidFill>
               </a:endParaRPr>
             </a:p>
@@ -21135,7 +21184,7 @@
           <p:nvPr>
             <p:extLst>
               <p:ext uri="{D42A27DB-BD31-4B8C-83A1-F6EECF244321}">
-                <p14:modId xmlns:p14="http://schemas.microsoft.com/office/powerpoint/2010/main" val="169066637"/>
+                <p14:modId xmlns:p14="http://schemas.microsoft.com/office/powerpoint/2010/main" val="2901750308"/>
               </p:ext>
             </p:extLst>
           </p:nvPr>
@@ -21363,9 +21412,9 @@
                     <a:p>
                       <a:pPr algn="ctr"/>
                       <a:r>
-                        <a:rPr lang="en-CN" sz="3000" dirty="0">
+                        <a:rPr lang="en-CN" sz="3000" b="1" dirty="0">
                           <a:solidFill>
-                            <a:schemeClr val="bg2"/>
+                            <a:schemeClr val="accent2"/>
                           </a:solidFill>
                           <a:effectLst/>
                         </a:rPr>
@@ -21574,9 +21623,9 @@
                     <a:p>
                       <a:pPr algn="ctr"/>
                       <a:r>
-                        <a:rPr lang="en-CN" sz="3000">
+                        <a:rPr lang="en-CN" sz="3000" b="1" dirty="0">
                           <a:solidFill>
-                            <a:schemeClr val="bg2"/>
+                            <a:schemeClr val="accent2"/>
                           </a:solidFill>
                           <a:effectLst/>
                         </a:rPr>
@@ -21776,9 +21825,9 @@
                     <a:p>
                       <a:pPr algn="ctr"/>
                       <a:r>
-                        <a:rPr lang="en-CN" sz="3000">
+                        <a:rPr lang="en-CN" sz="3000" b="1" dirty="0">
                           <a:solidFill>
-                            <a:schemeClr val="bg2"/>
+                            <a:schemeClr val="accent2"/>
                           </a:solidFill>
                           <a:effectLst/>
                         </a:rPr>

--- a/第5章-文件操作与异常处理/第5章-文件操作与异常处理.pptx
+++ b/第5章-文件操作与异常处理/第5章-文件操作与异常处理.pptx
@@ -1641,7 +1641,7 @@
               </a14:hiddenFill>
             </a:ext>
             <a:ext uri="{FAA26D3D-D897-4be2-8F04-BA451C77F1D7}">
-              <ma14:placeholderFlag xmlns:ma14="http://schemas.microsoft.com/office/mac/drawingml/2011/main" xmlns="" val="1"/>
+              <ma14:placeholderFlag xmlns="" xmlns:ma14="http://schemas.microsoft.com/office/mac/drawingml/2011/main" val="1"/>
             </a:ext>
           </a:extLst>
         </p:spPr>
@@ -2029,7 +2029,7 @@
               </a14:hiddenLine>
             </a:ext>
             <a:ext uri="{FAA26D3D-D897-4be2-8F04-BA451C77F1D7}">
-              <ma14:placeholderFlag xmlns:ma14="http://schemas.microsoft.com/office/mac/drawingml/2011/main" xmlns="" val="1"/>
+              <ma14:placeholderFlag xmlns="" xmlns:ma14="http://schemas.microsoft.com/office/mac/drawingml/2011/main" val="1"/>
             </a:ext>
           </a:extLst>
         </p:spPr>
@@ -5040,7 +5040,7 @@
               </a14:hiddenLine>
             </a:ext>
             <a:ext uri="{FAA26D3D-D897-4be2-8F04-BA451C77F1D7}">
-              <ma14:placeholderFlag xmlns:ma14="http://schemas.microsoft.com/office/mac/drawingml/2011/main" xmlns="" val="1"/>
+              <ma14:placeholderFlag xmlns="" xmlns:ma14="http://schemas.microsoft.com/office/mac/drawingml/2011/main" val="1"/>
             </a:ext>
           </a:extLst>
         </p:spPr>
@@ -8736,7 +8736,7 @@
               </a14:hiddenLine>
             </a:ext>
             <a:ext uri="{FAA26D3D-D897-4be2-8F04-BA451C77F1D7}">
-              <ma14:placeholderFlag xmlns:ma14="http://schemas.microsoft.com/office/mac/drawingml/2011/main" xmlns="" val="1"/>
+              <ma14:placeholderFlag xmlns="" xmlns:ma14="http://schemas.microsoft.com/office/mac/drawingml/2011/main" val="1"/>
             </a:ext>
           </a:extLst>
         </p:spPr>

--- a/第5章-文件操作与异常处理/第5章-文件操作与异常处理.pptx
+++ b/第5章-文件操作与异常处理/第5章-文件操作与异常处理.pptx
@@ -1641,7 +1641,7 @@
               </a14:hiddenFill>
             </a:ext>
             <a:ext uri="{FAA26D3D-D897-4be2-8F04-BA451C77F1D7}">
-              <ma14:placeholderFlag xmlns="" xmlns:ma14="http://schemas.microsoft.com/office/mac/drawingml/2011/main" val="1"/>
+              <ma14:placeholderFlag xmlns:ma14="http://schemas.microsoft.com/office/mac/drawingml/2011/main" xmlns="" val="1"/>
             </a:ext>
           </a:extLst>
         </p:spPr>
@@ -2029,7 +2029,7 @@
               </a14:hiddenLine>
             </a:ext>
             <a:ext uri="{FAA26D3D-D897-4be2-8F04-BA451C77F1D7}">
-              <ma14:placeholderFlag xmlns="" xmlns:ma14="http://schemas.microsoft.com/office/mac/drawingml/2011/main" val="1"/>
+              <ma14:placeholderFlag xmlns:ma14="http://schemas.microsoft.com/office/mac/drawingml/2011/main" xmlns="" val="1"/>
             </a:ext>
           </a:extLst>
         </p:spPr>
@@ -2054,7 +2054,7 @@
               <a:tabLst/>
               <a:defRPr/>
             </a:pPr>
-            <a:endParaRPr kumimoji="1" lang="zh-CN" altLang="zh-CN" sz="1200" kern="1200">
+            <a:endParaRPr kumimoji="1" lang="zh-CN" altLang="zh-CN" sz="1200" kern="1200" dirty="0">
               <a:solidFill>
                 <a:schemeClr val="tx1"/>
               </a:solidFill>
@@ -5040,7 +5040,7 @@
               </a14:hiddenLine>
             </a:ext>
             <a:ext uri="{FAA26D3D-D897-4be2-8F04-BA451C77F1D7}">
-              <ma14:placeholderFlag xmlns="" xmlns:ma14="http://schemas.microsoft.com/office/mac/drawingml/2011/main" val="1"/>
+              <ma14:placeholderFlag xmlns:ma14="http://schemas.microsoft.com/office/mac/drawingml/2011/main" xmlns="" val="1"/>
             </a:ext>
           </a:extLst>
         </p:spPr>
@@ -8736,7 +8736,7 @@
               </a14:hiddenLine>
             </a:ext>
             <a:ext uri="{FAA26D3D-D897-4be2-8F04-BA451C77F1D7}">
-              <ma14:placeholderFlag xmlns="" xmlns:ma14="http://schemas.microsoft.com/office/mac/drawingml/2011/main" val="1"/>
+              <ma14:placeholderFlag xmlns:ma14="http://schemas.microsoft.com/office/mac/drawingml/2011/main" xmlns="" val="1"/>
             </a:ext>
           </a:extLst>
         </p:spPr>
@@ -14599,8 +14599,8 @@
         </p:nvSpPr>
         <p:spPr>
           <a:xfrm>
-            <a:off x="552734" y="832995"/>
-            <a:ext cx="9984639" cy="825419"/>
+            <a:off x="495868" y="832995"/>
+            <a:ext cx="10041505" cy="825419"/>
           </a:xfrm>
           <a:prstGeom prst="rect">
             <a:avLst/>
@@ -14672,8 +14672,8 @@
         </p:nvSpPr>
         <p:spPr>
           <a:xfrm>
-            <a:off x="410817" y="1537249"/>
-            <a:ext cx="11285315" cy="5237268"/>
+            <a:off x="410817" y="1523997"/>
+            <a:ext cx="11363740" cy="4770537"/>
           </a:xfrm>
           <a:prstGeom prst="rect">
             <a:avLst/>
@@ -14686,13 +14686,9 @@
           </a:bodyPr>
           <a:lstStyle/>
           <a:p>
-            <a:pPr algn="just">
-              <a:lnSpc>
-                <a:spcPct val="150000"/>
-              </a:lnSpc>
-            </a:pPr>
-            <a:r>
-              <a:rPr lang="zh-CN" altLang="en-US" sz="3000" b="1" dirty="0">
+            <a:pPr algn="just"/>
+            <a:r>
+              <a:rPr lang="zh-CN" altLang="en-US" sz="3200" b="1" dirty="0">
                 <a:solidFill>
                   <a:srgbClr val="FF0000"/>
                 </a:solidFill>
@@ -14702,7 +14698,7 @@
               </a:rPr>
               <a:t>实验目标：</a:t>
             </a:r>
-            <a:endParaRPr lang="en-US" altLang="zh-CN" sz="3000" b="1" dirty="0">
+            <a:endParaRPr lang="en-US" altLang="zh-CN" sz="3200" b="1" dirty="0">
               <a:solidFill>
                 <a:srgbClr val="FF0000"/>
               </a:solidFill>
@@ -14712,13 +14708,9 @@
             </a:endParaRPr>
           </a:p>
           <a:p>
-            <a:pPr algn="just">
-              <a:lnSpc>
-                <a:spcPct val="150000"/>
-              </a:lnSpc>
-            </a:pPr>
-            <a:r>
-              <a:rPr lang="zh-CN" altLang="en-US" sz="2600" dirty="0">
+            <a:pPr algn="just"/>
+            <a:r>
+              <a:rPr lang="zh-CN" altLang="en-US" sz="2800" dirty="0">
                 <a:solidFill>
                   <a:schemeClr val="bg2"/>
                 </a:solidFill>
@@ -14729,7 +14721,7 @@
               <a:t>掌握</a:t>
             </a:r>
             <a:r>
-              <a:rPr lang="en-US" altLang="zh-CN" sz="2600" dirty="0">
+              <a:rPr lang="en-US" altLang="zh-CN" sz="2800" dirty="0">
                 <a:solidFill>
                   <a:schemeClr val="bg2"/>
                 </a:solidFill>
@@ -14740,7 +14732,7 @@
               <a:t>Python</a:t>
             </a:r>
             <a:r>
-              <a:rPr lang="zh-CN" altLang="en-US" sz="2600" dirty="0">
+              <a:rPr lang="zh-CN" altLang="en-US" sz="2800" dirty="0">
                 <a:solidFill>
                   <a:schemeClr val="bg2"/>
                 </a:solidFill>
@@ -14750,7 +14742,7 @@
               </a:rPr>
               <a:t>编程中文件操作以及程序运行路径设置</a:t>
             </a:r>
-            <a:endParaRPr lang="en-US" altLang="zh-CN" sz="2600" dirty="0">
+            <a:endParaRPr lang="en-US" altLang="zh-CN" sz="2800" dirty="0">
               <a:solidFill>
                 <a:schemeClr val="bg2"/>
               </a:solidFill>
@@ -14760,13 +14752,9 @@
             </a:endParaRPr>
           </a:p>
           <a:p>
-            <a:pPr algn="just">
-              <a:lnSpc>
-                <a:spcPct val="150000"/>
-              </a:lnSpc>
-            </a:pPr>
-            <a:r>
-              <a:rPr lang="zh-CN" altLang="en-US" sz="3000" b="1" dirty="0">
+            <a:pPr algn="just"/>
+            <a:r>
+              <a:rPr lang="zh-CN" altLang="en-US" sz="3200" b="1" dirty="0">
                 <a:solidFill>
                   <a:srgbClr val="FF0000"/>
                 </a:solidFill>
@@ -14776,7 +14764,7 @@
               </a:rPr>
               <a:t>实验内容及要求：</a:t>
             </a:r>
-            <a:endParaRPr lang="en-US" altLang="zh-CN" sz="3000" b="1" dirty="0">
+            <a:endParaRPr lang="en-US" altLang="zh-CN" sz="3200" b="1" dirty="0">
               <a:solidFill>
                 <a:srgbClr val="FF0000"/>
               </a:solidFill>
@@ -14786,13 +14774,9 @@
             </a:endParaRPr>
           </a:p>
           <a:p>
-            <a:pPr algn="just">
-              <a:lnSpc>
-                <a:spcPct val="150000"/>
-              </a:lnSpc>
-            </a:pPr>
-            <a:r>
-              <a:rPr lang="zh-CN" altLang="en-US" sz="2600" dirty="0">
+            <a:pPr algn="just"/>
+            <a:r>
+              <a:rPr lang="zh-CN" altLang="en-US" sz="2800" dirty="0">
                 <a:solidFill>
                   <a:schemeClr val="bg2"/>
                 </a:solidFill>
@@ -14803,7 +14787,7 @@
               <a:t>（</a:t>
             </a:r>
             <a:r>
-              <a:rPr lang="en-US" altLang="zh-CN" sz="2600" dirty="0">
+              <a:rPr lang="en-US" altLang="zh-CN" sz="2800" dirty="0">
                 <a:solidFill>
                   <a:schemeClr val="bg2"/>
                 </a:solidFill>
@@ -14814,7 +14798,7 @@
               <a:t>1</a:t>
             </a:r>
             <a:r>
-              <a:rPr lang="zh-CN" altLang="en-US" sz="2600" dirty="0">
+              <a:rPr lang="zh-CN" altLang="en-US" sz="2800" dirty="0">
                 <a:solidFill>
                   <a:schemeClr val="bg2"/>
                 </a:solidFill>
@@ -14825,7 +14809,7 @@
               <a:t>）分别利用命令行工具和</a:t>
             </a:r>
             <a:r>
-              <a:rPr lang="en-US" altLang="zh-CN" sz="2600" dirty="0">
+              <a:rPr lang="en-US" altLang="zh-CN" sz="2800" dirty="0">
                 <a:solidFill>
                   <a:schemeClr val="bg2"/>
                 </a:solidFill>
@@ -14836,7 +14820,7 @@
               <a:t>Python </a:t>
             </a:r>
             <a:r>
-              <a:rPr lang="en-US" altLang="zh-CN" sz="2600" dirty="0" err="1">
+              <a:rPr lang="en-US" altLang="zh-CN" sz="2800" dirty="0" err="1">
                 <a:solidFill>
                   <a:schemeClr val="bg2"/>
                 </a:solidFill>
@@ -14847,7 +14831,7 @@
               <a:t>os</a:t>
             </a:r>
             <a:r>
-              <a:rPr lang="zh-CN" altLang="en-US" sz="2600" dirty="0">
+              <a:rPr lang="zh-CN" altLang="en-US" sz="2800" dirty="0">
                 <a:solidFill>
                   <a:schemeClr val="bg2"/>
                 </a:solidFill>
@@ -14858,7 +14842,7 @@
               <a:t>模块进行文件查询，路径切换，以及文件创建，在计算机指定目录下创建若干</a:t>
             </a:r>
             <a:r>
-              <a:rPr lang="en-US" altLang="zh-CN" sz="2600" dirty="0">
+              <a:rPr lang="en-US" altLang="zh-CN" sz="2800" dirty="0">
                 <a:solidFill>
                   <a:schemeClr val="bg2"/>
                 </a:solidFill>
@@ -14869,7 +14853,7 @@
               <a:t>.txt</a:t>
             </a:r>
             <a:r>
-              <a:rPr lang="zh-CN" altLang="en-US" sz="2600" dirty="0">
+              <a:rPr lang="zh-CN" altLang="en-US" sz="2800" dirty="0">
                 <a:solidFill>
                   <a:schemeClr val="bg2"/>
                 </a:solidFill>
@@ -14880,7 +14864,7 @@
               <a:t>和</a:t>
             </a:r>
             <a:r>
-              <a:rPr lang="en-US" altLang="zh-CN" sz="2600" dirty="0">
+              <a:rPr lang="en-US" altLang="zh-CN" sz="2800" dirty="0">
                 <a:solidFill>
                   <a:schemeClr val="bg2"/>
                 </a:solidFill>
@@ -14891,7 +14875,7 @@
               <a:t>.</a:t>
             </a:r>
             <a:r>
-              <a:rPr lang="en-US" altLang="zh-CN" sz="2600" dirty="0" err="1">
+              <a:rPr lang="en-US" altLang="zh-CN" sz="2800" dirty="0" err="1">
                 <a:solidFill>
                   <a:schemeClr val="bg2"/>
                 </a:solidFill>
@@ -14902,7 +14886,7 @@
               <a:t>ipynb</a:t>
             </a:r>
             <a:r>
-              <a:rPr lang="zh-CN" altLang="en-US" sz="2600" dirty="0">
+              <a:rPr lang="zh-CN" altLang="en-US" sz="2800" dirty="0">
                 <a:solidFill>
                   <a:schemeClr val="bg2"/>
                 </a:solidFill>
@@ -14912,7 +14896,7 @@
               </a:rPr>
               <a:t>文件。</a:t>
             </a:r>
-            <a:endParaRPr lang="en-US" altLang="zh-CN" sz="2600" dirty="0">
+            <a:endParaRPr lang="en-US" altLang="zh-CN" sz="2800" dirty="0">
               <a:solidFill>
                 <a:schemeClr val="bg2"/>
               </a:solidFill>
@@ -14922,13 +14906,9 @@
             </a:endParaRPr>
           </a:p>
           <a:p>
-            <a:pPr algn="just">
-              <a:lnSpc>
-                <a:spcPct val="150000"/>
-              </a:lnSpc>
-            </a:pPr>
-            <a:r>
-              <a:rPr lang="zh-CN" altLang="en-US" sz="2600" dirty="0">
+            <a:pPr algn="just"/>
+            <a:r>
+              <a:rPr lang="zh-CN" altLang="en-US" sz="2800" dirty="0">
                 <a:solidFill>
                   <a:schemeClr val="bg2"/>
                 </a:solidFill>
@@ -14939,7 +14919,7 @@
               <a:t>（</a:t>
             </a:r>
             <a:r>
-              <a:rPr lang="en-US" altLang="zh-CN" sz="2600" dirty="0">
+              <a:rPr lang="en-US" altLang="zh-CN" sz="2800" dirty="0">
                 <a:solidFill>
                   <a:schemeClr val="bg2"/>
                 </a:solidFill>
@@ -14950,7 +14930,7 @@
               <a:t>2</a:t>
             </a:r>
             <a:r>
-              <a:rPr lang="zh-CN" altLang="en-US" sz="2600" dirty="0">
+              <a:rPr lang="zh-CN" altLang="en-US" sz="2800" dirty="0">
                 <a:solidFill>
                   <a:schemeClr val="bg2"/>
                 </a:solidFill>
@@ -14961,7 +14941,7 @@
               <a:t>）配置</a:t>
             </a:r>
             <a:r>
-              <a:rPr lang="en-US" altLang="zh-CN" sz="2600" dirty="0">
+              <a:rPr lang="en-US" altLang="zh-CN" sz="2800" dirty="0">
                 <a:solidFill>
                   <a:schemeClr val="bg2"/>
                 </a:solidFill>
@@ -14972,7 +14952,7 @@
               <a:t>.</a:t>
             </a:r>
             <a:r>
-              <a:rPr lang="en-US" altLang="zh-CN" sz="2600" dirty="0" err="1">
+              <a:rPr lang="en-US" altLang="zh-CN" sz="2800" dirty="0" err="1">
                 <a:solidFill>
                   <a:schemeClr val="bg2"/>
                 </a:solidFill>
@@ -14983,7 +14963,7 @@
               <a:t>ipynb</a:t>
             </a:r>
             <a:r>
-              <a:rPr lang="zh-CN" altLang="en-US" sz="2600" dirty="0">
+              <a:rPr lang="zh-CN" altLang="en-US" sz="2800" dirty="0">
                 <a:solidFill>
                   <a:schemeClr val="bg2"/>
                 </a:solidFill>
@@ -14994,7 +14974,7 @@
               <a:t>文件运行路径（</a:t>
             </a:r>
             <a:r>
-              <a:rPr lang="en-US" altLang="zh-CN" sz="2600" dirty="0" err="1">
+              <a:rPr lang="en-US" altLang="zh-CN" sz="2800" dirty="0" err="1">
                 <a:solidFill>
                   <a:schemeClr val="bg2"/>
                 </a:solidFill>
@@ -15005,7 +14985,7 @@
               <a:t>vscode</a:t>
             </a:r>
             <a:r>
-              <a:rPr lang="zh-CN" altLang="en-US" sz="2600" dirty="0">
+              <a:rPr lang="zh-CN" altLang="en-US" sz="2800" dirty="0">
                 <a:solidFill>
                   <a:schemeClr val="bg2"/>
                 </a:solidFill>
@@ -15016,7 +14996,7 @@
               <a:t>设置</a:t>
             </a:r>
             <a:r>
-              <a:rPr lang="en-US" altLang="zh-CN" sz="2600" dirty="0">
+              <a:rPr lang="en-US" altLang="zh-CN" sz="2800" dirty="0">
                 <a:solidFill>
                   <a:schemeClr val="bg2"/>
                 </a:solidFill>
@@ -15027,7 +15007,7 @@
               <a:t>/</a:t>
             </a:r>
             <a:r>
-              <a:rPr lang="en-US" altLang="zh-CN" sz="2600" dirty="0" err="1">
+              <a:rPr lang="en-US" altLang="zh-CN" sz="2800" dirty="0" err="1">
                 <a:solidFill>
                   <a:schemeClr val="bg2"/>
                 </a:solidFill>
@@ -15038,7 +15018,7 @@
               <a:t>os</a:t>
             </a:r>
             <a:r>
-              <a:rPr lang="zh-CN" altLang="en-US" sz="2600" dirty="0">
+              <a:rPr lang="zh-CN" altLang="en-US" sz="2800" dirty="0">
                 <a:solidFill>
                   <a:schemeClr val="bg2"/>
                 </a:solidFill>
@@ -15048,7 +15028,51 @@
               </a:rPr>
               <a:t>模块设置），分别采用相对路径和绝对路径读入计算机中同一个文件。</a:t>
             </a:r>
-            <a:endParaRPr lang="en-US" altLang="zh-CN" sz="2600" dirty="0">
+            <a:endParaRPr lang="en-US" altLang="zh-CN" sz="2800" dirty="0">
+              <a:solidFill>
+                <a:schemeClr val="bg2"/>
+              </a:solidFill>
+              <a:latin typeface="Times New Roman" panose="02020603050405020304" pitchFamily="18" charset="0"/>
+              <a:ea typeface="+mn-ea"/>
+              <a:cs typeface="Times New Roman" panose="02020603050405020304" pitchFamily="18" charset="0"/>
+            </a:endParaRPr>
+          </a:p>
+          <a:p>
+            <a:pPr algn="just"/>
+            <a:r>
+              <a:rPr lang="zh-CN" altLang="en-US" sz="2800" dirty="0">
+                <a:solidFill>
+                  <a:schemeClr val="bg2"/>
+                </a:solidFill>
+                <a:latin typeface="Times New Roman" panose="02020603050405020304" pitchFamily="18" charset="0"/>
+                <a:ea typeface="+mn-ea"/>
+                <a:cs typeface="Times New Roman" panose="02020603050405020304" pitchFamily="18" charset="0"/>
+              </a:rPr>
+              <a:t>（</a:t>
+            </a:r>
+            <a:r>
+              <a:rPr lang="en-US" altLang="zh-CN" sz="2800" dirty="0">
+                <a:solidFill>
+                  <a:schemeClr val="bg2"/>
+                </a:solidFill>
+                <a:latin typeface="Times New Roman" panose="02020603050405020304" pitchFamily="18" charset="0"/>
+                <a:ea typeface="+mn-ea"/>
+                <a:cs typeface="Times New Roman" panose="02020603050405020304" pitchFamily="18" charset="0"/>
+              </a:rPr>
+              <a:t>3</a:t>
+            </a:r>
+            <a:r>
+              <a:rPr lang="zh-CN" altLang="en-US" sz="2800" dirty="0">
+                <a:solidFill>
+                  <a:schemeClr val="bg2"/>
+                </a:solidFill>
+                <a:latin typeface="Times New Roman" panose="02020603050405020304" pitchFamily="18" charset="0"/>
+                <a:ea typeface="+mn-ea"/>
+                <a:cs typeface="Times New Roman" panose="02020603050405020304" pitchFamily="18" charset="0"/>
+              </a:rPr>
+              <a:t>）实验结果截图发至课程群中。</a:t>
+            </a:r>
+            <a:endParaRPr lang="en-US" altLang="zh-CN" sz="2800" dirty="0">
               <a:solidFill>
                 <a:schemeClr val="bg2"/>
               </a:solidFill>
